--- a/Presentation/Enhancing Beverage Production Process Efficiency.pptx
+++ b/Presentation/Enhancing Beverage Production Process Efficiency.pptx
@@ -5,7 +5,7 @@
     <p:sldMasterId id="2147483660" r:id="rId1"/>
   </p:sldMasterIdLst>
   <p:notesMasterIdLst>
-    <p:notesMasterId r:id="rId14"/>
+    <p:notesMasterId r:id="rId15"/>
   </p:notesMasterIdLst>
   <p:sldIdLst>
     <p:sldId id="256" r:id="rId2"/>
@@ -19,7 +19,8 @@
     <p:sldId id="264" r:id="rId10"/>
     <p:sldId id="265" r:id="rId11"/>
     <p:sldId id="266" r:id="rId12"/>
-    <p:sldId id="267" r:id="rId13"/>
+    <p:sldId id="268" r:id="rId13"/>
+    <p:sldId id="267" r:id="rId14"/>
   </p:sldIdLst>
   <p:sldSz cx="9144000" cy="6858000" type="screen4x3"/>
   <p:notesSz cx="6858000" cy="9144000"/>
@@ -763,7 +764,7 @@
           <a:p>
             <a:fld id="{2B744A31-07A7-4E36-B665-FDD29742B6BE}" type="slidenum">
               <a:rPr lang="en-GB" smtClean="0"/>
-              <a:t>12</a:t>
+              <a:t>13</a:t>
             </a:fld>
             <a:endParaRPr lang="en-GB"/>
           </a:p>
@@ -6497,6 +6498,35 @@
           </a:p>
         </p:txBody>
       </p:sp>
+      <p:pic>
+        <p:nvPicPr>
+          <p:cNvPr id="4" name="Picture 3"/>
+          <p:cNvPicPr>
+            <a:picLocks noChangeAspect="1"/>
+          </p:cNvPicPr>
+          <p:nvPr/>
+        </p:nvPicPr>
+        <p:blipFill>
+          <a:blip r:embed="rId3" cstate="print"/>
+          <a:stretch>
+            <a:fillRect/>
+          </a:stretch>
+        </p:blipFill>
+        <p:spPr>
+          <a:xfrm>
+            <a:off x="2627784" y="2852936"/>
+            <a:ext cx="5257800" cy="3048000"/>
+          </a:xfrm>
+          <a:prstGeom prst="rect">
+            <a:avLst/>
+          </a:prstGeom>
+          <a:ln>
+            <a:solidFill>
+              <a:schemeClr val="accent1"/>
+            </a:solidFill>
+          </a:ln>
+        </p:spPr>
+      </p:pic>
     </p:spTree>
   </p:cSld>
   <p:clrMapOvr>
@@ -6566,7 +6596,7 @@
         <p:spPr/>
         <p:txBody>
           <a:bodyPr>
-            <a:normAutofit fontScale="92500" lnSpcReduction="10000"/>
+            <a:normAutofit/>
           </a:bodyPr>
           <a:lstStyle/>
           <a:p>
@@ -6596,31 +6626,11 @@
           <a:p>
             <a:r>
               <a:rPr lang="en-GB" b="1" dirty="0" smtClean="0"/>
-              <a:t>Real-World Testing</a:t>
-            </a:r>
-            <a:r>
-              <a:rPr lang="en-GB" dirty="0" smtClean="0"/>
-              <a:t>:</a:t>
-            </a:r>
-          </a:p>
-          <a:p>
-            <a:pPr lvl="1"/>
-            <a:r>
-              <a:rPr lang="en-GB" dirty="0" smtClean="0"/>
-              <a:t>Model tested on actual production lines.</a:t>
-            </a:r>
-          </a:p>
-          <a:p>
-            <a:pPr lvl="1"/>
-            <a:r>
-              <a:rPr lang="en-GB" dirty="0" smtClean="0"/>
-              <a:t>Consistently surpassed traditional production methods.</a:t>
-            </a:r>
-          </a:p>
-          <a:p>
+              <a:t>Model's </a:t>
+            </a:r>
             <a:r>
               <a:rPr lang="en-GB" b="1" dirty="0" smtClean="0"/>
-              <a:t>Model's Continuous Learning</a:t>
+              <a:t>Continuous Learning</a:t>
             </a:r>
             <a:r>
               <a:rPr lang="en-GB" dirty="0" smtClean="0"/>
@@ -6731,48 +6741,179 @@
         </p:nvSpPr>
         <p:spPr/>
         <p:txBody>
-          <a:bodyPr/>
-          <a:lstStyle/>
-          <a:p>
-            <a:r>
-              <a:rPr lang="en-GB" dirty="0" smtClean="0"/>
-              <a:t>Demonstrated the powerful role of machine learning in boosting beverage production efficiency.</a:t>
-            </a:r>
-          </a:p>
-          <a:p>
-            <a:r>
-              <a:rPr lang="en-GB" dirty="0" smtClean="0"/>
-              <a:t>Leveraging data insights and predictive </a:t>
+          <a:bodyPr>
+            <a:normAutofit fontScale="55000" lnSpcReduction="20000"/>
+          </a:bodyPr>
+          <a:lstStyle/>
+          <a:p>
+            <a:r>
+              <a:rPr lang="en-GB" b="1" dirty="0" smtClean="0"/>
+              <a:t>Objective and Key Findings:</a:t>
+            </a:r>
+            <a:endParaRPr lang="en-GB" dirty="0" smtClean="0"/>
+          </a:p>
+          <a:p>
+            <a:pPr lvl="1"/>
+            <a:r>
+              <a:rPr lang="en-GB" dirty="0" smtClean="0"/>
+              <a:t>Aimed to understand phase overruns in beverage production.</a:t>
+            </a:r>
+          </a:p>
+          <a:p>
+            <a:pPr lvl="1"/>
+            <a:r>
+              <a:rPr lang="en-GB" dirty="0" smtClean="0"/>
+              <a:t>Advanced machine learning models, notably the Random Forest </a:t>
             </a:r>
             <a:r>
               <a:rPr lang="en-GB" dirty="0" err="1" smtClean="0"/>
-              <a:t>modeling</a:t>
-            </a:r>
-            <a:r>
-              <a:rPr lang="en-GB" dirty="0" smtClean="0"/>
-              <a:t> optimizes the production process, reducing waste.</a:t>
-            </a:r>
-          </a:p>
-          <a:p>
-            <a:r>
-              <a:rPr lang="en-GB" dirty="0" smtClean="0"/>
-              <a:t>Results in both substantial cost savings and environmental benefits.</a:t>
-            </a:r>
-          </a:p>
-          <a:p>
-            <a:r>
-              <a:rPr lang="en-GB" dirty="0" smtClean="0"/>
-              <a:t>Implementation of machine learning technologies can elevate product quality and consistency.</a:t>
-            </a:r>
-          </a:p>
-          <a:p>
-            <a:r>
-              <a:rPr lang="en-GB" dirty="0" smtClean="0"/>
-              <a:t>Enables agile and informed decision-making in a dynamic market.</a:t>
-            </a:r>
-          </a:p>
-          <a:p>
-            <a:endParaRPr lang="en-GB" dirty="0"/>
+              <a:t>Regressor</a:t>
+            </a:r>
+            <a:r>
+              <a:rPr lang="en-GB" dirty="0" smtClean="0"/>
+              <a:t> and Gradient Boosting </a:t>
+            </a:r>
+            <a:r>
+              <a:rPr lang="en-GB" dirty="0" err="1" smtClean="0"/>
+              <a:t>Regressor</a:t>
+            </a:r>
+            <a:r>
+              <a:rPr lang="en-GB" dirty="0" smtClean="0"/>
+              <a:t>, showed strong predictive capabilities.</a:t>
+            </a:r>
+          </a:p>
+          <a:p>
+            <a:r>
+              <a:rPr lang="en-GB" b="1" dirty="0" smtClean="0"/>
+              <a:t>Importance of Advanced ML Models:</a:t>
+            </a:r>
+            <a:endParaRPr lang="en-GB" dirty="0" smtClean="0"/>
+          </a:p>
+          <a:p>
+            <a:pPr lvl="1"/>
+            <a:r>
+              <a:rPr lang="en-GB" dirty="0" smtClean="0"/>
+              <a:t>Demonstrated ability to predict phase overruns across various tanks and instruction steps.</a:t>
+            </a:r>
+          </a:p>
+          <a:p>
+            <a:pPr lvl="1"/>
+            <a:r>
+              <a:rPr lang="en-GB" dirty="0" smtClean="0"/>
+              <a:t>Emphasized the transformative potential of these techniques in the beverage industry.</a:t>
+            </a:r>
+          </a:p>
+          <a:p>
+            <a:r>
+              <a:rPr lang="en-GB" b="1" dirty="0" smtClean="0"/>
+              <a:t>Value of Exploratory Data Analysis (EDA):</a:t>
+            </a:r>
+            <a:endParaRPr lang="en-GB" dirty="0" smtClean="0"/>
+          </a:p>
+          <a:p>
+            <a:pPr lvl="1"/>
+            <a:r>
+              <a:rPr lang="en-GB" dirty="0" smtClean="0"/>
+              <a:t>Foundational step that illuminated production nuances and inefficiencies.</a:t>
+            </a:r>
+          </a:p>
+          <a:p>
+            <a:pPr lvl="1"/>
+            <a:r>
+              <a:rPr lang="en-GB" dirty="0" smtClean="0"/>
+              <a:t>Proved beneficial even before the application of machine learning techniques.</a:t>
+            </a:r>
+          </a:p>
+          <a:p>
+            <a:r>
+              <a:rPr lang="en-GB" b="1" dirty="0" smtClean="0"/>
+              <a:t>Diversity of Top Models:</a:t>
+            </a:r>
+            <a:endParaRPr lang="en-GB" dirty="0" smtClean="0"/>
+          </a:p>
+          <a:p>
+            <a:pPr lvl="1"/>
+            <a:r>
+              <a:rPr lang="en-GB" dirty="0" smtClean="0"/>
+              <a:t>Different models excelled for different tanks and steps.</a:t>
+            </a:r>
+          </a:p>
+          <a:p>
+            <a:pPr lvl="1"/>
+            <a:r>
+              <a:rPr lang="en-GB" dirty="0" smtClean="0"/>
+              <a:t>Suggests that a custom approach, tailored to each specific task, might yield the best outcomes.</a:t>
+            </a:r>
+          </a:p>
+          <a:p>
+            <a:r>
+              <a:rPr lang="en-GB" b="1" dirty="0" smtClean="0"/>
+              <a:t>Data Limitations:</a:t>
+            </a:r>
+            <a:endParaRPr lang="en-GB" dirty="0" smtClean="0"/>
+          </a:p>
+          <a:p>
+            <a:pPr lvl="1"/>
+            <a:r>
+              <a:rPr lang="en-GB" dirty="0" smtClean="0"/>
+              <a:t>Only two years of data were used.</a:t>
+            </a:r>
+          </a:p>
+          <a:p>
+            <a:pPr lvl="1"/>
+            <a:r>
+              <a:rPr lang="en-GB" dirty="0" smtClean="0"/>
+              <a:t>Raised concerns about model </a:t>
+            </a:r>
+            <a:r>
+              <a:rPr lang="en-GB" dirty="0" err="1" smtClean="0"/>
+              <a:t>generalizability</a:t>
+            </a:r>
+            <a:r>
+              <a:rPr lang="en-GB" dirty="0" smtClean="0"/>
+              <a:t> and adaptability to future production shifts.</a:t>
+            </a:r>
+          </a:p>
+          <a:p>
+            <a:r>
+              <a:rPr lang="en-GB" b="1" dirty="0" smtClean="0"/>
+              <a:t>Broader Implications:</a:t>
+            </a:r>
+            <a:endParaRPr lang="en-GB" dirty="0" smtClean="0"/>
+          </a:p>
+          <a:p>
+            <a:pPr lvl="1"/>
+            <a:r>
+              <a:rPr lang="en-GB" dirty="0" smtClean="0"/>
+              <a:t>The research is impactful for improving the beverage production sector.</a:t>
+            </a:r>
+          </a:p>
+          <a:p>
+            <a:pPr lvl="1"/>
+            <a:r>
+              <a:rPr lang="en-GB" dirty="0" smtClean="0"/>
+              <a:t>Provides a roadmap for other manufacturing sectors aiming for efficiency improvements.</a:t>
+            </a:r>
+          </a:p>
+          <a:p>
+            <a:r>
+              <a:rPr lang="en-GB" dirty="0" smtClean="0"/>
+              <a:t>Regenerate</a:t>
+            </a:r>
+          </a:p>
+          <a:p>
+            <a:r>
+              <a:rPr lang="en-GB" dirty="0" smtClean="0"/>
+              <a:t/>
+            </a:r>
+            <a:br>
+              <a:rPr lang="en-GB" dirty="0" smtClean="0"/>
+            </a:br>
+            <a:r>
+              <a:rPr lang="en-GB" dirty="0" smtClean="0"/>
+              <a:t>.</a:t>
+            </a:r>
+            <a:endParaRPr lang="en-GB" dirty="0" smtClean="0"/>
           </a:p>
         </p:txBody>
       </p:sp>
@@ -6822,7 +6963,206 @@
                   <a:schemeClr val="tx1"/>
                 </a:solidFill>
               </a:rPr>
-              <a:t>Limitations &amp; Future Work</a:t>
+              <a:t>Limitations </a:t>
+            </a:r>
+            <a:endParaRPr lang="en-GB" dirty="0"/>
+          </a:p>
+        </p:txBody>
+      </p:sp>
+      <p:sp>
+        <p:nvSpPr>
+          <p:cNvPr id="3" name="Content Placeholder 2"/>
+          <p:cNvSpPr>
+            <a:spLocks noGrp="1"/>
+          </p:cNvSpPr>
+          <p:nvPr>
+            <p:ph sz="quarter" idx="1"/>
+          </p:nvPr>
+        </p:nvSpPr>
+        <p:spPr>
+          <a:xfrm>
+            <a:off x="457200" y="1600200"/>
+            <a:ext cx="7467600" cy="4493096"/>
+          </a:xfrm>
+        </p:spPr>
+        <p:txBody>
+          <a:bodyPr>
+            <a:normAutofit fontScale="62500" lnSpcReduction="20000"/>
+          </a:bodyPr>
+          <a:lstStyle/>
+          <a:p>
+            <a:r>
+              <a:rPr lang="en-GB" b="1" dirty="0" smtClean="0"/>
+              <a:t>Neural Network-Based Models (e.g., LSTM):</a:t>
+            </a:r>
+            <a:endParaRPr lang="en-GB" dirty="0" smtClean="0"/>
+          </a:p>
+          <a:p>
+            <a:pPr lvl="1"/>
+            <a:r>
+              <a:rPr lang="en-GB" dirty="0" smtClean="0"/>
+              <a:t>Pose challenges across all instruction steps.</a:t>
+            </a:r>
+          </a:p>
+          <a:p>
+            <a:pPr lvl="1"/>
+            <a:r>
+              <a:rPr lang="en-GB" dirty="0" smtClean="0"/>
+              <a:t>Computationally intensive and require vast training data.</a:t>
+            </a:r>
+          </a:p>
+          <a:p>
+            <a:pPr lvl="1"/>
+            <a:r>
+              <a:rPr lang="en-GB" dirty="0" smtClean="0"/>
+              <a:t>Lack transparency desired for understanding production nuances.</a:t>
+            </a:r>
+          </a:p>
+          <a:p>
+            <a:r>
+              <a:rPr lang="en-GB" b="1" dirty="0" smtClean="0"/>
+              <a:t>Complexity of Models like Random Forests and GBMs:</a:t>
+            </a:r>
+            <a:endParaRPr lang="en-GB" dirty="0" smtClean="0"/>
+          </a:p>
+          <a:p>
+            <a:pPr lvl="1"/>
+            <a:r>
+              <a:rPr lang="en-GB" dirty="0" smtClean="0"/>
+              <a:t>Provide potentially better results.</a:t>
+            </a:r>
+          </a:p>
+          <a:p>
+            <a:pPr lvl="1"/>
+            <a:r>
+              <a:rPr lang="en-GB" dirty="0" smtClean="0"/>
+              <a:t>Intricate structures make it difficult to discern reasoning behind decisions.</a:t>
+            </a:r>
+          </a:p>
+          <a:p>
+            <a:pPr lvl="1"/>
+            <a:r>
+              <a:rPr lang="en-GB" dirty="0" smtClean="0"/>
+              <a:t>Lack straightforward interpretability, crucial for industries requiring explanations.</a:t>
+            </a:r>
+          </a:p>
+          <a:p>
+            <a:r>
+              <a:rPr lang="en-GB" b="1" dirty="0" err="1" smtClean="0"/>
+              <a:t>Generalizability</a:t>
+            </a:r>
+            <a:r>
+              <a:rPr lang="en-GB" b="1" dirty="0" smtClean="0"/>
+              <a:t> Concerns:</a:t>
+            </a:r>
+            <a:endParaRPr lang="en-GB" dirty="0" smtClean="0"/>
+          </a:p>
+          <a:p>
+            <a:pPr lvl="1"/>
+            <a:r>
+              <a:rPr lang="en-GB" dirty="0" smtClean="0"/>
+              <a:t>Data or scenarios differing from training sets could lead to inaccurate predictions.</a:t>
+            </a:r>
+          </a:p>
+          <a:p>
+            <a:r>
+              <a:rPr lang="en-GB" b="1" dirty="0" smtClean="0"/>
+              <a:t>Ethical Concerns:</a:t>
+            </a:r>
+            <a:endParaRPr lang="en-GB" dirty="0" smtClean="0"/>
+          </a:p>
+          <a:p>
+            <a:pPr lvl="1"/>
+            <a:r>
+              <a:rPr lang="en-GB" dirty="0" smtClean="0"/>
+              <a:t>Potential biases within data could perpetuate or worsen existing gaps.</a:t>
+            </a:r>
+          </a:p>
+          <a:p>
+            <a:pPr lvl="1"/>
+            <a:r>
+              <a:rPr lang="en-GB" dirty="0" smtClean="0"/>
+              <a:t>Bias example: Limited production beverage batch data of only 2 years may not capture broader trends or patterns.</a:t>
+            </a:r>
+          </a:p>
+          <a:p>
+            <a:r>
+              <a:rPr lang="en-GB" b="1" dirty="0" smtClean="0"/>
+              <a:t>Dataset Limitations:</a:t>
+            </a:r>
+            <a:endParaRPr lang="en-GB" dirty="0" smtClean="0"/>
+          </a:p>
+          <a:p>
+            <a:pPr lvl="1"/>
+            <a:r>
+              <a:rPr lang="en-GB" dirty="0" smtClean="0"/>
+              <a:t>Insufficient material batch data to compare individual production tanks.</a:t>
+            </a:r>
+          </a:p>
+          <a:p>
+            <a:r>
+              <a:rPr lang="en-GB" b="1" dirty="0" smtClean="0"/>
+              <a:t>Research Literature Gap:</a:t>
+            </a:r>
+            <a:endParaRPr lang="en-GB" dirty="0" smtClean="0"/>
+          </a:p>
+          <a:p>
+            <a:pPr lvl="1"/>
+            <a:r>
+              <a:rPr lang="en-GB" dirty="0" smtClean="0"/>
+              <a:t>Limited literature on predictive analysis using machine learning specifically for the beverage manufacturing industry.</a:t>
+            </a:r>
+            <a:endParaRPr lang="en-GB" dirty="0"/>
+          </a:p>
+        </p:txBody>
+      </p:sp>
+    </p:spTree>
+  </p:cSld>
+  <p:clrMapOvr>
+    <a:masterClrMapping/>
+  </p:clrMapOvr>
+</p:sld>
+</file>
+
+<file path=ppt/slides/slide13.xml><?xml version="1.0" encoding="utf-8"?>
+<p:sld xmlns:a="http://schemas.openxmlformats.org/drawingml/2006/main" xmlns:r="http://schemas.openxmlformats.org/officeDocument/2006/relationships" xmlns:p="http://schemas.openxmlformats.org/presentationml/2006/main">
+  <p:cSld>
+    <p:spTree>
+      <p:nvGrpSpPr>
+        <p:cNvPr id="1" name=""/>
+        <p:cNvGrpSpPr/>
+        <p:nvPr/>
+      </p:nvGrpSpPr>
+      <p:grpSpPr>
+        <a:xfrm>
+          <a:off x="0" y="0"/>
+          <a:ext cx="0" cy="0"/>
+          <a:chOff x="0" y="0"/>
+          <a:chExt cx="0" cy="0"/>
+        </a:xfrm>
+      </p:grpSpPr>
+      <p:sp>
+        <p:nvSpPr>
+          <p:cNvPr id="2" name="Title 1"/>
+          <p:cNvSpPr>
+            <a:spLocks noGrp="1"/>
+          </p:cNvSpPr>
+          <p:nvPr>
+            <p:ph type="title"/>
+          </p:nvPr>
+        </p:nvSpPr>
+        <p:spPr/>
+        <p:txBody>
+          <a:bodyPr/>
+          <a:lstStyle/>
+          <a:p>
+            <a:r>
+              <a:rPr lang="en-GB" dirty="0" smtClean="0">
+                <a:solidFill>
+                  <a:schemeClr val="tx1"/>
+                </a:solidFill>
+              </a:rPr>
+              <a:t>Future Work</a:t>
             </a:r>
             <a:endParaRPr lang="en-GB" dirty="0">
               <a:solidFill>
@@ -6844,25 +7184,131 @@
         </p:nvSpPr>
         <p:spPr/>
         <p:txBody>
-          <a:bodyPr/>
-          <a:lstStyle/>
-          <a:p>
-            <a:r>
-              <a:rPr lang="en-GB" dirty="0" smtClean="0"/>
-              <a:t>Absence of data on specific variables, like the exact ingredients used, which might affect model accuracy.</a:t>
-            </a:r>
-          </a:p>
-          <a:p>
-            <a:r>
-              <a:rPr lang="en-GB" dirty="0" smtClean="0"/>
-              <a:t>Small sample size could limit the generality of our findings.</a:t>
-            </a:r>
-          </a:p>
-          <a:p>
-            <a:r>
-              <a:rPr lang="en-GB" dirty="0" smtClean="0"/>
-              <a:t>Future studies should focus on collecting comprehensive data and expanding sample size for better model accuracy and broader applicability.</a:t>
-            </a:r>
+          <a:bodyPr>
+            <a:normAutofit fontScale="85000" lnSpcReduction="20000"/>
+          </a:bodyPr>
+          <a:lstStyle/>
+          <a:p>
+            <a:r>
+              <a:rPr lang="en-GB" b="1" dirty="0" smtClean="0"/>
+              <a:t>Data Collection and Model Validation:</a:t>
+            </a:r>
+            <a:endParaRPr lang="en-GB" dirty="0" smtClean="0"/>
+          </a:p>
+          <a:p>
+            <a:pPr lvl="1"/>
+            <a:r>
+              <a:rPr lang="en-GB" dirty="0" smtClean="0"/>
+              <a:t>Collect more data over time for retraining and validation.</a:t>
+            </a:r>
+          </a:p>
+          <a:p>
+            <a:pPr lvl="1"/>
+            <a:r>
+              <a:rPr lang="en-GB" dirty="0" smtClean="0"/>
+              <a:t>Ensure models remain robust and accurate as processes and conditions evolve.</a:t>
+            </a:r>
+          </a:p>
+          <a:p>
+            <a:r>
+              <a:rPr lang="en-GB" b="1" dirty="0" err="1" smtClean="0"/>
+              <a:t>Hyperparameter</a:t>
+            </a:r>
+            <a:r>
+              <a:rPr lang="en-GB" b="1" dirty="0" smtClean="0"/>
+              <a:t> Tuning:</a:t>
+            </a:r>
+            <a:endParaRPr lang="en-GB" dirty="0" smtClean="0"/>
+          </a:p>
+          <a:p>
+            <a:pPr lvl="1"/>
+            <a:r>
+              <a:rPr lang="en-GB" dirty="0" smtClean="0"/>
+              <a:t>Fine-tune models like Random Forest </a:t>
+            </a:r>
+            <a:r>
+              <a:rPr lang="en-GB" dirty="0" err="1" smtClean="0"/>
+              <a:t>Regressor</a:t>
+            </a:r>
+            <a:r>
+              <a:rPr lang="en-GB" dirty="0" smtClean="0"/>
+              <a:t> and Gradient Boosting </a:t>
+            </a:r>
+            <a:r>
+              <a:rPr lang="en-GB" dirty="0" err="1" smtClean="0"/>
+              <a:t>Regressor</a:t>
+            </a:r>
+            <a:r>
+              <a:rPr lang="en-GB" dirty="0" smtClean="0"/>
+              <a:t>.</a:t>
+            </a:r>
+          </a:p>
+          <a:p>
+            <a:pPr lvl="1"/>
+            <a:r>
+              <a:rPr lang="en-GB" dirty="0" smtClean="0"/>
+              <a:t>Focus on optimizing </a:t>
+            </a:r>
+            <a:r>
+              <a:rPr lang="en-GB" dirty="0" err="1" smtClean="0"/>
+              <a:t>hyperparameters</a:t>
+            </a:r>
+            <a:r>
+              <a:rPr lang="en-GB" dirty="0" smtClean="0"/>
+              <a:t> such as tree depths and learning rates.</a:t>
+            </a:r>
+          </a:p>
+          <a:p>
+            <a:r>
+              <a:rPr lang="en-GB" b="1" dirty="0" smtClean="0"/>
+              <a:t>Real-world Model Testing:</a:t>
+            </a:r>
+            <a:endParaRPr lang="en-GB" dirty="0" smtClean="0"/>
+          </a:p>
+          <a:p>
+            <a:pPr lvl="1"/>
+            <a:r>
+              <a:rPr lang="en-GB" dirty="0" smtClean="0"/>
+              <a:t>Validate the selected models in practical environments.</a:t>
+            </a:r>
+          </a:p>
+          <a:p>
+            <a:pPr lvl="1"/>
+            <a:r>
+              <a:rPr lang="en-GB" dirty="0" smtClean="0"/>
+              <a:t>Ensure models can generalize beyond training data.</a:t>
+            </a:r>
+          </a:p>
+          <a:p>
+            <a:pPr lvl="1"/>
+            <a:r>
+              <a:rPr lang="en-GB" dirty="0" smtClean="0"/>
+              <a:t>Address challenges like sensor errors or process fluctuations.</a:t>
+            </a:r>
+          </a:p>
+          <a:p>
+            <a:r>
+              <a:rPr lang="en-GB" b="1" dirty="0" smtClean="0"/>
+              <a:t>Transfer Learning:</a:t>
+            </a:r>
+            <a:endParaRPr lang="en-GB" dirty="0" smtClean="0"/>
+          </a:p>
+          <a:p>
+            <a:pPr lvl="1"/>
+            <a:r>
+              <a:rPr lang="en-GB" dirty="0" smtClean="0"/>
+              <a:t>Investigate steps of the production process with similar patterns.</a:t>
+            </a:r>
+          </a:p>
+          <a:p>
+            <a:pPr lvl="1"/>
+            <a:r>
+              <a:rPr lang="en-GB" dirty="0" smtClean="0"/>
+              <a:t>Explore if models trained on one process can be fine-tuned for another.</a:t>
+            </a:r>
+          </a:p>
+          <a:p>
+            <a:endParaRPr lang="en-GB" dirty="0" smtClean="0"/>
           </a:p>
           <a:p>
             <a:endParaRPr lang="en-GB" dirty="0"/>
@@ -7099,7 +7545,15 @@
             <a:pPr lvl="1"/>
             <a:r>
               <a:rPr lang="en-GB" sz="1800" dirty="0" smtClean="0"/>
-              <a:t>Exploration of the latest in beverage production.</a:t>
+              <a:t>Exploration of the </a:t>
+            </a:r>
+            <a:r>
+              <a:rPr lang="en-GB" sz="1800" dirty="0" smtClean="0"/>
+              <a:t>application of machine learning </a:t>
+            </a:r>
+            <a:r>
+              <a:rPr lang="en-GB" sz="1800" dirty="0" smtClean="0"/>
+              <a:t>in beverage production.</a:t>
             </a:r>
           </a:p>
           <a:p>
@@ -7212,7 +7666,7 @@
         <p:spPr/>
         <p:txBody>
           <a:bodyPr>
-            <a:normAutofit fontScale="40000" lnSpcReduction="20000"/>
+            <a:normAutofit fontScale="70000" lnSpcReduction="20000"/>
           </a:bodyPr>
           <a:lstStyle/>
           <a:p>
@@ -7222,22 +7676,6 @@
             </a:r>
           </a:p>
           <a:p>
-            <a:r>
-              <a:rPr lang="en-GB" dirty="0" smtClean="0"/>
-              <a:t>(H., XIA et al, 2022)"</a:t>
-            </a:r>
-          </a:p>
-          <a:p>
-            <a:r>
-              <a:rPr lang="en-GB" dirty="0" smtClean="0"/>
-              <a:t>Emphasis on the </a:t>
-            </a:r>
-            <a:r>
-              <a:rPr lang="en-GB" dirty="0" smtClean="0"/>
-              <a:t>increasing importance of enhancing the efficiency and effectiveness of decision-making in a production process through data mining.</a:t>
-            </a:r>
-          </a:p>
-          <a:p>
             <a:pPr lvl="1"/>
             <a:endParaRPr lang="en-GB" dirty="0" smtClean="0"/>
           </a:p>
@@ -7419,49 +7857,6 @@
           <a:p>
             <a:pPr lvl="2"/>
             <a:endParaRPr lang="en-GB" dirty="0" smtClean="0"/>
-          </a:p>
-          <a:p>
-            <a:r>
-              <a:rPr lang="en-GB" b="1" dirty="0" smtClean="0"/>
-              <a:t>Challenges</a:t>
-            </a:r>
-            <a:r>
-              <a:rPr lang="en-GB" b="1" dirty="0" smtClean="0"/>
-              <a:t>:</a:t>
-            </a:r>
-          </a:p>
-          <a:p>
-            <a:pPr lvl="1"/>
-            <a:r>
-              <a:rPr lang="en-GB" dirty="0" smtClean="0"/>
-              <a:t>Data privacy issues.</a:t>
-            </a:r>
-          </a:p>
-          <a:p>
-            <a:pPr lvl="1"/>
-            <a:r>
-              <a:rPr lang="en-GB" dirty="0" smtClean="0"/>
-              <a:t>Requirement for specialized knowledge for implementation</a:t>
-            </a:r>
-            <a:r>
-              <a:rPr lang="en-GB" dirty="0" smtClean="0"/>
-              <a:t>.</a:t>
-            </a:r>
-          </a:p>
-          <a:p>
-            <a:pPr lvl="1"/>
-            <a:r>
-              <a:rPr lang="en-GB" dirty="0" smtClean="0"/>
-              <a:t>It can be challenging to implement AI – machine learning in an entire organisation with existing processes and systems if the company lacks robust technology infrastructure and collected data. This is often a limitation It’s important that there is clear strategy stemming from top management to achieve goals otherwise AI will fail (Kang et al 2020, </a:t>
-            </a:r>
-            <a:r>
-              <a:rPr lang="en-GB" dirty="0" err="1" smtClean="0"/>
-              <a:t>Heio</a:t>
-            </a:r>
-            <a:r>
-              <a:rPr lang="en-GB" dirty="0" smtClean="0"/>
-              <a:t> et al, 2021).</a:t>
-            </a:r>
           </a:p>
           <a:p>
             <a:pPr lvl="1"/>
@@ -7541,7 +7936,7 @@
         <p:spPr/>
         <p:txBody>
           <a:bodyPr>
-            <a:normAutofit fontScale="92500" lnSpcReduction="20000"/>
+            <a:normAutofit fontScale="92500" lnSpcReduction="10000"/>
           </a:bodyPr>
           <a:lstStyle/>
           <a:p>
@@ -7580,8 +7975,13 @@
             <a:pPr lvl="1"/>
             <a:r>
               <a:rPr lang="en-GB" dirty="0" smtClean="0"/>
-              <a:t>Analyzed existing data sets.</a:t>
-            </a:r>
+              <a:t>Analyzed existing </a:t>
+            </a:r>
+            <a:r>
+              <a:rPr lang="en-GB" dirty="0" smtClean="0"/>
+              <a:t>Production batch data.</a:t>
+            </a:r>
+            <a:endParaRPr lang="en-GB" dirty="0" smtClean="0"/>
           </a:p>
           <a:p>
             <a:pPr lvl="1"/>
@@ -7600,8 +8000,13 @@
             <a:pPr lvl="1"/>
             <a:r>
               <a:rPr lang="en-GB" dirty="0" smtClean="0"/>
-              <a:t>Variables affecting efficiency: machine downtime, equipment maintenance, employee training.</a:t>
-            </a:r>
+              <a:t>Variables affecting efficiency: machine </a:t>
+            </a:r>
+            <a:r>
+              <a:rPr lang="en-GB" dirty="0" smtClean="0"/>
+              <a:t>downtime</a:t>
+            </a:r>
+            <a:endParaRPr lang="en-GB" dirty="0" smtClean="0"/>
           </a:p>
           <a:p>
             <a:r>
@@ -7617,8 +8022,13 @@
             <a:pPr lvl="1"/>
             <a:r>
               <a:rPr lang="en-GB" dirty="0" smtClean="0"/>
-              <a:t>Uses historical data to predict future performance.</a:t>
-            </a:r>
+              <a:t>Uses historical data to predict </a:t>
+            </a:r>
+            <a:r>
+              <a:rPr lang="en-GB" dirty="0" smtClean="0"/>
+              <a:t>production downtimes.</a:t>
+            </a:r>
+            <a:endParaRPr lang="en-GB" dirty="0" smtClean="0"/>
           </a:p>
           <a:p>
             <a:pPr lvl="1"/>
@@ -7731,9 +8141,17 @@
           <a:p>
             <a:pPr lvl="0"/>
             <a:r>
-              <a:rPr lang="en-GB" dirty="0" smtClean="0"/>
-              <a:t>Using Machine Learning to Analyse Data</a:t>
-            </a:r>
+              <a:rPr lang="en-GB" sz="2000" dirty="0" smtClean="0"/>
+              <a:t>Using Machine Learning to Analyse </a:t>
+            </a:r>
+            <a:r>
+              <a:rPr lang="en-GB" sz="2000" dirty="0" smtClean="0"/>
+              <a:t>Data</a:t>
+            </a:r>
+          </a:p>
+          <a:p>
+            <a:pPr lvl="0"/>
+            <a:endParaRPr lang="en-GB" sz="2000" dirty="0" smtClean="0"/>
           </a:p>
           <a:p>
             <a:r>
@@ -7752,9 +8170,21 @@
           <a:p>
             <a:pPr lvl="1"/>
             <a:r>
-              <a:rPr lang="en-GB" dirty="0" smtClean="0"/>
-              <a:t>Gather data on: temperature, time, ingredients.</a:t>
-            </a:r>
+              <a:rPr lang="en-GB" sz="2000" dirty="0" smtClean="0"/>
+              <a:t>Gather data on: </a:t>
+            </a:r>
+            <a:r>
+              <a:rPr lang="en-GB" sz="2000" dirty="0" smtClean="0"/>
+              <a:t>instruction step variables</a:t>
+            </a:r>
+            <a:r>
+              <a:rPr lang="en-GB" dirty="0" smtClean="0"/>
+              <a:t>.</a:t>
+            </a:r>
+          </a:p>
+          <a:p>
+            <a:pPr lvl="1"/>
+            <a:endParaRPr lang="en-GB" dirty="0" smtClean="0"/>
           </a:p>
           <a:p>
             <a:r>
@@ -7777,32 +8207,13 @@
             <a:pPr lvl="1"/>
             <a:r>
               <a:rPr lang="en-GB" dirty="0" smtClean="0"/>
-              <a:t>Develop predictive model to optimize production.</a:t>
-            </a:r>
-          </a:p>
-          <a:p>
-            <a:r>
-              <a:rPr lang="en-GB" b="1" dirty="0" smtClean="0"/>
-              <a:t>Expected Outcomes</a:t>
-            </a:r>
-            <a:r>
-              <a:rPr lang="en-GB" dirty="0" smtClean="0"/>
-              <a:t>:</a:t>
-            </a:r>
-          </a:p>
-          <a:p>
-            <a:pPr lvl="1"/>
-            <a:r>
-              <a:rPr lang="en-GB" dirty="0" smtClean="0"/>
-              <a:t>Identify optimal conditions for high-quality beverages.</a:t>
-            </a:r>
-          </a:p>
-          <a:p>
-            <a:pPr lvl="1"/>
-            <a:r>
-              <a:rPr lang="en-GB" dirty="0" smtClean="0"/>
-              <a:t>Minimize waste and reduce production costs.</a:t>
-            </a:r>
+              <a:t>Develop predictive model to </a:t>
+            </a:r>
+            <a:r>
+              <a:rPr lang="en-GB" dirty="0" smtClean="0"/>
+              <a:t>predict downtime.</a:t>
+            </a:r>
+            <a:endParaRPr lang="en-GB" dirty="0" smtClean="0"/>
           </a:p>
           <a:p>
             <a:endParaRPr lang="en-GB" dirty="0"/>
@@ -7929,7 +8340,7 @@
             <a:pPr lvl="1"/>
             <a:r>
               <a:rPr lang="en-GB" dirty="0" smtClean="0"/>
-              <a:t>Decision trees, random forests, support vector machines.</a:t>
+              <a:t>A selection of models from linear, tree-based, distanced based, support vector machines to neural networks </a:t>
             </a:r>
           </a:p>
           <a:p>
@@ -8223,27 +8634,39 @@
           </a:p>
         </p:txBody>
       </p:sp>
-      <p:sp>
-        <p:nvSpPr>
-          <p:cNvPr id="6" name="Content Placeholder 5"/>
-          <p:cNvSpPr>
-            <a:spLocks noGrp="1"/>
-          </p:cNvSpPr>
-          <p:nvPr>
-            <p:ph sz="quarter" idx="2"/>
-          </p:nvPr>
-        </p:nvSpPr>
-        <p:spPr/>
-        <p:txBody>
-          <a:bodyPr>
-            <a:normAutofit fontScale="55000" lnSpcReduction="20000"/>
-          </a:bodyPr>
-          <a:lstStyle/>
-          <a:p>
-            <a:endParaRPr lang="en-GB" dirty="0"/>
-          </a:p>
-        </p:txBody>
-      </p:sp>
+      <p:pic>
+        <p:nvPicPr>
+          <p:cNvPr id="1026" name="Picture 2"/>
+          <p:cNvPicPr>
+            <a:picLocks noChangeAspect="1" noChangeArrowheads="1"/>
+          </p:cNvPicPr>
+          <p:nvPr/>
+        </p:nvPicPr>
+        <p:blipFill>
+          <a:blip r:embed="rId3" cstate="print"/>
+          <a:srcRect/>
+          <a:stretch>
+            <a:fillRect/>
+          </a:stretch>
+        </p:blipFill>
+        <p:spPr bwMode="auto">
+          <a:xfrm>
+            <a:off x="4859338" y="1916113"/>
+            <a:ext cx="3025030" cy="3025055"/>
+          </a:xfrm>
+          <a:prstGeom prst="rect">
+            <a:avLst/>
+          </a:prstGeom>
+          <a:noFill/>
+          <a:ln w="9525">
+            <a:noFill/>
+            <a:miter lim="800000"/>
+            <a:headEnd/>
+            <a:tailEnd/>
+          </a:ln>
+          <a:effectLst/>
+        </p:spPr>
+      </p:pic>
     </p:spTree>
   </p:cSld>
   <p:clrMapOvr>

--- a/Presentation/Enhancing Beverage Production Process Efficiency.pptx
+++ b/Presentation/Enhancing Beverage Production Process Efficiency.pptx
@@ -119,6 +119,22 @@
       </a:defRPr>
     </a:lvl9pPr>
   </p:defaultTextStyle>
+  <p:extLst>
+    <p:ext uri="{EFAFB233-063F-42B5-8137-9DF3F51BA10A}">
+      <p15:sldGuideLst xmlns:p15="http://schemas.microsoft.com/office/powerpoint/2012/main">
+        <p15:guide id="1" orient="horz" pos="2160">
+          <p15:clr>
+            <a:srgbClr val="A4A3A4"/>
+          </p15:clr>
+        </p15:guide>
+        <p15:guide id="2" pos="2880">
+          <p15:clr>
+            <a:srgbClr val="A4A3A4"/>
+          </p15:clr>
+        </p15:guide>
+      </p15:sldGuideLst>
+    </p:ext>
+  </p:extLst>
 </p:presentation>
 </file>
 
@@ -204,7 +220,7 @@
           <a:p>
             <a:fld id="{233FE9E2-C7BD-43A2-B71A-3C4B7820A14F}" type="datetimeFigureOut">
               <a:rPr lang="en-GB" smtClean="0"/>
-              <a:t>19/09/2023</a:t>
+              <a:t>21/09/2023</a:t>
             </a:fld>
             <a:endParaRPr lang="en-GB"/>
           </a:p>
@@ -270,35 +286,35 @@
           <a:p>
             <a:pPr lvl="0"/>
             <a:r>
-              <a:rPr lang="en-US" smtClean="0"/>
+              <a:rPr lang="en-US"/>
               <a:t>Click to edit Master text styles</a:t>
             </a:r>
           </a:p>
           <a:p>
             <a:pPr lvl="1"/>
             <a:r>
-              <a:rPr lang="en-US" smtClean="0"/>
+              <a:rPr lang="en-US"/>
               <a:t>Second level</a:t>
             </a:r>
           </a:p>
           <a:p>
             <a:pPr lvl="2"/>
             <a:r>
-              <a:rPr lang="en-US" smtClean="0"/>
+              <a:rPr lang="en-US"/>
               <a:t>Third level</a:t>
             </a:r>
           </a:p>
           <a:p>
             <a:pPr lvl="3"/>
             <a:r>
-              <a:rPr lang="en-US" smtClean="0"/>
+              <a:rPr lang="en-US"/>
               <a:t>Fourth level</a:t>
             </a:r>
           </a:p>
           <a:p>
             <a:pPr lvl="4"/>
             <a:r>
-              <a:rPr lang="en-US" smtClean="0"/>
+              <a:rPr lang="en-US"/>
               <a:t>Fifth level</a:t>
             </a:r>
             <a:endParaRPr lang="en-GB"/>
@@ -597,7 +613,7 @@
           <a:lstStyle/>
           <a:p>
             <a:r>
-              <a:rPr lang="en-GB" sz="1200" b="0" i="0" kern="1200" dirty="0" smtClean="0">
+              <a:rPr lang="en-GB" sz="1200" b="0" i="0" kern="1200" dirty="0">
                 <a:solidFill>
                   <a:schemeClr val="tx1"/>
                 </a:solidFill>
@@ -605,30 +621,395 @@
                 <a:ea typeface="+mn-ea"/>
                 <a:cs typeface="+mn-cs"/>
               </a:rPr>
-              <a:t>In conclusion, our research has demonstrated the immense potential of machine learning in enhancing beverage production efficiency. By leveraging data insights and predictive </a:t>
-            </a:r>
-            <a:r>
-              <a:rPr lang="en-GB" sz="1200" b="0" i="0" kern="1200" dirty="0" err="1" smtClean="0">
+              <a:t>In conclusion, our research has demonstrated the immense potential of machine learning in enhancing beverage production efficiency. By leveraging data insights and predictive modelling, we can optimize the production process and minimize waste, resulting in significant cost savings and environmental benefits. Furthermore, our findings suggest that implementing machine learning technologies can also lead to improvements in product quality and consistency and enable more agile and responsive decision-making in a rapidly changing market landscape.</a:t>
+            </a:r>
+          </a:p>
+          <a:p>
+            <a:pPr algn="l"/>
+            <a:r>
+              <a:rPr lang="en-GB" b="1" i="0" dirty="0">
                 <a:solidFill>
-                  <a:schemeClr val="tx1"/>
+                  <a:srgbClr val="374151"/>
                 </a:solidFill>
-                <a:latin typeface="+mn-lt"/>
-                <a:ea typeface="+mn-ea"/>
-                <a:cs typeface="+mn-cs"/>
+                <a:effectLst/>
+                <a:latin typeface="Söhne"/>
               </a:rPr>
-              <a:t>modeling</a:t>
-            </a:r>
-            <a:r>
-              <a:rPr lang="en-GB" sz="1200" b="0" i="0" kern="1200" dirty="0" smtClean="0">
+              <a:t>Machine Learning Models: Random Forest Regressor and Gradient Boosting Regressor</a:t>
+            </a:r>
+            <a:endParaRPr lang="en-GB" b="0" i="0" dirty="0">
+              <a:solidFill>
+                <a:srgbClr val="374151"/>
+              </a:solidFill>
+              <a:effectLst/>
+              <a:latin typeface="Söhne"/>
+            </a:endParaRPr>
+          </a:p>
+          <a:p>
+            <a:pPr algn="l"/>
+            <a:r>
+              <a:rPr lang="en-GB" b="1" i="0" dirty="0">
                 <a:solidFill>
-                  <a:schemeClr val="tx1"/>
+                  <a:srgbClr val="374151"/>
                 </a:solidFill>
-                <a:latin typeface="+mn-lt"/>
-                <a:ea typeface="+mn-ea"/>
-                <a:cs typeface="+mn-cs"/>
+                <a:effectLst/>
+                <a:latin typeface="Söhne"/>
               </a:rPr>
-              <a:t>, we can optimize the production process and minimize waste, resulting in significant cost savings and environmental benefits. Furthermore, our findings suggest that the implementation of machine learning technologies can also lead to improvements in product quality and consistency, as well as enable more agile and responsive decision-making in a rapidly changing market landscape.</a:t>
-            </a:r>
+              <a:t>Performance Over Other Models:</a:t>
+            </a:r>
+            <a:r>
+              <a:rPr lang="en-GB" b="0" i="0" dirty="0">
+                <a:solidFill>
+                  <a:srgbClr val="374151"/>
+                </a:solidFill>
+                <a:effectLst/>
+                <a:latin typeface="Söhne"/>
+              </a:rPr>
+              <a:t> Random Forest Regressor (RFR) and Gradient Boosting Regressor (GBR) emerged as standout models in predicting phase overruns in the beverage production process. Several factors contributed to their superior performance:</a:t>
+            </a:r>
+          </a:p>
+          <a:p>
+            <a:pPr algn="l">
+              <a:buFont typeface="Arial" panose="020B0604020202020204" pitchFamily="34" charset="0"/>
+              <a:buChar char="•"/>
+            </a:pPr>
+            <a:r>
+              <a:rPr lang="en-GB" b="1" i="0" dirty="0">
+                <a:solidFill>
+                  <a:srgbClr val="374151"/>
+                </a:solidFill>
+                <a:effectLst/>
+                <a:latin typeface="Söhne"/>
+              </a:rPr>
+              <a:t>Ensemble Learning</a:t>
+            </a:r>
+            <a:r>
+              <a:rPr lang="en-GB" b="0" i="0" dirty="0">
+                <a:solidFill>
+                  <a:srgbClr val="374151"/>
+                </a:solidFill>
+                <a:effectLst/>
+                <a:latin typeface="Söhne"/>
+              </a:rPr>
+              <a:t>: Both RFR and GBR employ ensemble techniques, where multiple models (trees) are used, and their outcomes are aggregated. This reduces variance, prevents overfitting, and typically leads to better generalization on unseen data.</a:t>
+            </a:r>
+          </a:p>
+          <a:p>
+            <a:pPr algn="l">
+              <a:buFont typeface="Arial" panose="020B0604020202020204" pitchFamily="34" charset="0"/>
+              <a:buChar char="•"/>
+            </a:pPr>
+            <a:r>
+              <a:rPr lang="en-GB" b="1" i="0" dirty="0">
+                <a:solidFill>
+                  <a:srgbClr val="374151"/>
+                </a:solidFill>
+                <a:effectLst/>
+                <a:latin typeface="Söhne"/>
+              </a:rPr>
+              <a:t>Feature Importance</a:t>
+            </a:r>
+            <a:r>
+              <a:rPr lang="en-GB" b="0" i="0" dirty="0">
+                <a:solidFill>
+                  <a:srgbClr val="374151"/>
+                </a:solidFill>
+                <a:effectLst/>
+                <a:latin typeface="Söhne"/>
+              </a:rPr>
+              <a:t>: RFR naturally provides feature importance, indicating which factors have the most influence on phase overruns. This can help in understanding the root causes of inefficiencies.</a:t>
+            </a:r>
+          </a:p>
+          <a:p>
+            <a:pPr algn="l">
+              <a:buFont typeface="Arial" panose="020B0604020202020204" pitchFamily="34" charset="0"/>
+              <a:buChar char="•"/>
+            </a:pPr>
+            <a:r>
+              <a:rPr lang="en-GB" b="1" i="0" dirty="0">
+                <a:solidFill>
+                  <a:srgbClr val="374151"/>
+                </a:solidFill>
+                <a:effectLst/>
+                <a:latin typeface="Söhne"/>
+              </a:rPr>
+              <a:t>Handling Non-linearity</a:t>
+            </a:r>
+            <a:r>
+              <a:rPr lang="en-GB" b="0" i="0" dirty="0">
+                <a:solidFill>
+                  <a:srgbClr val="374151"/>
+                </a:solidFill>
+                <a:effectLst/>
+                <a:latin typeface="Söhne"/>
+              </a:rPr>
+              <a:t>: GBR, with its boosting mechanism, can capture complex non-linear relationships in the data by focusing on mistakes of previous trees and correcting them.</a:t>
+            </a:r>
+          </a:p>
+          <a:p>
+            <a:pPr algn="l">
+              <a:buFont typeface="Arial" panose="020B0604020202020204" pitchFamily="34" charset="0"/>
+              <a:buChar char="•"/>
+            </a:pPr>
+            <a:r>
+              <a:rPr lang="en-GB" b="1" i="0" dirty="0">
+                <a:solidFill>
+                  <a:srgbClr val="374151"/>
+                </a:solidFill>
+                <a:effectLst/>
+                <a:latin typeface="Söhne"/>
+              </a:rPr>
+              <a:t>Flexibility</a:t>
+            </a:r>
+            <a:r>
+              <a:rPr lang="en-GB" b="0" i="0" dirty="0">
+                <a:solidFill>
+                  <a:srgbClr val="374151"/>
+                </a:solidFill>
+                <a:effectLst/>
+                <a:latin typeface="Söhne"/>
+              </a:rPr>
+              <a:t>: Both models are less sensitive to outliers and can handle missing data, which is invaluable in real-world manufacturing datasets.</a:t>
+            </a:r>
+          </a:p>
+          <a:p>
+            <a:pPr algn="l"/>
+            <a:r>
+              <a:rPr lang="en-GB" b="1" i="0" dirty="0">
+                <a:solidFill>
+                  <a:srgbClr val="374151"/>
+                </a:solidFill>
+                <a:effectLst/>
+                <a:latin typeface="Söhne"/>
+              </a:rPr>
+              <a:t>Evaluation Metrics:</a:t>
+            </a:r>
+            <a:r>
+              <a:rPr lang="en-GB" b="0" i="0" dirty="0">
+                <a:solidFill>
+                  <a:srgbClr val="374151"/>
+                </a:solidFill>
+                <a:effectLst/>
+                <a:latin typeface="Söhne"/>
+              </a:rPr>
+              <a:t> Two primary metrics were used to evaluate the performance of these models:</a:t>
+            </a:r>
+          </a:p>
+          <a:p>
+            <a:pPr algn="l">
+              <a:buFont typeface="Arial" panose="020B0604020202020204" pitchFamily="34" charset="0"/>
+              <a:buChar char="•"/>
+            </a:pPr>
+            <a:r>
+              <a:rPr lang="en-GB" b="1" i="0" dirty="0">
+                <a:solidFill>
+                  <a:srgbClr val="374151"/>
+                </a:solidFill>
+                <a:effectLst/>
+                <a:latin typeface="Söhne"/>
+              </a:rPr>
+              <a:t>Mean Squared Error (MSE)</a:t>
+            </a:r>
+            <a:r>
+              <a:rPr lang="en-GB" b="0" i="0" dirty="0">
+                <a:solidFill>
+                  <a:srgbClr val="374151"/>
+                </a:solidFill>
+                <a:effectLst/>
+                <a:latin typeface="Söhne"/>
+              </a:rPr>
+              <a:t>: It measures the average squared difference between the estimated values and the actual value. A lower MSE indicates a better fit of the model to the data.</a:t>
+            </a:r>
+          </a:p>
+          <a:p>
+            <a:pPr algn="l">
+              <a:buFont typeface="Arial" panose="020B0604020202020204" pitchFamily="34" charset="0"/>
+              <a:buChar char="•"/>
+            </a:pPr>
+            <a:r>
+              <a:rPr lang="en-GB" b="1" i="0" dirty="0">
+                <a:solidFill>
+                  <a:srgbClr val="374151"/>
+                </a:solidFill>
+                <a:effectLst/>
+                <a:latin typeface="Söhne"/>
+              </a:rPr>
+              <a:t>R-squared (r^2)</a:t>
+            </a:r>
+            <a:r>
+              <a:rPr lang="en-GB" b="0" i="0" dirty="0">
+                <a:solidFill>
+                  <a:srgbClr val="374151"/>
+                </a:solidFill>
+                <a:effectLst/>
+                <a:latin typeface="Söhne"/>
+              </a:rPr>
+              <a:t>: It represents the proportion of the variance for the dependent variable that's explained by independent variables in the model. A higher r^2 indicates that the model explains more of the variability of the outcome.</a:t>
+            </a:r>
+          </a:p>
+          <a:p>
+            <a:pPr algn="l"/>
+            <a:r>
+              <a:rPr lang="en-GB" b="1" i="0" dirty="0">
+                <a:solidFill>
+                  <a:srgbClr val="374151"/>
+                </a:solidFill>
+                <a:effectLst/>
+                <a:latin typeface="Söhne"/>
+              </a:rPr>
+              <a:t>Practical Applications in the Industry:</a:t>
+            </a:r>
+            <a:endParaRPr lang="en-GB" b="0" i="0" dirty="0">
+              <a:solidFill>
+                <a:srgbClr val="374151"/>
+              </a:solidFill>
+              <a:effectLst/>
+              <a:latin typeface="Söhne"/>
+            </a:endParaRPr>
+          </a:p>
+          <a:p>
+            <a:pPr algn="l">
+              <a:buFont typeface="+mj-lt"/>
+              <a:buAutoNum type="arabicPeriod"/>
+            </a:pPr>
+            <a:r>
+              <a:rPr lang="en-GB" b="1" i="0" dirty="0">
+                <a:solidFill>
+                  <a:srgbClr val="374151"/>
+                </a:solidFill>
+                <a:effectLst/>
+                <a:latin typeface="Söhne"/>
+              </a:rPr>
+              <a:t>Predictive Maintenance</a:t>
+            </a:r>
+            <a:r>
+              <a:rPr lang="en-GB" b="0" i="0" dirty="0">
+                <a:solidFill>
+                  <a:srgbClr val="374151"/>
+                </a:solidFill>
+                <a:effectLst/>
+                <a:latin typeface="Söhne"/>
+              </a:rPr>
+              <a:t>: By understanding when phase overruns are likely to occur, preventive maintenance can be scheduled, reducing unplanned downtimes.</a:t>
+            </a:r>
+          </a:p>
+          <a:p>
+            <a:pPr algn="l">
+              <a:buFont typeface="+mj-lt"/>
+              <a:buAutoNum type="arabicPeriod"/>
+            </a:pPr>
+            <a:r>
+              <a:rPr lang="en-GB" b="1" i="0" dirty="0">
+                <a:solidFill>
+                  <a:srgbClr val="374151"/>
+                </a:solidFill>
+                <a:effectLst/>
+                <a:latin typeface="Söhne"/>
+              </a:rPr>
+              <a:t>Optimization of Production Process</a:t>
+            </a:r>
+            <a:r>
+              <a:rPr lang="en-GB" b="0" i="0" dirty="0">
+                <a:solidFill>
+                  <a:srgbClr val="374151"/>
+                </a:solidFill>
+                <a:effectLst/>
+                <a:latin typeface="Söhne"/>
+              </a:rPr>
+              <a:t>: Insights from the models can lead to more efficient scheduling, better resource allocation, and identification of bottlenecks in the production process.</a:t>
+            </a:r>
+          </a:p>
+          <a:p>
+            <a:pPr algn="l">
+              <a:buFont typeface="+mj-lt"/>
+              <a:buAutoNum type="arabicPeriod"/>
+            </a:pPr>
+            <a:r>
+              <a:rPr lang="en-GB" b="1" i="0" dirty="0">
+                <a:solidFill>
+                  <a:srgbClr val="374151"/>
+                </a:solidFill>
+                <a:effectLst/>
+                <a:latin typeface="Söhne"/>
+              </a:rPr>
+              <a:t>Cost Savings</a:t>
+            </a:r>
+            <a:r>
+              <a:rPr lang="en-GB" b="0" i="0" dirty="0">
+                <a:solidFill>
+                  <a:srgbClr val="374151"/>
+                </a:solidFill>
+                <a:effectLst/>
+                <a:latin typeface="Söhne"/>
+              </a:rPr>
+              <a:t>: Reducing phase overruns can lead to significant cost savings in terms of reduced wastage, optimized energy consumption, and efficient manpower utilization.</a:t>
+            </a:r>
+          </a:p>
+          <a:p>
+            <a:pPr algn="l">
+              <a:buFont typeface="+mj-lt"/>
+              <a:buAutoNum type="arabicPeriod"/>
+            </a:pPr>
+            <a:r>
+              <a:rPr lang="en-GB" b="1" i="0" dirty="0">
+                <a:solidFill>
+                  <a:srgbClr val="374151"/>
+                </a:solidFill>
+                <a:effectLst/>
+                <a:latin typeface="Söhne"/>
+              </a:rPr>
+              <a:t>Continuous Improvement</a:t>
+            </a:r>
+            <a:r>
+              <a:rPr lang="en-GB" b="0" i="0" dirty="0">
+                <a:solidFill>
+                  <a:srgbClr val="374151"/>
+                </a:solidFill>
+                <a:effectLst/>
+                <a:latin typeface="Söhne"/>
+              </a:rPr>
+              <a:t>: With ongoing data collection, the models can be continuously trained, leading to iterative improvements in predictions and insights.</a:t>
+            </a:r>
+          </a:p>
+          <a:p>
+            <a:pPr algn="l">
+              <a:buFont typeface="+mj-lt"/>
+              <a:buAutoNum type="arabicPeriod"/>
+            </a:pPr>
+            <a:r>
+              <a:rPr lang="en-GB" b="1" i="0" dirty="0">
+                <a:solidFill>
+                  <a:srgbClr val="374151"/>
+                </a:solidFill>
+                <a:effectLst/>
+                <a:latin typeface="Söhne"/>
+              </a:rPr>
+              <a:t>Feature Insights</a:t>
+            </a:r>
+            <a:r>
+              <a:rPr lang="en-GB" b="0" i="0" dirty="0">
+                <a:solidFill>
+                  <a:srgbClr val="374151"/>
+                </a:solidFill>
+                <a:effectLst/>
+                <a:latin typeface="Söhne"/>
+              </a:rPr>
+              <a:t>: Using the feature importance from the models, the industry can focus on the most impactful areas for process improvements.</a:t>
+            </a:r>
+          </a:p>
+          <a:p>
+            <a:pPr algn="l"/>
+            <a:r>
+              <a:rPr lang="en-GB" b="0" i="0" dirty="0">
+                <a:solidFill>
+                  <a:srgbClr val="374151"/>
+                </a:solidFill>
+                <a:effectLst/>
+                <a:latin typeface="Söhne"/>
+              </a:rPr>
+              <a:t>In summary, the superior performance of Random Forest Regressor and Gradient Boosting Regressor, as evidenced by MSE and r^2 metrics, offers a compelling case for their adoption in the beverage production industry. Their ability to provide actionable insights, coupled with their practical applications, can lead to substantial improvements in operational efficiency and cost savings.</a:t>
+            </a:r>
+          </a:p>
+          <a:p>
             <a:endParaRPr lang="en-GB" dirty="0"/>
           </a:p>
         </p:txBody>
@@ -705,13 +1086,420 @@
         </p:nvSpPr>
         <p:spPr/>
         <p:txBody>
+          <a:bodyPr/>
+          <a:lstStyle/>
+          <a:p>
+            <a:pPr algn="l"/>
+            <a:r>
+              <a:rPr lang="en-GB" b="1" i="0" dirty="0">
+                <a:solidFill>
+                  <a:srgbClr val="374151"/>
+                </a:solidFill>
+                <a:effectLst/>
+                <a:latin typeface="Söhne"/>
+              </a:rPr>
+              <a:t>Implications of Limited Data (Two Years) on Predictive Power:</a:t>
+            </a:r>
+            <a:endParaRPr lang="en-GB" b="0" i="0" dirty="0">
+              <a:solidFill>
+                <a:srgbClr val="374151"/>
+              </a:solidFill>
+              <a:effectLst/>
+              <a:latin typeface="Söhne"/>
+            </a:endParaRPr>
+          </a:p>
+          <a:p>
+            <a:pPr algn="l">
+              <a:buFont typeface="+mj-lt"/>
+              <a:buAutoNum type="arabicPeriod"/>
+            </a:pPr>
+            <a:r>
+              <a:rPr lang="en-GB" b="1" i="0" dirty="0">
+                <a:solidFill>
+                  <a:srgbClr val="374151"/>
+                </a:solidFill>
+                <a:effectLst/>
+                <a:latin typeface="Söhne"/>
+              </a:rPr>
+              <a:t>Evolving Dynamics:</a:t>
+            </a:r>
+            <a:r>
+              <a:rPr lang="en-GB" b="0" i="0" dirty="0">
+                <a:solidFill>
+                  <a:srgbClr val="374151"/>
+                </a:solidFill>
+                <a:effectLst/>
+                <a:latin typeface="Söhne"/>
+              </a:rPr>
+              <a:t> Manufacturing and production processes, as well as external factors like supply chains or consumer demands, can change over time. Two years might not capture the entirety of these dynamics, potentially making the model less adaptable to longer-term shifts.</a:t>
+            </a:r>
+          </a:p>
+          <a:p>
+            <a:pPr algn="l">
+              <a:buFont typeface="+mj-lt"/>
+              <a:buAutoNum type="arabicPeriod"/>
+            </a:pPr>
+            <a:r>
+              <a:rPr lang="en-GB" b="1" i="0" dirty="0">
+                <a:solidFill>
+                  <a:srgbClr val="374151"/>
+                </a:solidFill>
+                <a:effectLst/>
+                <a:latin typeface="Söhne"/>
+              </a:rPr>
+              <a:t>Seasonal Patterns:</a:t>
+            </a:r>
+            <a:r>
+              <a:rPr lang="en-GB" b="0" i="0" dirty="0">
+                <a:solidFill>
+                  <a:srgbClr val="374151"/>
+                </a:solidFill>
+                <a:effectLst/>
+                <a:latin typeface="Söhne"/>
+              </a:rPr>
+              <a:t> Many processes have multi-year cycles or patterns that may not be fully captured with only two years of data. This could lead to inaccurate predictions during unseen cycles.</a:t>
+            </a:r>
+          </a:p>
+          <a:p>
+            <a:pPr algn="l">
+              <a:buFont typeface="+mj-lt"/>
+              <a:buAutoNum type="arabicPeriod"/>
+            </a:pPr>
+            <a:r>
+              <a:rPr lang="en-GB" b="1" i="0" dirty="0">
+                <a:solidFill>
+                  <a:srgbClr val="374151"/>
+                </a:solidFill>
+                <a:effectLst/>
+                <a:latin typeface="Söhne"/>
+              </a:rPr>
+              <a:t>Overfitting:</a:t>
+            </a:r>
+            <a:r>
+              <a:rPr lang="en-GB" b="0" i="0" dirty="0">
+                <a:solidFill>
+                  <a:srgbClr val="374151"/>
+                </a:solidFill>
+                <a:effectLst/>
+                <a:latin typeface="Söhne"/>
+              </a:rPr>
+              <a:t> Limited data might result in models overfitting to specific patterns present in the two-year span. An overfitted model performs well on the training data but poorly when presented with new, unseen data.</a:t>
+            </a:r>
+          </a:p>
+          <a:p>
+            <a:pPr algn="l">
+              <a:buFont typeface="+mj-lt"/>
+              <a:buAutoNum type="arabicPeriod"/>
+            </a:pPr>
+            <a:r>
+              <a:rPr lang="en-GB" b="1" i="0" dirty="0">
+                <a:solidFill>
+                  <a:srgbClr val="374151"/>
+                </a:solidFill>
+                <a:effectLst/>
+                <a:latin typeface="Söhne"/>
+              </a:rPr>
+              <a:t>Data Diversity:</a:t>
+            </a:r>
+            <a:r>
+              <a:rPr lang="en-GB" b="0" i="0" dirty="0">
+                <a:solidFill>
+                  <a:srgbClr val="374151"/>
+                </a:solidFill>
+                <a:effectLst/>
+                <a:latin typeface="Söhne"/>
+              </a:rPr>
+              <a:t> A short span of data might not capture the full diversity or range of operational scenarios, potentially making the model less robust in varied conditions.</a:t>
+            </a:r>
+          </a:p>
+          <a:p>
+            <a:pPr algn="l"/>
+            <a:r>
+              <a:rPr lang="en-GB" b="1" i="0" dirty="0">
+                <a:solidFill>
+                  <a:srgbClr val="374151"/>
+                </a:solidFill>
+                <a:effectLst/>
+                <a:latin typeface="Söhne"/>
+              </a:rPr>
+              <a:t>Strategies to Mitigate Concerns:</a:t>
+            </a:r>
+            <a:endParaRPr lang="en-GB" b="0" i="0" dirty="0">
+              <a:solidFill>
+                <a:srgbClr val="374151"/>
+              </a:solidFill>
+              <a:effectLst/>
+              <a:latin typeface="Söhne"/>
+            </a:endParaRPr>
+          </a:p>
+          <a:p>
+            <a:pPr algn="l">
+              <a:buFont typeface="+mj-lt"/>
+              <a:buAutoNum type="arabicPeriod"/>
+            </a:pPr>
+            <a:r>
+              <a:rPr lang="en-GB" b="1" i="0" dirty="0">
+                <a:solidFill>
+                  <a:srgbClr val="374151"/>
+                </a:solidFill>
+                <a:effectLst/>
+                <a:latin typeface="Söhne"/>
+              </a:rPr>
+              <a:t>Continuous Model Training:</a:t>
+            </a:r>
+            <a:r>
+              <a:rPr lang="en-GB" b="0" i="0" dirty="0">
+                <a:solidFill>
+                  <a:srgbClr val="374151"/>
+                </a:solidFill>
+                <a:effectLst/>
+                <a:latin typeface="Söhne"/>
+              </a:rPr>
+              <a:t> As more data becomes available in subsequent years, the model can be retrained or fine-tuned. Continuous learning allows the model to adapt to new patterns and changes in the system, maintaining or even improving its predictive power.</a:t>
+            </a:r>
+          </a:p>
+          <a:p>
+            <a:pPr algn="l">
+              <a:buFont typeface="+mj-lt"/>
+              <a:buAutoNum type="arabicPeriod"/>
+            </a:pPr>
+            <a:r>
+              <a:rPr lang="en-GB" b="1" i="0" dirty="0">
+                <a:solidFill>
+                  <a:srgbClr val="374151"/>
+                </a:solidFill>
+                <a:effectLst/>
+                <a:latin typeface="Söhne"/>
+              </a:rPr>
+              <a:t>Data Augmentation:</a:t>
+            </a:r>
+            <a:r>
+              <a:rPr lang="en-GB" b="0" i="0" dirty="0">
+                <a:solidFill>
+                  <a:srgbClr val="374151"/>
+                </a:solidFill>
+                <a:effectLst/>
+                <a:latin typeface="Söhne"/>
+              </a:rPr>
+              <a:t> Techniques such as bootstrapping (resampling the existing data with replacement) can be used to artificially increase the size of the training dataset. While this doesn't introduce genuinely new scenarios, it can make the model more robust to the variations already present in the data.</a:t>
+            </a:r>
+          </a:p>
+          <a:p>
+            <a:pPr algn="l">
+              <a:buFont typeface="+mj-lt"/>
+              <a:buAutoNum type="arabicPeriod"/>
+            </a:pPr>
+            <a:r>
+              <a:rPr lang="en-GB" b="1" i="0" dirty="0">
+                <a:solidFill>
+                  <a:srgbClr val="374151"/>
+                </a:solidFill>
+                <a:effectLst/>
+                <a:latin typeface="Söhne"/>
+              </a:rPr>
+              <a:t>Transfer Learning:</a:t>
+            </a:r>
+            <a:r>
+              <a:rPr lang="en-GB" b="0" i="0" dirty="0">
+                <a:solidFill>
+                  <a:srgbClr val="374151"/>
+                </a:solidFill>
+                <a:effectLst/>
+                <a:latin typeface="Söhne"/>
+              </a:rPr>
+              <a:t> If similar datasets exist from other related domains or processes, transfer learning can be employed. It allows a pre-trained model from one domain to be fine-tuned on a smaller dataset from another domain, leveraging patterns common to both.</a:t>
+            </a:r>
+          </a:p>
+          <a:p>
+            <a:pPr algn="l">
+              <a:buFont typeface="+mj-lt"/>
+              <a:buAutoNum type="arabicPeriod"/>
+            </a:pPr>
+            <a:r>
+              <a:rPr lang="en-GB" b="1" i="0" dirty="0">
+                <a:solidFill>
+                  <a:srgbClr val="374151"/>
+                </a:solidFill>
+                <a:effectLst/>
+                <a:latin typeface="Söhne"/>
+              </a:rPr>
+              <a:t>Regularization:</a:t>
+            </a:r>
+            <a:r>
+              <a:rPr lang="en-GB" b="0" i="0" dirty="0">
+                <a:solidFill>
+                  <a:srgbClr val="374151"/>
+                </a:solidFill>
+                <a:effectLst/>
+                <a:latin typeface="Söhne"/>
+              </a:rPr>
+              <a:t> Techniques like dropout, L1/L2 regularization, and early stopping can be used to prevent overfitting, especially when the amount of data is limited.</a:t>
+            </a:r>
+          </a:p>
+          <a:p>
+            <a:pPr algn="l">
+              <a:buFont typeface="+mj-lt"/>
+              <a:buAutoNum type="arabicPeriod"/>
+            </a:pPr>
+            <a:r>
+              <a:rPr lang="en-GB" b="1" i="0" dirty="0">
+                <a:solidFill>
+                  <a:srgbClr val="374151"/>
+                </a:solidFill>
+                <a:effectLst/>
+                <a:latin typeface="Söhne"/>
+              </a:rPr>
+              <a:t>Incorporate Domain Knowledge:</a:t>
+            </a:r>
+            <a:r>
+              <a:rPr lang="en-GB" b="0" i="0" dirty="0">
+                <a:solidFill>
+                  <a:srgbClr val="374151"/>
+                </a:solidFill>
+                <a:effectLst/>
+                <a:latin typeface="Söhne"/>
+              </a:rPr>
+              <a:t> Engage domain experts to incorporate knowledge that might not be evident in the limited data. This can be in the form of feature engineering, constraints, or model architectures tailored to the specific nuances of beverage production.</a:t>
+            </a:r>
+          </a:p>
+          <a:p>
+            <a:pPr algn="l">
+              <a:buFont typeface="+mj-lt"/>
+              <a:buAutoNum type="arabicPeriod"/>
+            </a:pPr>
+            <a:r>
+              <a:rPr lang="en-GB" b="1" i="0" dirty="0">
+                <a:solidFill>
+                  <a:srgbClr val="374151"/>
+                </a:solidFill>
+                <a:effectLst/>
+                <a:latin typeface="Söhne"/>
+              </a:rPr>
+              <a:t>Synthetic Data Generation:</a:t>
+            </a:r>
+            <a:r>
+              <a:rPr lang="en-GB" b="0" i="0" dirty="0">
+                <a:solidFill>
+                  <a:srgbClr val="374151"/>
+                </a:solidFill>
+                <a:effectLst/>
+                <a:latin typeface="Söhne"/>
+              </a:rPr>
+              <a:t> Tools and algorithms, such as Generative Adversarial Networks (GANs), can be used to generate synthetic data that mimics the real-world data's characteristics. This can bolster the training dataset and potentially improve model robustness.</a:t>
+            </a:r>
+          </a:p>
+          <a:p>
+            <a:pPr algn="l"/>
+            <a:r>
+              <a:rPr lang="en-GB" b="0" i="0" dirty="0">
+                <a:solidFill>
+                  <a:srgbClr val="374151"/>
+                </a:solidFill>
+                <a:effectLst/>
+                <a:latin typeface="Söhne"/>
+              </a:rPr>
+              <a:t>In conclusion, while having just two years of data can pose challenges in terms of the predictive power of machine learning models, there are several strategies that can be employed to alleviate potential pitfalls and bolster model performance. </a:t>
+            </a:r>
+            <a:r>
+              <a:rPr lang="en-GB" b="0" i="0">
+                <a:solidFill>
+                  <a:srgbClr val="374151"/>
+                </a:solidFill>
+                <a:effectLst/>
+                <a:latin typeface="Söhne"/>
+              </a:rPr>
+              <a:t>The key lies in understanding the limitations and proactively integrating solutions to address them.</a:t>
+            </a:r>
+          </a:p>
+          <a:p>
+            <a:endParaRPr lang="en-GB"/>
+          </a:p>
+        </p:txBody>
+      </p:sp>
+      <p:sp>
+        <p:nvSpPr>
+          <p:cNvPr id="4" name="Slide Number Placeholder 3"/>
+          <p:cNvSpPr>
+            <a:spLocks noGrp="1"/>
+          </p:cNvSpPr>
+          <p:nvPr>
+            <p:ph type="sldNum" sz="quarter" idx="5"/>
+          </p:nvPr>
+        </p:nvSpPr>
+        <p:spPr/>
+        <p:txBody>
+          <a:bodyPr/>
+          <a:lstStyle/>
+          <a:p>
+            <a:fld id="{2B744A31-07A7-4E36-B665-FDD29742B6BE}" type="slidenum">
+              <a:rPr lang="en-GB" smtClean="0"/>
+              <a:t>12</a:t>
+            </a:fld>
+            <a:endParaRPr lang="en-GB"/>
+          </a:p>
+        </p:txBody>
+      </p:sp>
+    </p:spTree>
+    <p:extLst>
+      <p:ext uri="{BB962C8B-B14F-4D97-AF65-F5344CB8AC3E}">
+        <p14:creationId xmlns:p14="http://schemas.microsoft.com/office/powerpoint/2010/main" val="1836685061"/>
+      </p:ext>
+    </p:extLst>
+  </p:cSld>
+  <p:clrMapOvr>
+    <a:masterClrMapping/>
+  </p:clrMapOvr>
+</p:notes>
+</file>
+
+<file path=ppt/notesSlides/notesSlide12.xml><?xml version="1.0" encoding="utf-8"?>
+<p:notes xmlns:a="http://schemas.openxmlformats.org/drawingml/2006/main" xmlns:r="http://schemas.openxmlformats.org/officeDocument/2006/relationships" xmlns:p="http://schemas.openxmlformats.org/presentationml/2006/main">
+  <p:cSld>
+    <p:spTree>
+      <p:nvGrpSpPr>
+        <p:cNvPr id="1" name=""/>
+        <p:cNvGrpSpPr/>
+        <p:nvPr/>
+      </p:nvGrpSpPr>
+      <p:grpSpPr>
+        <a:xfrm>
+          <a:off x="0" y="0"/>
+          <a:ext cx="0" cy="0"/>
+          <a:chOff x="0" y="0"/>
+          <a:chExt cx="0" cy="0"/>
+        </a:xfrm>
+      </p:grpSpPr>
+      <p:sp>
+        <p:nvSpPr>
+          <p:cNvPr id="2" name="Slide Image Placeholder 1"/>
+          <p:cNvSpPr>
+            <a:spLocks noGrp="1" noRot="1" noChangeAspect="1"/>
+          </p:cNvSpPr>
+          <p:nvPr>
+            <p:ph type="sldImg"/>
+          </p:nvPr>
+        </p:nvSpPr>
+        <p:spPr/>
+      </p:sp>
+      <p:sp>
+        <p:nvSpPr>
+          <p:cNvPr id="3" name="Notes Placeholder 2"/>
+          <p:cNvSpPr>
+            <a:spLocks noGrp="1"/>
+          </p:cNvSpPr>
+          <p:nvPr>
+            <p:ph type="body" idx="1"/>
+          </p:nvPr>
+        </p:nvSpPr>
+        <p:spPr/>
+        <p:txBody>
           <a:bodyPr>
             <a:normAutofit/>
           </a:bodyPr>
           <a:lstStyle/>
           <a:p>
             <a:r>
-              <a:rPr lang="en-GB" sz="1200" b="0" i="0" kern="1200" dirty="0" smtClean="0">
+              <a:rPr lang="en-GB" sz="1200" b="0" i="0" kern="1200" dirty="0">
                 <a:solidFill>
                   <a:schemeClr val="tx1"/>
                 </a:solidFill>
@@ -722,7 +1510,7 @@
               <a:t>One limitation of the current study is the lack of data on certain variables that could affect the accuracy of the machine learning model. For example, we did not have access to information on the specific ingredients used in each beverage production run, which could impact the performance of the model. Another limitation is that our sample size was relatively small, which could limit the </a:t>
             </a:r>
             <a:r>
-              <a:rPr lang="en-GB" sz="1200" b="0" i="0" kern="1200" dirty="0" err="1" smtClean="0">
+              <a:rPr lang="en-GB" sz="1200" b="0" i="0" kern="1200" dirty="0" err="1">
                 <a:solidFill>
                   <a:schemeClr val="tx1"/>
                 </a:solidFill>
@@ -733,7 +1521,7 @@
               <a:t>generalizability</a:t>
             </a:r>
             <a:r>
-              <a:rPr lang="en-GB" sz="1200" b="0" i="0" kern="1200" dirty="0" smtClean="0">
+              <a:rPr lang="en-GB" sz="1200" b="0" i="0" kern="1200" dirty="0">
                 <a:solidFill>
                   <a:schemeClr val="tx1"/>
                 </a:solidFill>
@@ -825,7 +1613,7 @@
           <a:lstStyle/>
           <a:p>
             <a:r>
-              <a:rPr lang="en-GB" sz="1200" b="0" i="0" kern="1200" dirty="0" smtClean="0">
+              <a:rPr lang="en-GB" sz="1200" b="0" i="0" kern="1200" dirty="0">
                 <a:solidFill>
                   <a:schemeClr val="tx1"/>
                 </a:solidFill>
@@ -917,7 +1705,7 @@
           <a:lstStyle/>
           <a:p>
             <a:r>
-              <a:rPr lang="en-GB" sz="1200" b="0" i="0" kern="1200" dirty="0" smtClean="0">
+              <a:rPr lang="en-GB" sz="1200" b="0" i="0" kern="1200" dirty="0">
                 <a:solidFill>
                   <a:schemeClr val="tx1"/>
                 </a:solidFill>
@@ -1009,7 +1797,7 @@
           <a:lstStyle/>
           <a:p>
             <a:r>
-              <a:rPr lang="en-GB" sz="1200" b="0" i="0" kern="1200" dirty="0" smtClean="0">
+              <a:rPr lang="en-GB" sz="1200" b="0" i="0" kern="1200" dirty="0">
                 <a:solidFill>
                   <a:schemeClr val="tx1"/>
                 </a:solidFill>
@@ -1101,7 +1889,7 @@
           <a:lstStyle/>
           <a:p>
             <a:r>
-              <a:rPr lang="en-GB" sz="1200" b="0" i="0" kern="1200" dirty="0" smtClean="0">
+              <a:rPr lang="en-GB" sz="1200" b="0" i="0" kern="1200" dirty="0">
                 <a:solidFill>
                   <a:schemeClr val="tx1"/>
                 </a:solidFill>
@@ -1193,7 +1981,7 @@
           <a:lstStyle/>
           <a:p>
             <a:r>
-              <a:rPr lang="en-GB" sz="1200" b="0" i="0" kern="1200" dirty="0" smtClean="0">
+              <a:rPr lang="en-GB" sz="1200" b="0" i="0" kern="1200" dirty="0">
                 <a:solidFill>
                   <a:schemeClr val="tx1"/>
                 </a:solidFill>
@@ -1285,7 +2073,7 @@
           <a:lstStyle/>
           <a:p>
             <a:r>
-              <a:rPr lang="en-GB" sz="1200" b="0" i="0" kern="1200" dirty="0" smtClean="0">
+              <a:rPr lang="en-GB" sz="1200" b="0" i="0" kern="1200" dirty="0">
                 <a:solidFill>
                   <a:schemeClr val="tx1"/>
                 </a:solidFill>
@@ -1296,7 +2084,7 @@
               <a:t>Our methodology involved a combination of data collection, </a:t>
             </a:r>
             <a:r>
-              <a:rPr lang="en-GB" sz="1200" b="0" i="0" kern="1200" dirty="0" err="1" smtClean="0">
+              <a:rPr lang="en-GB" sz="1200" b="0" i="0" kern="1200" dirty="0" err="1">
                 <a:solidFill>
                   <a:schemeClr val="tx1"/>
                 </a:solidFill>
@@ -1307,7 +2095,7 @@
               <a:t>preprocessing</a:t>
             </a:r>
             <a:r>
-              <a:rPr lang="en-GB" sz="1200" b="0" i="0" kern="1200" dirty="0" smtClean="0">
+              <a:rPr lang="en-GB" sz="1200" b="0" i="0" kern="1200" dirty="0">
                 <a:solidFill>
                   <a:schemeClr val="tx1"/>
                 </a:solidFill>
@@ -1318,7 +2106,7 @@
               <a:t>, and model training. First, we collected data on the beverage production process, including variables such as temperature, pressure, and flow rate. We then </a:t>
             </a:r>
             <a:r>
-              <a:rPr lang="en-GB" sz="1200" b="0" i="0" kern="1200" dirty="0" err="1" smtClean="0">
+              <a:rPr lang="en-GB" sz="1200" b="0" i="0" kern="1200" dirty="0" err="1">
                 <a:solidFill>
                   <a:schemeClr val="tx1"/>
                 </a:solidFill>
@@ -1329,7 +2117,7 @@
               <a:t>preprocessed</a:t>
             </a:r>
             <a:r>
-              <a:rPr lang="en-GB" sz="1200" b="0" i="0" kern="1200" dirty="0" smtClean="0">
+              <a:rPr lang="en-GB" sz="1200" b="0" i="0" kern="1200" dirty="0">
                 <a:solidFill>
                   <a:schemeClr val="tx1"/>
                 </a:solidFill>
@@ -1421,7 +2209,7 @@
           <a:lstStyle/>
           <a:p>
             <a:r>
-              <a:rPr lang="en-GB" sz="1200" b="0" i="0" kern="1200" dirty="0" smtClean="0">
+              <a:rPr lang="en-GB" sz="1200" b="0" i="0" kern="1200" dirty="0">
                 <a:solidFill>
                   <a:schemeClr val="tx1"/>
                 </a:solidFill>
@@ -1513,7 +2301,7 @@
           <a:lstStyle/>
           <a:p>
             <a:r>
-              <a:rPr lang="en-GB" sz="1200" b="0" i="0" kern="1200" dirty="0" smtClean="0">
+              <a:rPr lang="en-GB" sz="1200" b="0" i="0" kern="1200" dirty="0">
                 <a:solidFill>
                   <a:schemeClr val="tx1"/>
                 </a:solidFill>
@@ -1605,10 +2393,9 @@
           </a:lstStyle>
           <a:p>
             <a:r>
-              <a:rPr kumimoji="0" lang="en-US" smtClean="0"/>
+              <a:rPr kumimoji="0" lang="en-US"/>
               <a:t>Click to edit Master title style</a:t>
             </a:r>
-            <a:endParaRPr kumimoji="0" lang="en-US"/>
           </a:p>
         </p:txBody>
       </p:sp>
@@ -1666,10 +2453,9 @@
           </a:lstStyle>
           <a:p>
             <a:r>
-              <a:rPr kumimoji="0" lang="en-US" smtClean="0"/>
+              <a:rPr kumimoji="0" lang="en-US"/>
               <a:t>Click to edit Master subtitle style</a:t>
             </a:r>
-            <a:endParaRPr kumimoji="0" lang="en-US"/>
           </a:p>
         </p:txBody>
       </p:sp>
@@ -1695,7 +2481,7 @@
           <a:p>
             <a:fld id="{D5687966-EEDE-4BAF-8417-7AF24FF059C9}" type="datetimeFigureOut">
               <a:rPr lang="en-GB" smtClean="0"/>
-              <a:t>19/09/2023</a:t>
+              <a:t>21/09/2023</a:t>
             </a:fld>
             <a:endParaRPr lang="en-GB"/>
           </a:p>
@@ -2488,10 +3274,9 @@
           <a:lstStyle/>
           <a:p>
             <a:r>
-              <a:rPr kumimoji="0" lang="en-US" smtClean="0"/>
+              <a:rPr kumimoji="0" lang="en-US"/>
               <a:t>Click to edit Master title style</a:t>
             </a:r>
-            <a:endParaRPr kumimoji="0" lang="en-US"/>
           </a:p>
         </p:txBody>
       </p:sp>
@@ -2512,35 +3297,35 @@
           <a:p>
             <a:pPr lvl="0" eaLnBrk="1" latinLnBrk="0" hangingPunct="1"/>
             <a:r>
-              <a:rPr lang="en-US" smtClean="0"/>
+              <a:rPr lang="en-US"/>
               <a:t>Click to edit Master text styles</a:t>
             </a:r>
           </a:p>
           <a:p>
             <a:pPr lvl="1" eaLnBrk="1" latinLnBrk="0" hangingPunct="1"/>
             <a:r>
-              <a:rPr lang="en-US" smtClean="0"/>
+              <a:rPr lang="en-US"/>
               <a:t>Second level</a:t>
             </a:r>
           </a:p>
           <a:p>
             <a:pPr lvl="2" eaLnBrk="1" latinLnBrk="0" hangingPunct="1"/>
             <a:r>
-              <a:rPr lang="en-US" smtClean="0"/>
+              <a:rPr lang="en-US"/>
               <a:t>Third level</a:t>
             </a:r>
           </a:p>
           <a:p>
             <a:pPr lvl="3" eaLnBrk="1" latinLnBrk="0" hangingPunct="1"/>
             <a:r>
-              <a:rPr lang="en-US" smtClean="0"/>
+              <a:rPr lang="en-US"/>
               <a:t>Fourth level</a:t>
             </a:r>
           </a:p>
           <a:p>
             <a:pPr lvl="4" eaLnBrk="1" latinLnBrk="0" hangingPunct="1"/>
             <a:r>
-              <a:rPr lang="en-US" smtClean="0"/>
+              <a:rPr lang="en-US"/>
               <a:t>Fifth level</a:t>
             </a:r>
             <a:endParaRPr kumimoji="0" lang="en-US"/>
@@ -2564,7 +3349,7 @@
           <a:p>
             <a:fld id="{D5687966-EEDE-4BAF-8417-7AF24FF059C9}" type="datetimeFigureOut">
               <a:rPr lang="en-GB" smtClean="0"/>
-              <a:t>19/09/2023</a:t>
+              <a:t>21/09/2023</a:t>
             </a:fld>
             <a:endParaRPr lang="en-GB"/>
           </a:p>
@@ -2658,10 +3443,9 @@
           <a:lstStyle/>
           <a:p>
             <a:r>
-              <a:rPr kumimoji="0" lang="en-US" smtClean="0"/>
+              <a:rPr kumimoji="0" lang="en-US"/>
               <a:t>Click to edit Master title style</a:t>
             </a:r>
-            <a:endParaRPr kumimoji="0" lang="en-US"/>
           </a:p>
         </p:txBody>
       </p:sp>
@@ -2687,35 +3471,35 @@
           <a:p>
             <a:pPr lvl="0" eaLnBrk="1" latinLnBrk="0" hangingPunct="1"/>
             <a:r>
-              <a:rPr lang="en-US" smtClean="0"/>
+              <a:rPr lang="en-US"/>
               <a:t>Click to edit Master text styles</a:t>
             </a:r>
           </a:p>
           <a:p>
             <a:pPr lvl="1" eaLnBrk="1" latinLnBrk="0" hangingPunct="1"/>
             <a:r>
-              <a:rPr lang="en-US" smtClean="0"/>
+              <a:rPr lang="en-US"/>
               <a:t>Second level</a:t>
             </a:r>
           </a:p>
           <a:p>
             <a:pPr lvl="2" eaLnBrk="1" latinLnBrk="0" hangingPunct="1"/>
             <a:r>
-              <a:rPr lang="en-US" smtClean="0"/>
+              <a:rPr lang="en-US"/>
               <a:t>Third level</a:t>
             </a:r>
           </a:p>
           <a:p>
             <a:pPr lvl="3" eaLnBrk="1" latinLnBrk="0" hangingPunct="1"/>
             <a:r>
-              <a:rPr lang="en-US" smtClean="0"/>
+              <a:rPr lang="en-US"/>
               <a:t>Fourth level</a:t>
             </a:r>
           </a:p>
           <a:p>
             <a:pPr lvl="4" eaLnBrk="1" latinLnBrk="0" hangingPunct="1"/>
             <a:r>
-              <a:rPr lang="en-US" smtClean="0"/>
+              <a:rPr lang="en-US"/>
               <a:t>Fifth level</a:t>
             </a:r>
             <a:endParaRPr kumimoji="0" lang="en-US"/>
@@ -2739,7 +3523,7 @@
           <a:p>
             <a:fld id="{D5687966-EEDE-4BAF-8417-7AF24FF059C9}" type="datetimeFigureOut">
               <a:rPr lang="en-GB" smtClean="0"/>
-              <a:t>19/09/2023</a:t>
+              <a:t>21/09/2023</a:t>
             </a:fld>
             <a:endParaRPr lang="en-GB"/>
           </a:p>
@@ -2828,10 +3612,9 @@
           <a:lstStyle/>
           <a:p>
             <a:r>
-              <a:rPr kumimoji="0" lang="en-US" smtClean="0"/>
+              <a:rPr kumimoji="0" lang="en-US"/>
               <a:t>Click to edit Master title style</a:t>
             </a:r>
-            <a:endParaRPr kumimoji="0" lang="en-US"/>
           </a:p>
         </p:txBody>
       </p:sp>
@@ -2857,35 +3640,35 @@
           <a:p>
             <a:pPr lvl="0" eaLnBrk="1" latinLnBrk="0" hangingPunct="1"/>
             <a:r>
-              <a:rPr lang="en-US" smtClean="0"/>
+              <a:rPr lang="en-US"/>
               <a:t>Click to edit Master text styles</a:t>
             </a:r>
           </a:p>
           <a:p>
             <a:pPr lvl="1" eaLnBrk="1" latinLnBrk="0" hangingPunct="1"/>
             <a:r>
-              <a:rPr lang="en-US" smtClean="0"/>
+              <a:rPr lang="en-US"/>
               <a:t>Second level</a:t>
             </a:r>
           </a:p>
           <a:p>
             <a:pPr lvl="2" eaLnBrk="1" latinLnBrk="0" hangingPunct="1"/>
             <a:r>
-              <a:rPr lang="en-US" smtClean="0"/>
+              <a:rPr lang="en-US"/>
               <a:t>Third level</a:t>
             </a:r>
           </a:p>
           <a:p>
             <a:pPr lvl="3" eaLnBrk="1" latinLnBrk="0" hangingPunct="1"/>
             <a:r>
-              <a:rPr lang="en-US" smtClean="0"/>
+              <a:rPr lang="en-US"/>
               <a:t>Fourth level</a:t>
             </a:r>
           </a:p>
           <a:p>
             <a:pPr lvl="4" eaLnBrk="1" latinLnBrk="0" hangingPunct="1"/>
             <a:r>
-              <a:rPr lang="en-US" smtClean="0"/>
+              <a:rPr lang="en-US"/>
               <a:t>Fifth level</a:t>
             </a:r>
             <a:endParaRPr kumimoji="0" lang="en-US"/>
@@ -2909,7 +3692,7 @@
           <a:p>
             <a:fld id="{D5687966-EEDE-4BAF-8417-7AF24FF059C9}" type="datetimeFigureOut">
               <a:rPr lang="en-GB" smtClean="0"/>
-              <a:t>19/09/2023</a:t>
+              <a:t>21/09/2023</a:t>
             </a:fld>
             <a:endParaRPr lang="en-GB"/>
           </a:p>
@@ -3013,10 +3796,9 @@
           </a:lstStyle>
           <a:p>
             <a:r>
-              <a:rPr kumimoji="0" lang="en-US" smtClean="0"/>
+              <a:rPr kumimoji="0" lang="en-US"/>
               <a:t>Click to edit Master title style</a:t>
             </a:r>
-            <a:endParaRPr kumimoji="0" lang="en-US"/>
           </a:p>
         </p:txBody>
       </p:sp>
@@ -3091,7 +3873,7 @@
           <a:p>
             <a:pPr lvl="0" eaLnBrk="1" latinLnBrk="0" hangingPunct="1"/>
             <a:r>
-              <a:rPr kumimoji="0" lang="en-US" smtClean="0"/>
+              <a:rPr kumimoji="0" lang="en-US"/>
               <a:t>Click to edit Master text styles</a:t>
             </a:r>
           </a:p>
@@ -3119,7 +3901,7 @@
           <a:p>
             <a:fld id="{D5687966-EEDE-4BAF-8417-7AF24FF059C9}" type="datetimeFigureOut">
               <a:rPr lang="en-GB" smtClean="0"/>
-              <a:t>19/09/2023</a:t>
+              <a:t>21/09/2023</a:t>
             </a:fld>
             <a:endParaRPr lang="en-GB"/>
           </a:p>
@@ -3909,10 +4691,9 @@
           <a:lstStyle/>
           <a:p>
             <a:r>
-              <a:rPr kumimoji="0" lang="en-US" smtClean="0"/>
+              <a:rPr kumimoji="0" lang="en-US"/>
               <a:t>Click to edit Master title style</a:t>
             </a:r>
-            <a:endParaRPr kumimoji="0" lang="en-US"/>
           </a:p>
         </p:txBody>
       </p:sp>
@@ -3933,7 +4714,7 @@
           <a:p>
             <a:fld id="{D5687966-EEDE-4BAF-8417-7AF24FF059C9}" type="datetimeFigureOut">
               <a:rPr lang="en-GB" smtClean="0"/>
-              <a:t>19/09/2023</a:t>
+              <a:t>21/09/2023</a:t>
             </a:fld>
             <a:endParaRPr lang="en-GB"/>
           </a:p>
@@ -4003,35 +4784,35 @@
           <a:p>
             <a:pPr lvl="0" eaLnBrk="1" latinLnBrk="0" hangingPunct="1"/>
             <a:r>
-              <a:rPr lang="en-US" smtClean="0"/>
+              <a:rPr lang="en-US"/>
               <a:t>Click to edit Master text styles</a:t>
             </a:r>
           </a:p>
           <a:p>
             <a:pPr lvl="1" eaLnBrk="1" latinLnBrk="0" hangingPunct="1"/>
             <a:r>
-              <a:rPr lang="en-US" smtClean="0"/>
+              <a:rPr lang="en-US"/>
               <a:t>Second level</a:t>
             </a:r>
           </a:p>
           <a:p>
             <a:pPr lvl="2" eaLnBrk="1" latinLnBrk="0" hangingPunct="1"/>
             <a:r>
-              <a:rPr lang="en-US" smtClean="0"/>
+              <a:rPr lang="en-US"/>
               <a:t>Third level</a:t>
             </a:r>
           </a:p>
           <a:p>
             <a:pPr lvl="3" eaLnBrk="1" latinLnBrk="0" hangingPunct="1"/>
             <a:r>
-              <a:rPr lang="en-US" smtClean="0"/>
+              <a:rPr lang="en-US"/>
               <a:t>Fourth level</a:t>
             </a:r>
           </a:p>
           <a:p>
             <a:pPr lvl="4" eaLnBrk="1" latinLnBrk="0" hangingPunct="1"/>
             <a:r>
-              <a:rPr lang="en-US" smtClean="0"/>
+              <a:rPr lang="en-US"/>
               <a:t>Fifth level</a:t>
             </a:r>
             <a:endParaRPr kumimoji="0" lang="en-US"/>
@@ -4060,35 +4841,35 @@
           <a:p>
             <a:pPr lvl="0" eaLnBrk="1" latinLnBrk="0" hangingPunct="1"/>
             <a:r>
-              <a:rPr lang="en-US" smtClean="0"/>
+              <a:rPr lang="en-US"/>
               <a:t>Click to edit Master text styles</a:t>
             </a:r>
           </a:p>
           <a:p>
             <a:pPr lvl="1" eaLnBrk="1" latinLnBrk="0" hangingPunct="1"/>
             <a:r>
-              <a:rPr lang="en-US" smtClean="0"/>
+              <a:rPr lang="en-US"/>
               <a:t>Second level</a:t>
             </a:r>
           </a:p>
           <a:p>
             <a:pPr lvl="2" eaLnBrk="1" latinLnBrk="0" hangingPunct="1"/>
             <a:r>
-              <a:rPr lang="en-US" smtClean="0"/>
+              <a:rPr lang="en-US"/>
               <a:t>Third level</a:t>
             </a:r>
           </a:p>
           <a:p>
             <a:pPr lvl="3" eaLnBrk="1" latinLnBrk="0" hangingPunct="1"/>
             <a:r>
-              <a:rPr lang="en-US" smtClean="0"/>
+              <a:rPr lang="en-US"/>
               <a:t>Fourth level</a:t>
             </a:r>
           </a:p>
           <a:p>
             <a:pPr lvl="4" eaLnBrk="1" latinLnBrk="0" hangingPunct="1"/>
             <a:r>
-              <a:rPr lang="en-US" smtClean="0"/>
+              <a:rPr lang="en-US"/>
               <a:t>Fifth level</a:t>
             </a:r>
             <a:endParaRPr kumimoji="0" lang="en-US"/>
@@ -4145,10 +4926,9 @@
           </a:lstStyle>
           <a:p>
             <a:r>
-              <a:rPr kumimoji="0" lang="en-US" smtClean="0"/>
+              <a:rPr kumimoji="0" lang="en-US"/>
               <a:t>Click to edit Master title style</a:t>
             </a:r>
-            <a:endParaRPr kumimoji="0" lang="en-US"/>
           </a:p>
         </p:txBody>
       </p:sp>
@@ -4169,7 +4949,7 @@
           <a:p>
             <a:fld id="{D5687966-EEDE-4BAF-8417-7AF24FF059C9}" type="datetimeFigureOut">
               <a:rPr lang="en-GB" smtClean="0"/>
-              <a:t>19/09/2023</a:t>
+              <a:t>21/09/2023</a:t>
             </a:fld>
             <a:endParaRPr lang="en-GB"/>
           </a:p>
@@ -4239,35 +5019,35 @@
           <a:p>
             <a:pPr lvl="0" eaLnBrk="1" latinLnBrk="0" hangingPunct="1"/>
             <a:r>
-              <a:rPr lang="en-US" smtClean="0"/>
+              <a:rPr lang="en-US"/>
               <a:t>Click to edit Master text styles</a:t>
             </a:r>
           </a:p>
           <a:p>
             <a:pPr lvl="1" eaLnBrk="1" latinLnBrk="0" hangingPunct="1"/>
             <a:r>
-              <a:rPr lang="en-US" smtClean="0"/>
+              <a:rPr lang="en-US"/>
               <a:t>Second level</a:t>
             </a:r>
           </a:p>
           <a:p>
             <a:pPr lvl="2" eaLnBrk="1" latinLnBrk="0" hangingPunct="1"/>
             <a:r>
-              <a:rPr lang="en-US" smtClean="0"/>
+              <a:rPr lang="en-US"/>
               <a:t>Third level</a:t>
             </a:r>
           </a:p>
           <a:p>
             <a:pPr lvl="3" eaLnBrk="1" latinLnBrk="0" hangingPunct="1"/>
             <a:r>
-              <a:rPr lang="en-US" smtClean="0"/>
+              <a:rPr lang="en-US"/>
               <a:t>Fourth level</a:t>
             </a:r>
           </a:p>
           <a:p>
             <a:pPr lvl="4" eaLnBrk="1" latinLnBrk="0" hangingPunct="1"/>
             <a:r>
-              <a:rPr lang="en-US" smtClean="0"/>
+              <a:rPr lang="en-US"/>
               <a:t>Fifth level</a:t>
             </a:r>
             <a:endParaRPr kumimoji="0" lang="en-US"/>
@@ -4296,35 +5076,35 @@
           <a:p>
             <a:pPr lvl="0" eaLnBrk="1" latinLnBrk="0" hangingPunct="1"/>
             <a:r>
-              <a:rPr lang="en-US" smtClean="0"/>
+              <a:rPr lang="en-US"/>
               <a:t>Click to edit Master text styles</a:t>
             </a:r>
           </a:p>
           <a:p>
             <a:pPr lvl="1" eaLnBrk="1" latinLnBrk="0" hangingPunct="1"/>
             <a:r>
-              <a:rPr lang="en-US" smtClean="0"/>
+              <a:rPr lang="en-US"/>
               <a:t>Second level</a:t>
             </a:r>
           </a:p>
           <a:p>
             <a:pPr lvl="2" eaLnBrk="1" latinLnBrk="0" hangingPunct="1"/>
             <a:r>
-              <a:rPr lang="en-US" smtClean="0"/>
+              <a:rPr lang="en-US"/>
               <a:t>Third level</a:t>
             </a:r>
           </a:p>
           <a:p>
             <a:pPr lvl="3" eaLnBrk="1" latinLnBrk="0" hangingPunct="1"/>
             <a:r>
-              <a:rPr lang="en-US" smtClean="0"/>
+              <a:rPr lang="en-US"/>
               <a:t>Fourth level</a:t>
             </a:r>
           </a:p>
           <a:p>
             <a:pPr lvl="4" eaLnBrk="1" latinLnBrk="0" hangingPunct="1"/>
             <a:r>
-              <a:rPr lang="en-US" smtClean="0"/>
+              <a:rPr lang="en-US"/>
               <a:t>Fifth level</a:t>
             </a:r>
             <a:endParaRPr kumimoji="0" lang="en-US"/>
@@ -4373,7 +5153,7 @@
           <a:p>
             <a:pPr lvl="0" eaLnBrk="1" latinLnBrk="0" hangingPunct="1"/>
             <a:r>
-              <a:rPr kumimoji="0" lang="en-US" smtClean="0"/>
+              <a:rPr kumimoji="0" lang="en-US"/>
               <a:t>Click to edit Master text styles</a:t>
             </a:r>
           </a:p>
@@ -4421,7 +5201,7 @@
           <a:p>
             <a:pPr lvl="0" eaLnBrk="1" latinLnBrk="0" hangingPunct="1"/>
             <a:r>
-              <a:rPr kumimoji="0" lang="en-US" smtClean="0"/>
+              <a:rPr kumimoji="0" lang="en-US"/>
               <a:t>Click to edit Master text styles</a:t>
             </a:r>
           </a:p>
@@ -4468,10 +5248,9 @@
           <a:lstStyle/>
           <a:p>
             <a:r>
-              <a:rPr kumimoji="0" lang="en-US" smtClean="0"/>
+              <a:rPr kumimoji="0" lang="en-US"/>
               <a:t>Click to edit Master title style</a:t>
             </a:r>
-            <a:endParaRPr kumimoji="0" lang="en-US"/>
           </a:p>
         </p:txBody>
       </p:sp>
@@ -4492,7 +5271,7 @@
           <a:p>
             <a:fld id="{D5687966-EEDE-4BAF-8417-7AF24FF059C9}" type="datetimeFigureOut">
               <a:rPr lang="en-GB" smtClean="0"/>
-              <a:t>19/09/2023</a:t>
+              <a:t>21/09/2023</a:t>
             </a:fld>
             <a:endParaRPr lang="en-GB"/>
           </a:p>
@@ -4582,7 +5361,7 @@
           <a:p>
             <a:fld id="{D5687966-EEDE-4BAF-8417-7AF24FF059C9}" type="datetimeFigureOut">
               <a:rPr lang="en-GB" smtClean="0"/>
-              <a:t>19/09/2023</a:t>
+              <a:t>21/09/2023</a:t>
             </a:fld>
             <a:endParaRPr lang="en-GB"/>
           </a:p>
@@ -4725,10 +5504,9 @@
           </a:lstStyle>
           <a:p>
             <a:r>
-              <a:rPr kumimoji="0" lang="en-US" smtClean="0"/>
+              <a:rPr kumimoji="0" lang="en-US"/>
               <a:t>Click to edit Master title style</a:t>
             </a:r>
-            <a:endParaRPr kumimoji="0" lang="en-US"/>
           </a:p>
         </p:txBody>
       </p:sp>
@@ -4781,7 +5559,7 @@
           <a:p>
             <a:pPr lvl="0" eaLnBrk="1" latinLnBrk="0" hangingPunct="1"/>
             <a:r>
-              <a:rPr kumimoji="0" lang="en-US" smtClean="0"/>
+              <a:rPr kumimoji="0" lang="en-US"/>
               <a:t>Click to edit Master text styles</a:t>
             </a:r>
           </a:p>
@@ -5047,35 +5825,35 @@
           <a:p>
             <a:pPr lvl="0" eaLnBrk="1" latinLnBrk="0" hangingPunct="1"/>
             <a:r>
-              <a:rPr lang="en-US" smtClean="0"/>
+              <a:rPr lang="en-US"/>
               <a:t>Click to edit Master text styles</a:t>
             </a:r>
           </a:p>
           <a:p>
             <a:pPr lvl="1" eaLnBrk="1" latinLnBrk="0" hangingPunct="1"/>
             <a:r>
-              <a:rPr lang="en-US" smtClean="0"/>
+              <a:rPr lang="en-US"/>
               <a:t>Second level</a:t>
             </a:r>
           </a:p>
           <a:p>
             <a:pPr lvl="2" eaLnBrk="1" latinLnBrk="0" hangingPunct="1"/>
             <a:r>
-              <a:rPr lang="en-US" smtClean="0"/>
+              <a:rPr lang="en-US"/>
               <a:t>Third level</a:t>
             </a:r>
           </a:p>
           <a:p>
             <a:pPr lvl="3" eaLnBrk="1" latinLnBrk="0" hangingPunct="1"/>
             <a:r>
-              <a:rPr lang="en-US" smtClean="0"/>
+              <a:rPr lang="en-US"/>
               <a:t>Fourth level</a:t>
             </a:r>
           </a:p>
           <a:p>
             <a:pPr lvl="4" eaLnBrk="1" latinLnBrk="0" hangingPunct="1"/>
             <a:r>
-              <a:rPr lang="en-US" smtClean="0"/>
+              <a:rPr lang="en-US"/>
               <a:t>Fifth level</a:t>
             </a:r>
             <a:endParaRPr kumimoji="0" lang="en-US"/>
@@ -5099,7 +5877,7 @@
           <a:p>
             <a:fld id="{D5687966-EEDE-4BAF-8417-7AF24FF059C9}" type="datetimeFigureOut">
               <a:rPr lang="en-GB" smtClean="0"/>
-              <a:t>19/09/2023</a:t>
+              <a:t>21/09/2023</a:t>
             </a:fld>
             <a:endParaRPr lang="en-GB"/>
           </a:p>
@@ -5279,10 +6057,9 @@
           </a:lstStyle>
           <a:p>
             <a:r>
-              <a:rPr kumimoji="0" lang="en-US" smtClean="0"/>
+              <a:rPr kumimoji="0" lang="en-US"/>
               <a:t>Click to edit Master title style</a:t>
             </a:r>
-            <a:endParaRPr kumimoji="0" lang="en-US"/>
           </a:p>
         </p:txBody>
       </p:sp>
@@ -5338,7 +6115,7 @@
               <a:buNone/>
             </a:pPr>
             <a:r>
-              <a:rPr kumimoji="0" lang="en-US" smtClean="0"/>
+              <a:rPr kumimoji="0" lang="en-US"/>
               <a:t>Click icon to add picture</a:t>
             </a:r>
             <a:endParaRPr kumimoji="0" lang="en-US" dirty="0"/>
@@ -5393,7 +6170,7 @@
           <a:p>
             <a:pPr lvl="0" eaLnBrk="1" latinLnBrk="0" hangingPunct="1"/>
             <a:r>
-              <a:rPr kumimoji="0" lang="en-US" smtClean="0"/>
+              <a:rPr kumimoji="0" lang="en-US"/>
               <a:t>Click to edit Master text styles</a:t>
             </a:r>
           </a:p>
@@ -5610,7 +6387,7 @@
           <a:p>
             <a:fld id="{D5687966-EEDE-4BAF-8417-7AF24FF059C9}" type="datetimeFigureOut">
               <a:rPr lang="en-GB" smtClean="0"/>
-              <a:t>19/09/2023</a:t>
+              <a:t>21/09/2023</a:t>
             </a:fld>
             <a:endParaRPr lang="en-GB"/>
           </a:p>
@@ -5753,10 +6530,9 @@
           <a:lstStyle/>
           <a:p>
             <a:r>
-              <a:rPr kumimoji="0" lang="en-US" smtClean="0"/>
+              <a:rPr kumimoji="0" lang="en-US"/>
               <a:t>Click to edit Master title style</a:t>
             </a:r>
-            <a:endParaRPr kumimoji="0" lang="en-US"/>
           </a:p>
         </p:txBody>
       </p:sp>
@@ -5787,38 +6563,37 @@
           <a:p>
             <a:pPr lvl="0" eaLnBrk="1" latinLnBrk="0" hangingPunct="1"/>
             <a:r>
-              <a:rPr kumimoji="0" lang="en-US" smtClean="0"/>
+              <a:rPr kumimoji="0" lang="en-US"/>
               <a:t>Click to edit Master text styles</a:t>
             </a:r>
           </a:p>
           <a:p>
             <a:pPr lvl="1" eaLnBrk="1" latinLnBrk="0" hangingPunct="1"/>
             <a:r>
-              <a:rPr kumimoji="0" lang="en-US" smtClean="0"/>
+              <a:rPr kumimoji="0" lang="en-US"/>
               <a:t>Second level</a:t>
             </a:r>
           </a:p>
           <a:p>
             <a:pPr lvl="2" eaLnBrk="1" latinLnBrk="0" hangingPunct="1"/>
             <a:r>
-              <a:rPr kumimoji="0" lang="en-US" smtClean="0"/>
+              <a:rPr kumimoji="0" lang="en-US"/>
               <a:t>Third level</a:t>
             </a:r>
           </a:p>
           <a:p>
             <a:pPr lvl="3" eaLnBrk="1" latinLnBrk="0" hangingPunct="1"/>
             <a:r>
-              <a:rPr kumimoji="0" lang="en-US" smtClean="0"/>
+              <a:rPr kumimoji="0" lang="en-US"/>
               <a:t>Fourth level</a:t>
             </a:r>
           </a:p>
           <a:p>
             <a:pPr lvl="4" eaLnBrk="1" latinLnBrk="0" hangingPunct="1"/>
             <a:r>
-              <a:rPr kumimoji="0" lang="en-US" smtClean="0"/>
+              <a:rPr kumimoji="0" lang="en-US"/>
               <a:t>Fifth level</a:t>
             </a:r>
-            <a:endParaRPr kumimoji="0" lang="en-US"/>
           </a:p>
         </p:txBody>
       </p:sp>
@@ -5855,7 +6630,7 @@
           <a:p>
             <a:fld id="{D5687966-EEDE-4BAF-8417-7AF24FF059C9}" type="datetimeFigureOut">
               <a:rPr lang="en-GB" smtClean="0"/>
-              <a:t>19/09/2023</a:t>
+              <a:t>21/09/2023</a:t>
             </a:fld>
             <a:endParaRPr lang="en-GB"/>
           </a:p>
@@ -6483,18 +7258,13 @@
           <a:lstStyle/>
           <a:p>
             <a:r>
-              <a:rPr lang="en-GB" dirty="0" smtClean="0">
+              <a:rPr lang="en-GB" dirty="0">
                 <a:solidFill>
                   <a:schemeClr val="tx1"/>
                 </a:solidFill>
               </a:rPr>
               <a:t>Enhancing Beverage Production Process Efficiency: A Machine Learning Approach</a:t>
             </a:r>
-            <a:endParaRPr lang="en-GB" dirty="0">
-              <a:solidFill>
-                <a:schemeClr val="tx1"/>
-              </a:solidFill>
-            </a:endParaRPr>
           </a:p>
         </p:txBody>
       </p:sp>
@@ -6568,18 +7338,13 @@
           <a:lstStyle/>
           <a:p>
             <a:r>
-              <a:rPr lang="en-GB" dirty="0" smtClean="0">
+              <a:rPr lang="en-GB" dirty="0">
                 <a:solidFill>
                   <a:schemeClr val="tx1"/>
                 </a:solidFill>
               </a:rPr>
               <a:t>Model Performance</a:t>
             </a:r>
-            <a:endParaRPr lang="en-GB" dirty="0">
-              <a:solidFill>
-                <a:schemeClr val="tx1"/>
-              </a:solidFill>
-            </a:endParaRPr>
           </a:p>
         </p:txBody>
       </p:sp>
@@ -6601,70 +7366,66 @@
           <a:lstStyle/>
           <a:p>
             <a:r>
-              <a:rPr lang="en-GB" b="1" dirty="0" smtClean="0"/>
+              <a:rPr lang="en-GB" b="1" dirty="0"/>
               <a:t>Model Performance</a:t>
             </a:r>
             <a:r>
-              <a:rPr lang="en-GB" dirty="0" smtClean="0"/>
+              <a:rPr lang="en-GB" dirty="0"/>
               <a:t>:</a:t>
             </a:r>
           </a:p>
           <a:p>
             <a:pPr lvl="1"/>
             <a:r>
-              <a:rPr lang="en-GB" dirty="0" smtClean="0"/>
+              <a:rPr lang="en-GB" dirty="0"/>
               <a:t>Demonstrated exceptional capability in predicting optimal beverage production parameters.</a:t>
             </a:r>
           </a:p>
           <a:p>
             <a:pPr lvl="1"/>
             <a:r>
-              <a:rPr lang="en-GB" dirty="0" smtClean="0"/>
+              <a:rPr lang="en-GB" dirty="0"/>
               <a:t>Analyzes large data sets to recognize patterns for improved efficiency.</a:t>
             </a:r>
           </a:p>
           <a:p>
             <a:r>
-              <a:rPr lang="en-GB" b="1" dirty="0" smtClean="0"/>
-              <a:t>Model's </a:t>
-            </a:r>
-            <a:r>
-              <a:rPr lang="en-GB" b="1" dirty="0" smtClean="0"/>
-              <a:t>Continuous Learning</a:t>
-            </a:r>
-            <a:r>
-              <a:rPr lang="en-GB" dirty="0" smtClean="0"/>
+              <a:rPr lang="en-GB" b="1" dirty="0"/>
+              <a:t>Model's Continuous Learning</a:t>
+            </a:r>
+            <a:r>
+              <a:rPr lang="en-GB" dirty="0"/>
               <a:t>:</a:t>
             </a:r>
           </a:p>
           <a:p>
             <a:pPr lvl="1"/>
             <a:r>
-              <a:rPr lang="en-GB" dirty="0" smtClean="0"/>
+              <a:rPr lang="en-GB" dirty="0"/>
               <a:t>Learns from past data, enhancing predictions progressively.</a:t>
             </a:r>
           </a:p>
           <a:p>
             <a:r>
-              <a:rPr lang="en-GB" b="1" dirty="0" smtClean="0"/>
+              <a:rPr lang="en-GB" b="1" dirty="0"/>
               <a:t>Benefits to Producers</a:t>
             </a:r>
             <a:r>
-              <a:rPr lang="en-GB" dirty="0" smtClean="0"/>
+              <a:rPr lang="en-GB" dirty="0"/>
               <a:t>:</a:t>
             </a:r>
           </a:p>
           <a:p>
             <a:pPr lvl="1"/>
             <a:r>
-              <a:rPr lang="en-GB" dirty="0" smtClean="0"/>
+              <a:rPr lang="en-GB" dirty="0"/>
               <a:t>Potential reduction in production costs.</a:t>
             </a:r>
           </a:p>
           <a:p>
             <a:pPr lvl="1"/>
             <a:r>
-              <a:rPr lang="en-GB" dirty="0" smtClean="0"/>
+              <a:rPr lang="en-GB" dirty="0"/>
               <a:t>Anticipated increase in overall output.</a:t>
             </a:r>
           </a:p>
@@ -6714,18 +7475,13 @@
           <a:lstStyle/>
           <a:p>
             <a:r>
-              <a:rPr lang="en-GB" dirty="0" smtClean="0">
+              <a:rPr lang="en-GB" dirty="0">
                 <a:solidFill>
                   <a:schemeClr val="tx1"/>
                 </a:solidFill>
               </a:rPr>
               <a:t>Conclusion</a:t>
             </a:r>
-            <a:endParaRPr lang="en-GB" dirty="0">
-              <a:solidFill>
-                <a:schemeClr val="tx1"/>
-              </a:solidFill>
-            </a:endParaRPr>
           </a:p>
         </p:txBody>
       </p:sp>
@@ -6747,173 +7503,168 @@
           <a:lstStyle/>
           <a:p>
             <a:r>
-              <a:rPr lang="en-GB" b="1" dirty="0" smtClean="0"/>
+              <a:rPr lang="en-GB" b="1" dirty="0"/>
               <a:t>Objective and Key Findings:</a:t>
             </a:r>
-            <a:endParaRPr lang="en-GB" dirty="0" smtClean="0"/>
+            <a:endParaRPr lang="en-GB" dirty="0"/>
           </a:p>
           <a:p>
             <a:pPr lvl="1"/>
             <a:r>
-              <a:rPr lang="en-GB" dirty="0" smtClean="0"/>
+              <a:rPr lang="en-GB" dirty="0"/>
               <a:t>Aimed to understand phase overruns in beverage production.</a:t>
             </a:r>
           </a:p>
           <a:p>
             <a:pPr lvl="1"/>
             <a:r>
-              <a:rPr lang="en-GB" dirty="0" smtClean="0"/>
+              <a:rPr lang="en-GB" dirty="0"/>
               <a:t>Advanced machine learning models, notably the Random Forest </a:t>
             </a:r>
             <a:r>
-              <a:rPr lang="en-GB" dirty="0" err="1" smtClean="0"/>
+              <a:rPr lang="en-GB" dirty="0" err="1"/>
               <a:t>Regressor</a:t>
             </a:r>
             <a:r>
-              <a:rPr lang="en-GB" dirty="0" smtClean="0"/>
+              <a:rPr lang="en-GB" dirty="0"/>
               <a:t> and Gradient Boosting </a:t>
             </a:r>
             <a:r>
-              <a:rPr lang="en-GB" dirty="0" err="1" smtClean="0"/>
+              <a:rPr lang="en-GB" dirty="0" err="1"/>
               <a:t>Regressor</a:t>
             </a:r>
             <a:r>
-              <a:rPr lang="en-GB" dirty="0" smtClean="0"/>
+              <a:rPr lang="en-GB" dirty="0"/>
               <a:t>, showed strong predictive capabilities.</a:t>
             </a:r>
           </a:p>
           <a:p>
             <a:r>
-              <a:rPr lang="en-GB" b="1" dirty="0" smtClean="0"/>
+              <a:rPr lang="en-GB" b="1" dirty="0"/>
               <a:t>Importance of Advanced ML Models:</a:t>
             </a:r>
-            <a:endParaRPr lang="en-GB" dirty="0" smtClean="0"/>
+            <a:endParaRPr lang="en-GB" dirty="0"/>
           </a:p>
           <a:p>
             <a:pPr lvl="1"/>
             <a:r>
-              <a:rPr lang="en-GB" dirty="0" smtClean="0"/>
+              <a:rPr lang="en-GB" dirty="0"/>
               <a:t>Demonstrated ability to predict phase overruns across various tanks and instruction steps.</a:t>
             </a:r>
           </a:p>
           <a:p>
             <a:pPr lvl="1"/>
             <a:r>
-              <a:rPr lang="en-GB" dirty="0" smtClean="0"/>
+              <a:rPr lang="en-GB" dirty="0"/>
               <a:t>Emphasized the transformative potential of these techniques in the beverage industry.</a:t>
             </a:r>
           </a:p>
           <a:p>
             <a:r>
-              <a:rPr lang="en-GB" b="1" dirty="0" smtClean="0"/>
+              <a:rPr lang="en-GB" b="1" dirty="0"/>
               <a:t>Value of Exploratory Data Analysis (EDA):</a:t>
             </a:r>
-            <a:endParaRPr lang="en-GB" dirty="0" smtClean="0"/>
+            <a:endParaRPr lang="en-GB" dirty="0"/>
           </a:p>
           <a:p>
             <a:pPr lvl="1"/>
             <a:r>
-              <a:rPr lang="en-GB" dirty="0" smtClean="0"/>
+              <a:rPr lang="en-GB" dirty="0"/>
               <a:t>Foundational step that illuminated production nuances and inefficiencies.</a:t>
             </a:r>
           </a:p>
           <a:p>
             <a:pPr lvl="1"/>
             <a:r>
-              <a:rPr lang="en-GB" dirty="0" smtClean="0"/>
+              <a:rPr lang="en-GB" dirty="0"/>
               <a:t>Proved beneficial even before the application of machine learning techniques.</a:t>
             </a:r>
           </a:p>
           <a:p>
             <a:r>
-              <a:rPr lang="en-GB" b="1" dirty="0" smtClean="0"/>
+              <a:rPr lang="en-GB" b="1" dirty="0"/>
               <a:t>Diversity of Top Models:</a:t>
             </a:r>
-            <a:endParaRPr lang="en-GB" dirty="0" smtClean="0"/>
+            <a:endParaRPr lang="en-GB" dirty="0"/>
           </a:p>
           <a:p>
             <a:pPr lvl="1"/>
             <a:r>
-              <a:rPr lang="en-GB" dirty="0" smtClean="0"/>
+              <a:rPr lang="en-GB" dirty="0"/>
               <a:t>Different models excelled for different tanks and steps.</a:t>
             </a:r>
           </a:p>
           <a:p>
             <a:pPr lvl="1"/>
             <a:r>
-              <a:rPr lang="en-GB" dirty="0" smtClean="0"/>
+              <a:rPr lang="en-GB" dirty="0"/>
               <a:t>Suggests that a custom approach, tailored to each specific task, might yield the best outcomes.</a:t>
             </a:r>
           </a:p>
           <a:p>
             <a:r>
-              <a:rPr lang="en-GB" b="1" dirty="0" smtClean="0"/>
+              <a:rPr lang="en-GB" b="1" dirty="0"/>
               <a:t>Data Limitations:</a:t>
             </a:r>
-            <a:endParaRPr lang="en-GB" dirty="0" smtClean="0"/>
+            <a:endParaRPr lang="en-GB" dirty="0"/>
           </a:p>
           <a:p>
             <a:pPr lvl="1"/>
             <a:r>
-              <a:rPr lang="en-GB" dirty="0" smtClean="0"/>
+              <a:rPr lang="en-GB" dirty="0"/>
               <a:t>Only two years of data were used.</a:t>
             </a:r>
           </a:p>
           <a:p>
             <a:pPr lvl="1"/>
             <a:r>
-              <a:rPr lang="en-GB" dirty="0" smtClean="0"/>
+              <a:rPr lang="en-GB" dirty="0"/>
               <a:t>Raised concerns about model </a:t>
             </a:r>
             <a:r>
-              <a:rPr lang="en-GB" dirty="0" err="1" smtClean="0"/>
+              <a:rPr lang="en-GB" dirty="0" err="1"/>
               <a:t>generalizability</a:t>
             </a:r>
             <a:r>
-              <a:rPr lang="en-GB" dirty="0" smtClean="0"/>
+              <a:rPr lang="en-GB" dirty="0"/>
               <a:t> and adaptability to future production shifts.</a:t>
             </a:r>
           </a:p>
           <a:p>
             <a:r>
-              <a:rPr lang="en-GB" b="1" dirty="0" smtClean="0"/>
+              <a:rPr lang="en-GB" b="1" dirty="0"/>
               <a:t>Broader Implications:</a:t>
             </a:r>
-            <a:endParaRPr lang="en-GB" dirty="0" smtClean="0"/>
+            <a:endParaRPr lang="en-GB" dirty="0"/>
           </a:p>
           <a:p>
             <a:pPr lvl="1"/>
             <a:r>
-              <a:rPr lang="en-GB" dirty="0" smtClean="0"/>
+              <a:rPr lang="en-GB" dirty="0"/>
               <a:t>The research is impactful for improving the beverage production sector.</a:t>
             </a:r>
           </a:p>
           <a:p>
             <a:pPr lvl="1"/>
             <a:r>
-              <a:rPr lang="en-GB" dirty="0" smtClean="0"/>
+              <a:rPr lang="en-GB" dirty="0"/>
               <a:t>Provides a roadmap for other manufacturing sectors aiming for efficiency improvements.</a:t>
             </a:r>
           </a:p>
           <a:p>
             <a:r>
-              <a:rPr lang="en-GB" dirty="0" smtClean="0"/>
+              <a:rPr lang="en-GB" dirty="0"/>
               <a:t>Regenerate</a:t>
             </a:r>
           </a:p>
           <a:p>
-            <a:r>
-              <a:rPr lang="en-GB" dirty="0" smtClean="0"/>
-              <a:t/>
-            </a:r>
             <a:br>
-              <a:rPr lang="en-GB" dirty="0" smtClean="0"/>
+              <a:rPr lang="en-GB" dirty="0"/>
             </a:br>
             <a:r>
-              <a:rPr lang="en-GB" dirty="0" smtClean="0"/>
+              <a:rPr lang="en-GB" dirty="0"/>
               <a:t>.</a:t>
             </a:r>
-            <a:endParaRPr lang="en-GB" dirty="0" smtClean="0"/>
           </a:p>
         </p:txBody>
       </p:sp>
@@ -6958,7 +7709,7 @@
           <a:lstStyle/>
           <a:p>
             <a:r>
-              <a:rPr lang="en-GB" dirty="0" smtClean="0">
+              <a:rPr lang="en-GB" dirty="0">
                 <a:solidFill>
                   <a:schemeClr val="tx1"/>
                 </a:solidFill>
@@ -6992,127 +7743,126 @@
           <a:lstStyle/>
           <a:p>
             <a:r>
-              <a:rPr lang="en-GB" b="1" dirty="0" smtClean="0"/>
+              <a:rPr lang="en-GB" b="1" dirty="0"/>
               <a:t>Neural Network-Based Models (e.g., LSTM):</a:t>
             </a:r>
-            <a:endParaRPr lang="en-GB" dirty="0" smtClean="0"/>
+            <a:endParaRPr lang="en-GB" dirty="0"/>
           </a:p>
           <a:p>
             <a:pPr lvl="1"/>
             <a:r>
-              <a:rPr lang="en-GB" dirty="0" smtClean="0"/>
+              <a:rPr lang="en-GB" dirty="0"/>
               <a:t>Pose challenges across all instruction steps.</a:t>
             </a:r>
           </a:p>
           <a:p>
             <a:pPr lvl="1"/>
             <a:r>
-              <a:rPr lang="en-GB" dirty="0" smtClean="0"/>
+              <a:rPr lang="en-GB" dirty="0"/>
               <a:t>Computationally intensive and require vast training data.</a:t>
             </a:r>
           </a:p>
           <a:p>
             <a:pPr lvl="1"/>
             <a:r>
-              <a:rPr lang="en-GB" dirty="0" smtClean="0"/>
+              <a:rPr lang="en-GB" dirty="0"/>
               <a:t>Lack transparency desired for understanding production nuances.</a:t>
             </a:r>
           </a:p>
           <a:p>
             <a:r>
-              <a:rPr lang="en-GB" b="1" dirty="0" smtClean="0"/>
+              <a:rPr lang="en-GB" b="1" dirty="0"/>
               <a:t>Complexity of Models like Random Forests and GBMs:</a:t>
             </a:r>
-            <a:endParaRPr lang="en-GB" dirty="0" smtClean="0"/>
+            <a:endParaRPr lang="en-GB" dirty="0"/>
           </a:p>
           <a:p>
             <a:pPr lvl="1"/>
             <a:r>
-              <a:rPr lang="en-GB" dirty="0" smtClean="0"/>
+              <a:rPr lang="en-GB" dirty="0"/>
               <a:t>Provide potentially better results.</a:t>
             </a:r>
           </a:p>
           <a:p>
             <a:pPr lvl="1"/>
             <a:r>
-              <a:rPr lang="en-GB" dirty="0" smtClean="0"/>
+              <a:rPr lang="en-GB" dirty="0"/>
               <a:t>Intricate structures make it difficult to discern reasoning behind decisions.</a:t>
             </a:r>
           </a:p>
           <a:p>
             <a:pPr lvl="1"/>
             <a:r>
-              <a:rPr lang="en-GB" dirty="0" smtClean="0"/>
+              <a:rPr lang="en-GB" dirty="0"/>
               <a:t>Lack straightforward interpretability, crucial for industries requiring explanations.</a:t>
             </a:r>
           </a:p>
           <a:p>
             <a:r>
-              <a:rPr lang="en-GB" b="1" dirty="0" err="1" smtClean="0"/>
+              <a:rPr lang="en-GB" b="1" dirty="0" err="1"/>
               <a:t>Generalizability</a:t>
             </a:r>
             <a:r>
-              <a:rPr lang="en-GB" b="1" dirty="0" smtClean="0"/>
+              <a:rPr lang="en-GB" b="1" dirty="0"/>
               <a:t> Concerns:</a:t>
             </a:r>
-            <a:endParaRPr lang="en-GB" dirty="0" smtClean="0"/>
+            <a:endParaRPr lang="en-GB" dirty="0"/>
           </a:p>
           <a:p>
             <a:pPr lvl="1"/>
             <a:r>
-              <a:rPr lang="en-GB" dirty="0" smtClean="0"/>
+              <a:rPr lang="en-GB" dirty="0"/>
               <a:t>Data or scenarios differing from training sets could lead to inaccurate predictions.</a:t>
             </a:r>
           </a:p>
           <a:p>
             <a:r>
-              <a:rPr lang="en-GB" b="1" dirty="0" smtClean="0"/>
+              <a:rPr lang="en-GB" b="1" dirty="0"/>
               <a:t>Ethical Concerns:</a:t>
             </a:r>
-            <a:endParaRPr lang="en-GB" dirty="0" smtClean="0"/>
+            <a:endParaRPr lang="en-GB" dirty="0"/>
           </a:p>
           <a:p>
             <a:pPr lvl="1"/>
             <a:r>
-              <a:rPr lang="en-GB" dirty="0" smtClean="0"/>
+              <a:rPr lang="en-GB" dirty="0"/>
               <a:t>Potential biases within data could perpetuate or worsen existing gaps.</a:t>
             </a:r>
           </a:p>
           <a:p>
             <a:pPr lvl="1"/>
             <a:r>
-              <a:rPr lang="en-GB" dirty="0" smtClean="0"/>
+              <a:rPr lang="en-GB" dirty="0"/>
               <a:t>Bias example: Limited production beverage batch data of only 2 years may not capture broader trends or patterns.</a:t>
             </a:r>
           </a:p>
           <a:p>
             <a:r>
-              <a:rPr lang="en-GB" b="1" dirty="0" smtClean="0"/>
+              <a:rPr lang="en-GB" b="1" dirty="0"/>
               <a:t>Dataset Limitations:</a:t>
             </a:r>
-            <a:endParaRPr lang="en-GB" dirty="0" smtClean="0"/>
+            <a:endParaRPr lang="en-GB" dirty="0"/>
           </a:p>
           <a:p>
             <a:pPr lvl="1"/>
             <a:r>
-              <a:rPr lang="en-GB" dirty="0" smtClean="0"/>
+              <a:rPr lang="en-GB" dirty="0"/>
               <a:t>Insufficient material batch data to compare individual production tanks.</a:t>
             </a:r>
           </a:p>
           <a:p>
             <a:r>
-              <a:rPr lang="en-GB" b="1" dirty="0" smtClean="0"/>
+              <a:rPr lang="en-GB" b="1" dirty="0"/>
               <a:t>Research Literature Gap:</a:t>
             </a:r>
-            <a:endParaRPr lang="en-GB" dirty="0" smtClean="0"/>
+            <a:endParaRPr lang="en-GB" dirty="0"/>
           </a:p>
           <a:p>
             <a:pPr lvl="1"/>
             <a:r>
-              <a:rPr lang="en-GB" dirty="0" smtClean="0"/>
+              <a:rPr lang="en-GB" dirty="0"/>
               <a:t>Limited literature on predictive analysis using machine learning specifically for the beverage manufacturing industry.</a:t>
             </a:r>
-            <a:endParaRPr lang="en-GB" dirty="0"/>
           </a:p>
         </p:txBody>
       </p:sp>
@@ -7157,18 +7907,13 @@
           <a:lstStyle/>
           <a:p>
             <a:r>
-              <a:rPr lang="en-GB" dirty="0" smtClean="0">
+              <a:rPr lang="en-GB" dirty="0">
                 <a:solidFill>
                   <a:schemeClr val="tx1"/>
                 </a:solidFill>
               </a:rPr>
               <a:t>Future Work</a:t>
             </a:r>
-            <a:endParaRPr lang="en-GB" dirty="0">
-              <a:solidFill>
-                <a:schemeClr val="tx1"/>
-              </a:solidFill>
-            </a:endParaRPr>
           </a:p>
         </p:txBody>
       </p:sp>
@@ -7190,125 +7935,125 @@
           <a:lstStyle/>
           <a:p>
             <a:r>
-              <a:rPr lang="en-GB" b="1" dirty="0" smtClean="0"/>
+              <a:rPr lang="en-GB" b="1" dirty="0"/>
               <a:t>Data Collection and Model Validation:</a:t>
             </a:r>
-            <a:endParaRPr lang="en-GB" dirty="0" smtClean="0"/>
+            <a:endParaRPr lang="en-GB" dirty="0"/>
           </a:p>
           <a:p>
             <a:pPr lvl="1"/>
             <a:r>
-              <a:rPr lang="en-GB" dirty="0" smtClean="0"/>
+              <a:rPr lang="en-GB" dirty="0"/>
               <a:t>Collect more data over time for retraining and validation.</a:t>
             </a:r>
           </a:p>
           <a:p>
             <a:pPr lvl="1"/>
             <a:r>
-              <a:rPr lang="en-GB" dirty="0" smtClean="0"/>
+              <a:rPr lang="en-GB" dirty="0"/>
               <a:t>Ensure models remain robust and accurate as processes and conditions evolve.</a:t>
             </a:r>
           </a:p>
           <a:p>
             <a:r>
-              <a:rPr lang="en-GB" b="1" dirty="0" err="1" smtClean="0"/>
+              <a:rPr lang="en-GB" b="1" dirty="0" err="1"/>
               <a:t>Hyperparameter</a:t>
             </a:r>
             <a:r>
-              <a:rPr lang="en-GB" b="1" dirty="0" smtClean="0"/>
+              <a:rPr lang="en-GB" b="1" dirty="0"/>
               <a:t> Tuning:</a:t>
             </a:r>
-            <a:endParaRPr lang="en-GB" dirty="0" smtClean="0"/>
+            <a:endParaRPr lang="en-GB" dirty="0"/>
           </a:p>
           <a:p>
             <a:pPr lvl="1"/>
             <a:r>
-              <a:rPr lang="en-GB" dirty="0" smtClean="0"/>
+              <a:rPr lang="en-GB" dirty="0"/>
               <a:t>Fine-tune models like Random Forest </a:t>
             </a:r>
             <a:r>
-              <a:rPr lang="en-GB" dirty="0" err="1" smtClean="0"/>
+              <a:rPr lang="en-GB" dirty="0" err="1"/>
               <a:t>Regressor</a:t>
             </a:r>
             <a:r>
-              <a:rPr lang="en-GB" dirty="0" smtClean="0"/>
+              <a:rPr lang="en-GB" dirty="0"/>
               <a:t> and Gradient Boosting </a:t>
             </a:r>
             <a:r>
-              <a:rPr lang="en-GB" dirty="0" err="1" smtClean="0"/>
+              <a:rPr lang="en-GB" dirty="0" err="1"/>
               <a:t>Regressor</a:t>
             </a:r>
             <a:r>
-              <a:rPr lang="en-GB" dirty="0" smtClean="0"/>
+              <a:rPr lang="en-GB" dirty="0"/>
               <a:t>.</a:t>
             </a:r>
           </a:p>
           <a:p>
             <a:pPr lvl="1"/>
             <a:r>
-              <a:rPr lang="en-GB" dirty="0" smtClean="0"/>
+              <a:rPr lang="en-GB" dirty="0"/>
               <a:t>Focus on optimizing </a:t>
             </a:r>
             <a:r>
-              <a:rPr lang="en-GB" dirty="0" err="1" smtClean="0"/>
+              <a:rPr lang="en-GB" dirty="0" err="1"/>
               <a:t>hyperparameters</a:t>
             </a:r>
             <a:r>
-              <a:rPr lang="en-GB" dirty="0" smtClean="0"/>
+              <a:rPr lang="en-GB" dirty="0"/>
               <a:t> such as tree depths and learning rates.</a:t>
             </a:r>
           </a:p>
           <a:p>
             <a:r>
-              <a:rPr lang="en-GB" b="1" dirty="0" smtClean="0"/>
+              <a:rPr lang="en-GB" b="1" dirty="0"/>
               <a:t>Real-world Model Testing:</a:t>
             </a:r>
-            <a:endParaRPr lang="en-GB" dirty="0" smtClean="0"/>
+            <a:endParaRPr lang="en-GB" dirty="0"/>
           </a:p>
           <a:p>
             <a:pPr lvl="1"/>
             <a:r>
-              <a:rPr lang="en-GB" dirty="0" smtClean="0"/>
+              <a:rPr lang="en-GB" dirty="0"/>
               <a:t>Validate the selected models in practical environments.</a:t>
             </a:r>
           </a:p>
           <a:p>
             <a:pPr lvl="1"/>
             <a:r>
-              <a:rPr lang="en-GB" dirty="0" smtClean="0"/>
+              <a:rPr lang="en-GB" dirty="0"/>
               <a:t>Ensure models can generalize beyond training data.</a:t>
             </a:r>
           </a:p>
           <a:p>
             <a:pPr lvl="1"/>
             <a:r>
-              <a:rPr lang="en-GB" dirty="0" smtClean="0"/>
+              <a:rPr lang="en-GB" dirty="0"/>
               <a:t>Address challenges like sensor errors or process fluctuations.</a:t>
             </a:r>
           </a:p>
           <a:p>
             <a:r>
-              <a:rPr lang="en-GB" b="1" dirty="0" smtClean="0"/>
+              <a:rPr lang="en-GB" b="1" dirty="0"/>
               <a:t>Transfer Learning:</a:t>
             </a:r>
-            <a:endParaRPr lang="en-GB" dirty="0" smtClean="0"/>
+            <a:endParaRPr lang="en-GB" dirty="0"/>
           </a:p>
           <a:p>
             <a:pPr lvl="1"/>
             <a:r>
-              <a:rPr lang="en-GB" dirty="0" smtClean="0"/>
+              <a:rPr lang="en-GB" dirty="0"/>
               <a:t>Investigate steps of the production process with similar patterns.</a:t>
             </a:r>
           </a:p>
           <a:p>
             <a:pPr lvl="1"/>
             <a:r>
-              <a:rPr lang="en-GB" dirty="0" smtClean="0"/>
+              <a:rPr lang="en-GB" dirty="0"/>
               <a:t>Explore if models trained on one process can be fine-tuned for another.</a:t>
             </a:r>
           </a:p>
           <a:p>
-            <a:endParaRPr lang="en-GB" dirty="0" smtClean="0"/>
+            <a:endParaRPr lang="en-GB" dirty="0"/>
           </a:p>
           <a:p>
             <a:endParaRPr lang="en-GB" dirty="0"/>
@@ -7361,61 +8106,61 @@
           <a:lstStyle/>
           <a:p>
             <a:r>
-              <a:rPr lang="en-GB" b="1" dirty="0" smtClean="0"/>
+              <a:rPr lang="en-GB" b="1" dirty="0"/>
               <a:t>Introduction</a:t>
             </a:r>
           </a:p>
           <a:p>
             <a:r>
-              <a:rPr lang="en-GB" b="1" dirty="0" smtClean="0"/>
+              <a:rPr lang="en-GB" b="1" dirty="0"/>
               <a:t>State of the Art</a:t>
             </a:r>
           </a:p>
           <a:p>
             <a:r>
-              <a:rPr lang="en-GB" b="1" dirty="0" smtClean="0"/>
+              <a:rPr lang="en-GB" b="1" dirty="0"/>
               <a:t>Research Objective 1 </a:t>
             </a:r>
           </a:p>
           <a:p>
             <a:r>
-              <a:rPr lang="en-GB" b="1" dirty="0" smtClean="0"/>
+              <a:rPr lang="en-GB" b="1" dirty="0"/>
               <a:t>Research Objective 2</a:t>
             </a:r>
           </a:p>
           <a:p>
             <a:r>
-              <a:rPr lang="en-GB" b="1" dirty="0" smtClean="0"/>
+              <a:rPr lang="en-GB" b="1" dirty="0"/>
               <a:t>Research Objectives 3</a:t>
             </a:r>
           </a:p>
           <a:p>
             <a:r>
-              <a:rPr lang="en-GB" b="1" dirty="0" smtClean="0"/>
+              <a:rPr lang="en-GB" b="1" dirty="0"/>
               <a:t>Methodology</a:t>
             </a:r>
           </a:p>
           <a:p>
             <a:r>
-              <a:rPr lang="en-GB" b="1" dirty="0" smtClean="0"/>
+              <a:rPr lang="en-GB" b="1" dirty="0"/>
               <a:t>Insight from Interviews</a:t>
             </a:r>
           </a:p>
           <a:p>
             <a:r>
-              <a:rPr lang="en-GB" b="1" dirty="0" smtClean="0"/>
+              <a:rPr lang="en-GB" b="1" dirty="0"/>
               <a:t>Model Performance</a:t>
             </a:r>
           </a:p>
           <a:p>
             <a:r>
-              <a:rPr lang="en-GB" b="1" dirty="0" smtClean="0"/>
+              <a:rPr lang="en-GB" b="1" dirty="0"/>
               <a:t>Conclusion</a:t>
             </a:r>
           </a:p>
           <a:p>
             <a:r>
-              <a:rPr lang="en-GB" b="1" dirty="0" smtClean="0"/>
+              <a:rPr lang="en-GB" b="1" dirty="0"/>
               <a:t>Limitations &amp; Future Work</a:t>
             </a:r>
           </a:p>
@@ -7465,18 +8210,13 @@
           <a:lstStyle/>
           <a:p>
             <a:r>
-              <a:rPr lang="en-GB" dirty="0" smtClean="0">
+              <a:rPr lang="en-GB" dirty="0">
                 <a:solidFill>
                   <a:schemeClr val="tx1"/>
                 </a:solidFill>
               </a:rPr>
               <a:t>Introduction</a:t>
             </a:r>
-            <a:endParaRPr lang="en-GB" dirty="0">
-              <a:solidFill>
-                <a:schemeClr val="tx1"/>
-              </a:solidFill>
-            </a:endParaRPr>
           </a:p>
         </p:txBody>
       </p:sp>
@@ -7503,87 +8243,79 @@
           <a:lstStyle/>
           <a:p>
             <a:r>
-              <a:rPr lang="en-GB" sz="1800" b="1" dirty="0" smtClean="0"/>
+              <a:rPr lang="en-GB" sz="1800" b="1" dirty="0"/>
               <a:t>The beverage industry: A highly competitive market.</a:t>
             </a:r>
-            <a:endParaRPr lang="en-GB" sz="1800" dirty="0" smtClean="0"/>
+            <a:endParaRPr lang="en-GB" sz="1800" dirty="0"/>
           </a:p>
           <a:p>
             <a:pPr lvl="1"/>
             <a:r>
-              <a:rPr lang="en-GB" sz="1800" dirty="0" smtClean="0"/>
+              <a:rPr lang="en-GB" sz="1800" dirty="0"/>
               <a:t>Even slight efficiency boosts result in substantial cost savings and profit increases.</a:t>
             </a:r>
           </a:p>
           <a:p>
             <a:r>
-              <a:rPr lang="en-GB" sz="1800" b="1" dirty="0" smtClean="0"/>
+              <a:rPr lang="en-GB" sz="1800" b="1" dirty="0"/>
               <a:t>Role of machine learning:</a:t>
             </a:r>
-            <a:endParaRPr lang="en-GB" sz="1800" dirty="0" smtClean="0"/>
+            <a:endParaRPr lang="en-GB" sz="1800" dirty="0"/>
           </a:p>
           <a:p>
             <a:pPr lvl="1"/>
             <a:r>
-              <a:rPr lang="en-GB" sz="1800" dirty="0" smtClean="0"/>
+              <a:rPr lang="en-GB" sz="1800" dirty="0"/>
               <a:t>Offers opportunities to optimize production processes</a:t>
             </a:r>
             <a:r>
-              <a:rPr lang="en-GB" sz="1800" b="1" dirty="0" smtClean="0"/>
+              <a:rPr lang="en-GB" sz="1800" b="1" dirty="0"/>
               <a:t>.</a:t>
             </a:r>
-            <a:endParaRPr lang="en-GB" sz="1800" dirty="0" smtClean="0"/>
-          </a:p>
-          <a:p>
-            <a:r>
-              <a:rPr lang="en-GB" sz="1800" b="1" dirty="0" smtClean="0"/>
+            <a:endParaRPr lang="en-GB" sz="1800" dirty="0"/>
+          </a:p>
+          <a:p>
+            <a:r>
+              <a:rPr lang="en-GB" sz="1800" b="1" dirty="0"/>
               <a:t>Presentation breakdown:</a:t>
             </a:r>
-            <a:endParaRPr lang="en-GB" sz="1800" dirty="0" smtClean="0"/>
+            <a:endParaRPr lang="en-GB" sz="1800" dirty="0"/>
           </a:p>
           <a:p>
             <a:pPr lvl="1"/>
             <a:r>
-              <a:rPr lang="en-GB" sz="1800" dirty="0" smtClean="0"/>
-              <a:t>Exploration of the </a:t>
-            </a:r>
-            <a:r>
-              <a:rPr lang="en-GB" sz="1800" dirty="0" smtClean="0"/>
-              <a:t>application of machine learning </a:t>
-            </a:r>
-            <a:r>
-              <a:rPr lang="en-GB" sz="1800" dirty="0" smtClean="0"/>
-              <a:t>in beverage production.</a:t>
+              <a:rPr lang="en-GB" sz="1800" dirty="0"/>
+              <a:t>Exploration of the application of machine learning in beverage production.</a:t>
             </a:r>
           </a:p>
           <a:p>
             <a:pPr lvl="1"/>
             <a:r>
-              <a:rPr lang="en-GB" sz="1800" dirty="0" smtClean="0"/>
+              <a:rPr lang="en-GB" sz="1800" dirty="0"/>
               <a:t>Overview of our research objectives and methodology.</a:t>
             </a:r>
           </a:p>
           <a:p>
             <a:pPr lvl="1"/>
             <a:r>
-              <a:rPr lang="en-GB" sz="1800" dirty="0" smtClean="0"/>
+              <a:rPr lang="en-GB" sz="1800" dirty="0"/>
               <a:t>Insights from interviews with industry experts.</a:t>
             </a:r>
           </a:p>
           <a:p>
             <a:pPr lvl="1"/>
             <a:r>
-              <a:rPr lang="en-GB" sz="1800" dirty="0" smtClean="0"/>
+              <a:rPr lang="en-GB" sz="1800" dirty="0"/>
               <a:t>Discussion on the performance of our models.</a:t>
             </a:r>
           </a:p>
           <a:p>
             <a:r>
-              <a:rPr lang="en-GB" sz="1800" b="1" dirty="0" smtClean="0"/>
+              <a:rPr lang="en-GB" sz="1800" b="1" dirty="0"/>
               <a:t>Goal: </a:t>
             </a:r>
             <a:r>
-              <a:rPr lang="en-GB" sz="1800" dirty="0" smtClean="0"/>
+              <a:rPr lang="en-GB" sz="1800" dirty="0"/>
               <a:t>By the end, clarity on the benefits of machine learning in improving beverage production efficiency.</a:t>
             </a:r>
           </a:p>
@@ -7638,18 +8370,13 @@
           <a:lstStyle/>
           <a:p>
             <a:r>
-              <a:rPr lang="en-GB" dirty="0" smtClean="0">
+              <a:rPr lang="en-GB" dirty="0">
                 <a:solidFill>
                   <a:schemeClr val="tx1"/>
                 </a:solidFill>
               </a:rPr>
               <a:t>State of the Art</a:t>
             </a:r>
-            <a:endParaRPr lang="en-GB" dirty="0">
-              <a:solidFill>
-                <a:schemeClr val="tx1"/>
-              </a:solidFill>
-            </a:endParaRPr>
           </a:p>
         </p:txBody>
       </p:sp>
@@ -7671,196 +8398,188 @@
           <a:lstStyle/>
           <a:p>
             <a:r>
-              <a:rPr lang="en-GB" b="1" dirty="0" smtClean="0"/>
+              <a:rPr lang="en-GB" b="1" dirty="0"/>
               <a:t>Beverage production efficiency: A key industry topic.</a:t>
             </a:r>
           </a:p>
           <a:p>
             <a:pPr lvl="1"/>
-            <a:endParaRPr lang="en-GB" dirty="0" smtClean="0"/>
-          </a:p>
-          <a:p>
-            <a:r>
-              <a:rPr lang="en-GB" b="1" dirty="0" smtClean="0"/>
+            <a:endParaRPr lang="en-GB" dirty="0"/>
+          </a:p>
+          <a:p>
+            <a:r>
+              <a:rPr lang="en-GB" b="1" dirty="0"/>
               <a:t>Machine learning: A promising solution.</a:t>
             </a:r>
           </a:p>
           <a:p>
             <a:pPr lvl="1"/>
             <a:r>
-              <a:rPr lang="en-GB" b="1" dirty="0" err="1" smtClean="0"/>
+              <a:rPr lang="en-GB" b="1" dirty="0" err="1"/>
               <a:t>Farahani</a:t>
             </a:r>
             <a:r>
-              <a:rPr lang="en-GB" b="1" dirty="0" smtClean="0"/>
+              <a:rPr lang="en-GB" b="1" dirty="0"/>
               <a:t> et al, 2021</a:t>
             </a:r>
             <a:r>
-              <a:rPr lang="en-GB" dirty="0" smtClean="0"/>
+              <a:rPr lang="en-GB" dirty="0"/>
               <a:t>:</a:t>
             </a:r>
           </a:p>
           <a:p>
             <a:pPr lvl="2"/>
             <a:r>
-              <a:rPr lang="en-GB" dirty="0" smtClean="0"/>
+              <a:rPr lang="en-GB" dirty="0"/>
               <a:t>Investigated over 10 different machine learning models for the injection </a:t>
             </a:r>
             <a:r>
-              <a:rPr lang="en-GB" dirty="0" err="1" smtClean="0"/>
+              <a:rPr lang="en-GB" dirty="0" err="1"/>
               <a:t>molding</a:t>
             </a:r>
             <a:r>
-              <a:rPr lang="en-GB" dirty="0" smtClean="0"/>
+              <a:rPr lang="en-GB" dirty="0"/>
               <a:t> process.</a:t>
             </a:r>
           </a:p>
           <a:p>
             <a:pPr lvl="2"/>
             <a:r>
-              <a:rPr lang="en-GB" dirty="0" smtClean="0"/>
+              <a:rPr lang="en-GB" dirty="0"/>
               <a:t>Found Neural Networks to be suitable for prediction but raised concerns about computational power, time, and cost.</a:t>
             </a:r>
           </a:p>
           <a:p>
             <a:pPr lvl="1"/>
             <a:r>
-              <a:rPr lang="en-GB" b="1" dirty="0" err="1" smtClean="0"/>
+              <a:rPr lang="en-GB" b="1" dirty="0" err="1"/>
               <a:t>Kulkarni</a:t>
             </a:r>
             <a:r>
-              <a:rPr lang="en-GB" b="1" dirty="0" smtClean="0"/>
+              <a:rPr lang="en-GB" b="1" dirty="0"/>
               <a:t> et al, 2021</a:t>
             </a:r>
             <a:r>
-              <a:rPr lang="en-GB" dirty="0" smtClean="0"/>
+              <a:rPr lang="en-GB" dirty="0"/>
               <a:t>:</a:t>
             </a:r>
           </a:p>
           <a:p>
             <a:pPr lvl="2"/>
             <a:r>
-              <a:rPr lang="en-GB" dirty="0" smtClean="0"/>
+              <a:rPr lang="en-GB" dirty="0"/>
               <a:t>Used a </a:t>
             </a:r>
             <a:r>
-              <a:rPr lang="en-GB" dirty="0" err="1" smtClean="0"/>
+              <a:rPr lang="en-GB" dirty="0" err="1"/>
               <a:t>gaussian</a:t>
             </a:r>
             <a:r>
-              <a:rPr lang="en-GB" dirty="0" smtClean="0"/>
+              <a:rPr lang="en-GB" dirty="0"/>
               <a:t> regression model for the engine oil aeration process step.</a:t>
             </a:r>
           </a:p>
           <a:p>
             <a:pPr lvl="2"/>
             <a:r>
-              <a:rPr lang="en-GB" dirty="0" smtClean="0"/>
+              <a:rPr lang="en-GB" dirty="0"/>
               <a:t>Emphasized the importance of sampling measures as </a:t>
             </a:r>
             <a:r>
-              <a:rPr lang="en-GB" dirty="0" err="1" smtClean="0"/>
+              <a:rPr lang="en-GB" dirty="0" err="1"/>
               <a:t>overfitting</a:t>
             </a:r>
             <a:r>
-              <a:rPr lang="en-GB" dirty="0" smtClean="0"/>
+              <a:rPr lang="en-GB" dirty="0"/>
               <a:t> was observed in certain cases.</a:t>
             </a:r>
           </a:p>
           <a:p>
             <a:pPr lvl="2"/>
             <a:r>
-              <a:rPr lang="en-GB" dirty="0" smtClean="0"/>
-              <a:t>Used RMSE to calculate the efficiency of the model</a:t>
-            </a:r>
-            <a:r>
-              <a:rPr lang="en-GB" dirty="0" smtClean="0"/>
-              <a:t>.</a:t>
+              <a:rPr lang="en-GB" dirty="0"/>
+              <a:t>Used RMSE to calculate the efficiency of the model.</a:t>
             </a:r>
           </a:p>
           <a:p>
             <a:pPr lvl="1"/>
             <a:r>
-              <a:rPr lang="en-GB" b="1" dirty="0" smtClean="0"/>
+              <a:rPr lang="en-GB" b="1" dirty="0"/>
               <a:t>IBM Research</a:t>
             </a:r>
             <a:r>
-              <a:rPr lang="en-GB" dirty="0" smtClean="0"/>
+              <a:rPr lang="en-GB" dirty="0"/>
               <a:t>:</a:t>
             </a:r>
           </a:p>
           <a:p>
             <a:pPr lvl="2"/>
             <a:r>
-              <a:rPr lang="en-GB" dirty="0" smtClean="0"/>
+              <a:rPr lang="en-GB" dirty="0"/>
               <a:t>Developed a system for optimizing process control set points.</a:t>
             </a:r>
           </a:p>
           <a:p>
             <a:pPr lvl="2"/>
             <a:r>
-              <a:rPr lang="en-GB" dirty="0" smtClean="0"/>
+              <a:rPr lang="en-GB" dirty="0"/>
               <a:t>Consists of three main components: Regression component, Single Process Optimization component, and System-wide Optimization component.</a:t>
             </a:r>
           </a:p>
           <a:p>
             <a:pPr lvl="2"/>
             <a:r>
-              <a:rPr lang="en-GB" dirty="0" smtClean="0"/>
-              <a:t>Utilizes Mean Squared error and R2 as metrics</a:t>
-            </a:r>
-            <a:r>
-              <a:rPr lang="en-GB" dirty="0" smtClean="0"/>
-              <a:t>.</a:t>
+              <a:rPr lang="en-GB" dirty="0"/>
+              <a:t>Utilizes Mean Squared error and R2 as metrics.</a:t>
             </a:r>
           </a:p>
           <a:p>
             <a:pPr lvl="1"/>
             <a:r>
-              <a:rPr lang="en-GB" b="1" dirty="0" err="1" smtClean="0"/>
+              <a:rPr lang="en-GB" b="1" dirty="0" err="1"/>
               <a:t>Hassani</a:t>
             </a:r>
             <a:r>
-              <a:rPr lang="en-GB" b="1" dirty="0" smtClean="0"/>
+              <a:rPr lang="en-GB" b="1" dirty="0"/>
               <a:t> et al</a:t>
             </a:r>
             <a:r>
-              <a:rPr lang="en-GB" dirty="0" smtClean="0"/>
+              <a:rPr lang="en-GB" dirty="0"/>
               <a:t>:</a:t>
             </a:r>
           </a:p>
           <a:p>
             <a:pPr lvl="2"/>
             <a:r>
-              <a:rPr lang="en-GB" dirty="0" smtClean="0"/>
+              <a:rPr lang="en-GB" dirty="0"/>
               <a:t>Focused on equipment efficiency rather than the manufacturing process.</a:t>
             </a:r>
           </a:p>
           <a:p>
             <a:pPr lvl="2"/>
             <a:r>
-              <a:rPr lang="en-GB" dirty="0" smtClean="0"/>
+              <a:rPr lang="en-GB" dirty="0"/>
               <a:t>Methodology involved data preparation, exploratory analysis, creating training sets, and testing models like support vector regression and random forest.</a:t>
             </a:r>
           </a:p>
           <a:p>
             <a:pPr lvl="2"/>
             <a:r>
-              <a:rPr lang="en-GB" dirty="0" smtClean="0"/>
+              <a:rPr lang="en-GB" dirty="0"/>
               <a:t>Used cross-validation for model accuracy calculation and highlighted similarities in optimizing both equipment and process.</a:t>
             </a:r>
           </a:p>
           <a:p>
             <a:pPr lvl="2"/>
-            <a:endParaRPr lang="en-GB" dirty="0" smtClean="0"/>
+            <a:endParaRPr lang="en-GB" dirty="0"/>
           </a:p>
           <a:p>
             <a:pPr lvl="2"/>
-            <a:endParaRPr lang="en-GB" dirty="0" smtClean="0"/>
+            <a:endParaRPr lang="en-GB" dirty="0"/>
           </a:p>
           <a:p>
             <a:pPr lvl="1"/>
-            <a:endParaRPr lang="en-GB" dirty="0" smtClean="0"/>
+            <a:endParaRPr lang="en-GB" dirty="0"/>
           </a:p>
           <a:p>
             <a:endParaRPr lang="en-GB" dirty="0"/>
@@ -7908,18 +8627,13 @@
           <a:lstStyle/>
           <a:p>
             <a:r>
-              <a:rPr lang="en-GB" dirty="0" smtClean="0">
+              <a:rPr lang="en-GB" dirty="0">
                 <a:solidFill>
                   <a:schemeClr val="tx1"/>
                 </a:solidFill>
               </a:rPr>
               <a:t>Research Objective 1 - </a:t>
             </a:r>
-            <a:endParaRPr lang="en-GB" dirty="0">
-              <a:solidFill>
-                <a:schemeClr val="tx1"/>
-              </a:solidFill>
-            </a:endParaRPr>
           </a:p>
         </p:txBody>
       </p:sp>
@@ -7941,115 +8655,90 @@
           <a:lstStyle/>
           <a:p>
             <a:r>
-              <a:rPr lang="en-GB" b="1" dirty="0" smtClean="0"/>
+              <a:rPr lang="en-GB" b="1" dirty="0"/>
               <a:t>Research Objective</a:t>
             </a:r>
             <a:r>
-              <a:rPr lang="en-GB" dirty="0" smtClean="0"/>
+              <a:rPr lang="en-GB" dirty="0"/>
               <a:t>:</a:t>
             </a:r>
           </a:p>
           <a:p>
             <a:pPr lvl="1"/>
             <a:r>
-              <a:rPr lang="en-GB" dirty="0" smtClean="0"/>
-              <a:t>Understanding Mucilage containing Beverage </a:t>
-            </a:r>
-            <a:r>
-              <a:rPr lang="en-GB" dirty="0" smtClean="0"/>
-              <a:t>Production Downtimes</a:t>
-            </a:r>
-            <a:r>
-              <a:rPr lang="en-GB" dirty="0" smtClean="0"/>
-              <a:t>.</a:t>
-            </a:r>
-            <a:endParaRPr lang="en-GB" dirty="0" smtClean="0"/>
-          </a:p>
-          <a:p>
-            <a:r>
-              <a:rPr lang="en-GB" b="1" dirty="0" smtClean="0"/>
+              <a:rPr lang="en-GB" dirty="0"/>
+              <a:t>Understanding Mucilage containing Beverage Production Downtimes.</a:t>
+            </a:r>
+          </a:p>
+          <a:p>
+            <a:r>
+              <a:rPr lang="en-GB" b="1" dirty="0"/>
               <a:t>Approach:</a:t>
             </a:r>
           </a:p>
           <a:p>
             <a:pPr lvl="1"/>
             <a:r>
-              <a:rPr lang="en-GB" dirty="0" smtClean="0"/>
-              <a:t>Analyzed existing </a:t>
-            </a:r>
-            <a:r>
-              <a:rPr lang="en-GB" dirty="0" smtClean="0"/>
-              <a:t>Production batch data.</a:t>
-            </a:r>
-            <a:endParaRPr lang="en-GB" dirty="0" smtClean="0"/>
+              <a:rPr lang="en-GB" dirty="0"/>
+              <a:t>Analyzed existing Production batch data.</a:t>
+            </a:r>
           </a:p>
           <a:p>
             <a:pPr lvl="1"/>
             <a:r>
-              <a:rPr lang="en-GB" dirty="0" smtClean="0"/>
+              <a:rPr lang="en-GB" dirty="0"/>
               <a:t>Interviewed industry experts for insights.</a:t>
             </a:r>
           </a:p>
           <a:p>
             <a:r>
-              <a:rPr lang="en-GB" b="1" dirty="0" smtClean="0"/>
+              <a:rPr lang="en-GB" b="1" dirty="0"/>
               <a:t>Key Findings:</a:t>
             </a:r>
           </a:p>
           <a:p>
             <a:pPr lvl="1"/>
             <a:r>
-              <a:rPr lang="en-GB" dirty="0" smtClean="0"/>
-              <a:t>Variables affecting efficiency: machine </a:t>
-            </a:r>
-            <a:r>
-              <a:rPr lang="en-GB" dirty="0" smtClean="0"/>
-              <a:t>downtime</a:t>
-            </a:r>
-            <a:endParaRPr lang="en-GB" dirty="0" smtClean="0"/>
-          </a:p>
-          <a:p>
-            <a:r>
-              <a:rPr lang="en-GB" b="1" dirty="0" smtClean="0"/>
+              <a:rPr lang="en-GB" dirty="0"/>
+              <a:t>Variables affecting efficiency: machine downtime</a:t>
+            </a:r>
+          </a:p>
+          <a:p>
+            <a:r>
+              <a:rPr lang="en-GB" b="1" dirty="0"/>
               <a:t>Machine Learning Model</a:t>
             </a:r>
             <a:r>
-              <a:rPr lang="en-GB" dirty="0" smtClean="0"/>
+              <a:rPr lang="en-GB" dirty="0"/>
               <a:t>:</a:t>
             </a:r>
           </a:p>
           <a:p>
             <a:pPr lvl="1"/>
             <a:r>
-              <a:rPr lang="en-GB" dirty="0" smtClean="0"/>
-              <a:t>Uses historical data to predict </a:t>
-            </a:r>
-            <a:r>
-              <a:rPr lang="en-GB" dirty="0" smtClean="0"/>
-              <a:t>production downtimes.</a:t>
-            </a:r>
-            <a:endParaRPr lang="en-GB" dirty="0" smtClean="0"/>
+              <a:rPr lang="en-GB" dirty="0"/>
+              <a:t>Uses historical data to predict production downtimes.</a:t>
+            </a:r>
           </a:p>
           <a:p>
             <a:pPr lvl="1"/>
             <a:r>
-              <a:rPr lang="en-GB" dirty="0" smtClean="0"/>
+              <a:rPr lang="en-GB" dirty="0"/>
               <a:t>Identifies patterns not immediately apparent to humans.</a:t>
             </a:r>
           </a:p>
           <a:p>
             <a:r>
-              <a:rPr lang="en-GB" b="1" dirty="0" smtClean="0"/>
+              <a:rPr lang="en-GB" b="1" dirty="0"/>
               <a:t>Outcome:</a:t>
             </a:r>
           </a:p>
           <a:p>
             <a:pPr lvl="1"/>
             <a:r>
-              <a:rPr lang="en-GB" dirty="0" smtClean="0"/>
+              <a:rPr lang="en-GB" dirty="0"/>
               <a:t>Enables more effective strategies to improve efficiency and reduce costs.</a:t>
             </a:r>
-            <a:endParaRPr lang="en-GB" dirty="0"/>
           </a:p>
         </p:txBody>
       </p:sp>
@@ -8099,18 +8788,13 @@
           <a:lstStyle/>
           <a:p>
             <a:r>
-              <a:rPr lang="en-GB" dirty="0" smtClean="0">
+              <a:rPr lang="en-GB" dirty="0">
                 <a:solidFill>
                   <a:schemeClr val="tx1"/>
                 </a:solidFill>
               </a:rPr>
               <a:t>Research Objective 2-</a:t>
             </a:r>
-            <a:endParaRPr lang="en-GB" dirty="0">
-              <a:solidFill>
-                <a:schemeClr val="tx1"/>
-              </a:solidFill>
-            </a:endParaRPr>
           </a:p>
         </p:txBody>
       </p:sp>
@@ -8130,90 +8814,73 @@
           <a:lstStyle/>
           <a:p>
             <a:r>
-              <a:rPr lang="en-GB" b="1" dirty="0" smtClean="0"/>
+              <a:rPr lang="en-GB" b="1" dirty="0"/>
               <a:t>Research Objective 2</a:t>
             </a:r>
             <a:r>
-              <a:rPr lang="en-GB" dirty="0" smtClean="0"/>
+              <a:rPr lang="en-GB" dirty="0"/>
               <a:t>:</a:t>
             </a:r>
           </a:p>
           <a:p>
             <a:pPr lvl="0"/>
             <a:r>
-              <a:rPr lang="en-GB" sz="2000" dirty="0" smtClean="0"/>
-              <a:t>Using Machine Learning to Analyse </a:t>
-            </a:r>
-            <a:r>
-              <a:rPr lang="en-GB" sz="2000" dirty="0" smtClean="0"/>
-              <a:t>Data</a:t>
+              <a:rPr lang="en-GB" sz="2000" dirty="0"/>
+              <a:t>Using Machine Learning to Analyse Data</a:t>
             </a:r>
           </a:p>
           <a:p>
             <a:pPr lvl="0"/>
-            <a:endParaRPr lang="en-GB" sz="2000" dirty="0" smtClean="0"/>
-          </a:p>
-          <a:p>
-            <a:r>
-              <a:rPr lang="en-GB" b="1" dirty="0" smtClean="0"/>
-              <a:t>Data </a:t>
-            </a:r>
-            <a:r>
-              <a:rPr lang="en-GB" b="1" dirty="0" smtClean="0"/>
-              <a:t>Collection</a:t>
-            </a:r>
-            <a:r>
-              <a:rPr lang="en-GB" dirty="0" smtClean="0"/>
+            <a:endParaRPr lang="en-GB" sz="2000" dirty="0"/>
+          </a:p>
+          <a:p>
+            <a:r>
+              <a:rPr lang="en-GB" b="1" dirty="0"/>
+              <a:t>Data Collection</a:t>
+            </a:r>
+            <a:r>
+              <a:rPr lang="en-GB" dirty="0"/>
               <a:t>:</a:t>
             </a:r>
           </a:p>
           <a:p>
             <a:pPr lvl="1"/>
             <a:r>
-              <a:rPr lang="en-GB" sz="2000" dirty="0" smtClean="0"/>
-              <a:t>Gather data on: </a:t>
-            </a:r>
-            <a:r>
-              <a:rPr lang="en-GB" sz="2000" dirty="0" smtClean="0"/>
-              <a:t>instruction step variables</a:t>
-            </a:r>
-            <a:r>
-              <a:rPr lang="en-GB" dirty="0" smtClean="0"/>
+              <a:rPr lang="en-GB" sz="2000" dirty="0"/>
+              <a:t>Gather data on: instruction step variables</a:t>
+            </a:r>
+            <a:r>
+              <a:rPr lang="en-GB" dirty="0"/>
               <a:t>.</a:t>
             </a:r>
           </a:p>
           <a:p>
             <a:pPr lvl="1"/>
-            <a:endParaRPr lang="en-GB" dirty="0" smtClean="0"/>
-          </a:p>
-          <a:p>
-            <a:r>
-              <a:rPr lang="en-GB" b="1" dirty="0" smtClean="0"/>
+            <a:endParaRPr lang="en-GB" dirty="0"/>
+          </a:p>
+          <a:p>
+            <a:r>
+              <a:rPr lang="en-GB" b="1" dirty="0"/>
               <a:t>Methodology</a:t>
             </a:r>
             <a:r>
-              <a:rPr lang="en-GB" dirty="0" smtClean="0"/>
+              <a:rPr lang="en-GB" dirty="0"/>
               <a:t>:</a:t>
             </a:r>
           </a:p>
           <a:p>
             <a:pPr lvl="1"/>
             <a:r>
-              <a:rPr lang="en-GB" dirty="0" smtClean="0"/>
+              <a:rPr lang="en-GB" dirty="0"/>
               <a:t>Use machine learning algorithms for data analysis.</a:t>
             </a:r>
           </a:p>
           <a:p>
             <a:pPr lvl="1"/>
             <a:r>
-              <a:rPr lang="en-GB" dirty="0" smtClean="0"/>
-              <a:t>Develop predictive model to </a:t>
-            </a:r>
-            <a:r>
-              <a:rPr lang="en-GB" dirty="0" smtClean="0"/>
-              <a:t>predict downtime.</a:t>
-            </a:r>
-            <a:endParaRPr lang="en-GB" dirty="0" smtClean="0"/>
+              <a:rPr lang="en-GB" dirty="0"/>
+              <a:t>Develop predictive model to predict downtime.</a:t>
+            </a:r>
           </a:p>
           <a:p>
             <a:endParaRPr lang="en-GB" dirty="0"/>
@@ -8261,18 +8928,13 @@
           <a:lstStyle/>
           <a:p>
             <a:r>
-              <a:rPr lang="en-GB" dirty="0" smtClean="0">
+              <a:rPr lang="en-GB" dirty="0">
                 <a:solidFill>
                   <a:schemeClr val="tx1"/>
                 </a:solidFill>
               </a:rPr>
               <a:t>Research Objectives -3</a:t>
             </a:r>
-            <a:endParaRPr lang="en-GB" dirty="0">
-              <a:solidFill>
-                <a:schemeClr val="tx1"/>
-              </a:solidFill>
-            </a:endParaRPr>
           </a:p>
         </p:txBody>
       </p:sp>
@@ -8294,127 +8956,127 @@
           <a:lstStyle/>
           <a:p>
             <a:r>
-              <a:rPr lang="en-GB" b="1" dirty="0" smtClean="0"/>
+              <a:rPr lang="en-GB" b="1" dirty="0"/>
               <a:t>Research Objective 3</a:t>
             </a:r>
             <a:r>
-              <a:rPr lang="en-GB" dirty="0" smtClean="0"/>
+              <a:rPr lang="en-GB" dirty="0"/>
               <a:t>:</a:t>
             </a:r>
           </a:p>
           <a:p>
             <a:pPr lvl="1"/>
             <a:r>
-              <a:rPr lang="en-GB" dirty="0" smtClean="0"/>
+              <a:rPr lang="en-GB" dirty="0"/>
               <a:t>Identify the most effective machine learning algorithms for predicting beverage production efficiency, with a focus on predicting production downtime via the phase overrun metric.</a:t>
             </a:r>
           </a:p>
           <a:p>
             <a:r>
-              <a:rPr lang="en-GB" b="1" dirty="0" smtClean="0"/>
+              <a:rPr lang="en-GB" b="1" dirty="0"/>
               <a:t>Purpose</a:t>
             </a:r>
             <a:r>
-              <a:rPr lang="en-GB" dirty="0" smtClean="0"/>
+              <a:rPr lang="en-GB" dirty="0"/>
               <a:t>:</a:t>
             </a:r>
           </a:p>
           <a:p>
             <a:pPr lvl="1"/>
             <a:r>
-              <a:rPr lang="en-GB" dirty="0" smtClean="0"/>
+              <a:rPr lang="en-GB" dirty="0"/>
               <a:t>Enhance understanding and forecasting of production downtimes to optimize efficiency.</a:t>
             </a:r>
           </a:p>
           <a:p>
             <a:r>
-              <a:rPr lang="en-GB" b="1" dirty="0" smtClean="0"/>
+              <a:rPr lang="en-GB" b="1" dirty="0"/>
               <a:t>Algorithms to Evaluate</a:t>
             </a:r>
             <a:r>
-              <a:rPr lang="en-GB" dirty="0" smtClean="0"/>
+              <a:rPr lang="en-GB" dirty="0"/>
               <a:t>:</a:t>
             </a:r>
           </a:p>
           <a:p>
             <a:pPr lvl="1"/>
             <a:r>
-              <a:rPr lang="en-GB" dirty="0" smtClean="0"/>
+              <a:rPr lang="en-GB" dirty="0"/>
               <a:t>A selection of models from linear, tree-based, distanced based, support vector machines to neural networks </a:t>
             </a:r>
           </a:p>
           <a:p>
             <a:r>
-              <a:rPr lang="en-GB" b="1" dirty="0" smtClean="0"/>
+              <a:rPr lang="en-GB" b="1" dirty="0"/>
               <a:t>Goal</a:t>
             </a:r>
             <a:r>
-              <a:rPr lang="en-GB" dirty="0" smtClean="0"/>
+              <a:rPr lang="en-GB" dirty="0"/>
               <a:t>:</a:t>
             </a:r>
           </a:p>
           <a:p>
             <a:pPr lvl="1"/>
             <a:r>
-              <a:rPr lang="en-GB" dirty="0" smtClean="0"/>
+              <a:rPr lang="en-GB" dirty="0"/>
               <a:t>Provide a recommendation for the best algorithm for future beverage production to predict and minimize downtimes.</a:t>
             </a:r>
           </a:p>
           <a:p>
             <a:r>
-              <a:rPr lang="en-GB" b="1" dirty="0" smtClean="0"/>
+              <a:rPr lang="en-GB" b="1" dirty="0"/>
               <a:t>Methodology</a:t>
             </a:r>
             <a:r>
-              <a:rPr lang="en-GB" dirty="0" smtClean="0"/>
+              <a:rPr lang="en-GB" dirty="0"/>
               <a:t>:</a:t>
             </a:r>
           </a:p>
           <a:p>
             <a:pPr lvl="1"/>
             <a:r>
-              <a:rPr lang="en-GB" dirty="0" smtClean="0"/>
+              <a:rPr lang="en-GB" dirty="0"/>
               <a:t>Collect data on beverage production processes, phase overruns, and their corresponding efficiencies.</a:t>
             </a:r>
           </a:p>
           <a:p>
             <a:pPr lvl="1"/>
             <a:r>
-              <a:rPr lang="en-GB" dirty="0" smtClean="0"/>
+              <a:rPr lang="en-GB" dirty="0"/>
               <a:t>Train and test various machine learning algorithms using the collected data.</a:t>
             </a:r>
           </a:p>
           <a:p>
             <a:r>
-              <a:rPr lang="en-GB" b="1" dirty="0" smtClean="0"/>
+              <a:rPr lang="en-GB" b="1" dirty="0"/>
               <a:t>Performance Metrics</a:t>
             </a:r>
             <a:r>
-              <a:rPr lang="en-GB" dirty="0" smtClean="0"/>
+              <a:rPr lang="en-GB" dirty="0"/>
               <a:t>:</a:t>
             </a:r>
           </a:p>
           <a:p>
             <a:pPr lvl="1"/>
             <a:r>
-              <a:rPr lang="en-GB" dirty="0" smtClean="0"/>
+              <a:rPr lang="en-GB" dirty="0"/>
               <a:t>Evaluate algorithms using: accuracy, precision, recall related to phase overrun predictions.</a:t>
             </a:r>
           </a:p>
           <a:p>
             <a:r>
-              <a:rPr lang="en-GB" b="1" dirty="0" smtClean="0"/>
+              <a:rPr lang="en-GB" b="1" dirty="0"/>
               <a:t>Outcome</a:t>
             </a:r>
             <a:r>
-              <a:rPr lang="en-GB" dirty="0" smtClean="0"/>
+              <a:rPr lang="en-GB" dirty="0"/>
               <a:t>:</a:t>
             </a:r>
           </a:p>
           <a:p>
             <a:pPr lvl="1"/>
             <a:r>
-              <a:rPr lang="en-GB" dirty="0" smtClean="0"/>
+              <a:rPr lang="en-GB" dirty="0"/>
               <a:t>Recommend the most effective algorithm for predicting downtime and enhancing beverage production efficiency.</a:t>
             </a:r>
           </a:p>
@@ -8464,18 +9126,13 @@
           <a:lstStyle/>
           <a:p>
             <a:r>
-              <a:rPr lang="en-GB" dirty="0" smtClean="0">
+              <a:rPr lang="en-GB" dirty="0">
                 <a:solidFill>
                   <a:schemeClr val="tx1"/>
                 </a:solidFill>
               </a:rPr>
               <a:t>Methodology</a:t>
             </a:r>
-            <a:endParaRPr lang="en-GB" dirty="0">
-              <a:solidFill>
-                <a:schemeClr val="tx1"/>
-              </a:solidFill>
-            </a:endParaRPr>
           </a:p>
         </p:txBody>
       </p:sp>
@@ -8497,135 +9154,135 @@
           <a:lstStyle/>
           <a:p>
             <a:r>
-              <a:rPr lang="en-GB" b="1" dirty="0" smtClean="0"/>
+              <a:rPr lang="en-GB" b="1" dirty="0"/>
               <a:t>Methodology Overview</a:t>
             </a:r>
             <a:r>
-              <a:rPr lang="en-GB" dirty="0" smtClean="0"/>
+              <a:rPr lang="en-GB" dirty="0"/>
               <a:t>:</a:t>
             </a:r>
           </a:p>
           <a:p>
             <a:pPr lvl="1"/>
             <a:r>
-              <a:rPr lang="en-GB" dirty="0" smtClean="0"/>
+              <a:rPr lang="en-GB" dirty="0"/>
               <a:t>Data collection, </a:t>
             </a:r>
             <a:r>
-              <a:rPr lang="en-GB" dirty="0" err="1" smtClean="0"/>
+              <a:rPr lang="en-GB" dirty="0" err="1"/>
               <a:t>preprocessing</a:t>
             </a:r>
             <a:r>
-              <a:rPr lang="en-GB" dirty="0" smtClean="0"/>
+              <a:rPr lang="en-GB" dirty="0"/>
               <a:t>, and model training.</a:t>
             </a:r>
           </a:p>
           <a:p>
             <a:r>
-              <a:rPr lang="en-GB" b="1" dirty="0" smtClean="0"/>
+              <a:rPr lang="en-GB" b="1" dirty="0"/>
               <a:t>Data Collection</a:t>
             </a:r>
             <a:r>
-              <a:rPr lang="en-GB" dirty="0" smtClean="0"/>
+              <a:rPr lang="en-GB" dirty="0"/>
               <a:t>:</a:t>
             </a:r>
           </a:p>
           <a:p>
             <a:pPr lvl="1"/>
             <a:r>
-              <a:rPr lang="en-GB" dirty="0" smtClean="0"/>
+              <a:rPr lang="en-GB" dirty="0"/>
               <a:t>Gathered data on beverage production variables: temperature, pressure, flow rate.</a:t>
             </a:r>
           </a:p>
           <a:p>
             <a:r>
-              <a:rPr lang="en-GB" b="1" dirty="0" err="1" smtClean="0"/>
+              <a:rPr lang="en-GB" b="1" dirty="0" err="1"/>
               <a:t>Preprocessing</a:t>
             </a:r>
             <a:r>
-              <a:rPr lang="en-GB" dirty="0" smtClean="0"/>
+              <a:rPr lang="en-GB" dirty="0"/>
               <a:t>:</a:t>
             </a:r>
           </a:p>
           <a:p>
             <a:pPr lvl="1"/>
             <a:r>
-              <a:rPr lang="en-GB" dirty="0" smtClean="0"/>
+              <a:rPr lang="en-GB" dirty="0"/>
               <a:t>Removed outliers and errors.</a:t>
             </a:r>
           </a:p>
           <a:p>
             <a:pPr lvl="1"/>
             <a:r>
-              <a:rPr lang="en-GB" dirty="0" smtClean="0"/>
+              <a:rPr lang="en-GB" dirty="0"/>
               <a:t>Transformed data for machine learning compatibility.</a:t>
             </a:r>
           </a:p>
           <a:p>
             <a:r>
-              <a:rPr lang="en-GB" b="1" dirty="0" smtClean="0"/>
+              <a:rPr lang="en-GB" b="1" dirty="0"/>
               <a:t>Model Training</a:t>
             </a:r>
             <a:r>
-              <a:rPr lang="en-GB" dirty="0" smtClean="0"/>
+              <a:rPr lang="en-GB" dirty="0"/>
               <a:t>:</a:t>
             </a:r>
           </a:p>
           <a:p>
             <a:pPr lvl="1"/>
             <a:r>
-              <a:rPr lang="en-GB" dirty="0" smtClean="0"/>
+              <a:rPr lang="en-GB" dirty="0"/>
               <a:t>Utilized techniques like regression analysis and neural networks.</a:t>
             </a:r>
           </a:p>
           <a:p>
             <a:r>
-              <a:rPr lang="en-GB" b="1" dirty="0" smtClean="0"/>
+              <a:rPr lang="en-GB" b="1" dirty="0"/>
               <a:t>Key Challenge</a:t>
             </a:r>
             <a:r>
-              <a:rPr lang="en-GB" dirty="0" smtClean="0"/>
+              <a:rPr lang="en-GB" dirty="0"/>
               <a:t>:</a:t>
             </a:r>
           </a:p>
           <a:p>
             <a:pPr lvl="1"/>
             <a:r>
-              <a:rPr lang="en-GB" dirty="0" smtClean="0"/>
+              <a:rPr lang="en-GB" dirty="0"/>
               <a:t>Ensuring model accuracy and robustness for real-world scenarios.</a:t>
             </a:r>
           </a:p>
           <a:p>
             <a:r>
-              <a:rPr lang="en-GB" b="1" dirty="0" smtClean="0"/>
+              <a:rPr lang="en-GB" b="1" dirty="0"/>
               <a:t>Addressing the Challenge</a:t>
             </a:r>
             <a:r>
-              <a:rPr lang="en-GB" dirty="0" smtClean="0"/>
+              <a:rPr lang="en-GB" dirty="0"/>
               <a:t>:</a:t>
             </a:r>
           </a:p>
           <a:p>
             <a:pPr lvl="1"/>
             <a:r>
-              <a:rPr lang="en-GB" dirty="0" smtClean="0"/>
+              <a:rPr lang="en-GB" dirty="0"/>
               <a:t>Extensive testing and validation using historical data and simulated scenarios.</a:t>
             </a:r>
           </a:p>
           <a:p>
             <a:r>
-              <a:rPr lang="en-GB" b="1" dirty="0" smtClean="0"/>
+              <a:rPr lang="en-GB" b="1" dirty="0"/>
               <a:t>Outcome</a:t>
             </a:r>
             <a:r>
-              <a:rPr lang="en-GB" dirty="0" smtClean="0"/>
+              <a:rPr lang="en-GB" dirty="0"/>
               <a:t>:</a:t>
             </a:r>
           </a:p>
           <a:p>
             <a:pPr lvl="1"/>
             <a:r>
-              <a:rPr lang="en-GB" dirty="0" smtClean="0"/>
+              <a:rPr lang="en-GB" dirty="0"/>
               <a:t>Refined models leading to enhanced efficiency and productivity.</a:t>
             </a:r>
           </a:p>
@@ -8708,10 +9365,9 @@
           <a:lstStyle/>
           <a:p>
             <a:r>
-              <a:rPr lang="en-GB" dirty="0" smtClean="0"/>
+              <a:rPr lang="en-GB" dirty="0"/>
               <a:t>Insight from Interviews</a:t>
             </a:r>
-            <a:endParaRPr lang="en-GB" dirty="0"/>
           </a:p>
         </p:txBody>
       </p:sp>
@@ -8733,100 +9389,100 @@
           <a:lstStyle/>
           <a:p>
             <a:r>
-              <a:rPr lang="en-GB" b="1" dirty="0" smtClean="0"/>
+              <a:rPr lang="en-GB" b="1" dirty="0"/>
               <a:t>Interview Insights</a:t>
             </a:r>
             <a:r>
-              <a:rPr lang="en-GB" dirty="0" smtClean="0"/>
+              <a:rPr lang="en-GB" dirty="0"/>
               <a:t>:</a:t>
             </a:r>
           </a:p>
           <a:p>
             <a:pPr lvl="1"/>
             <a:r>
-              <a:rPr lang="en-GB" dirty="0" smtClean="0"/>
+              <a:rPr lang="en-GB" dirty="0"/>
               <a:t>Engaged with industry experts for deeper understanding.</a:t>
             </a:r>
           </a:p>
           <a:p>
             <a:r>
-              <a:rPr lang="en-GB" b="1" dirty="0" smtClean="0"/>
+              <a:rPr lang="en-GB" b="1" dirty="0"/>
               <a:t>Key Challenge Identified</a:t>
             </a:r>
             <a:r>
-              <a:rPr lang="en-GB" dirty="0" smtClean="0"/>
+              <a:rPr lang="en-GB" dirty="0"/>
               <a:t>:</a:t>
             </a:r>
           </a:p>
           <a:p>
             <a:pPr lvl="1"/>
             <a:r>
-              <a:rPr lang="en-GB" dirty="0" smtClean="0"/>
+              <a:rPr lang="en-GB" dirty="0"/>
               <a:t>Lack of real-time data analysis in beverage production.</a:t>
             </a:r>
           </a:p>
           <a:p>
             <a:r>
-              <a:rPr lang="en-GB" b="1" dirty="0" smtClean="0"/>
+              <a:rPr lang="en-GB" b="1" dirty="0"/>
               <a:t>Role of Machine Learning</a:t>
             </a:r>
             <a:r>
-              <a:rPr lang="en-GB" dirty="0" smtClean="0"/>
+              <a:rPr lang="en-GB" dirty="0"/>
               <a:t>:</a:t>
             </a:r>
           </a:p>
           <a:p>
             <a:pPr lvl="1"/>
             <a:r>
-              <a:rPr lang="en-GB" dirty="0" smtClean="0"/>
+              <a:rPr lang="en-GB" dirty="0"/>
               <a:t>Provides accurate, timely analysis of production data.</a:t>
             </a:r>
           </a:p>
           <a:p>
             <a:pPr lvl="1"/>
             <a:r>
-              <a:rPr lang="en-GB" dirty="0" smtClean="0"/>
+              <a:rPr lang="en-GB" dirty="0"/>
               <a:t>Helps pinpoint areas for improvement.</a:t>
             </a:r>
           </a:p>
           <a:p>
             <a:r>
-              <a:rPr lang="en-GB" b="1" dirty="0" smtClean="0"/>
+              <a:rPr lang="en-GB" b="1" dirty="0"/>
               <a:t>Importance of Collaboration</a:t>
             </a:r>
             <a:r>
-              <a:rPr lang="en-GB" dirty="0" smtClean="0"/>
+              <a:rPr lang="en-GB" dirty="0"/>
               <a:t>:</a:t>
             </a:r>
           </a:p>
           <a:p>
             <a:pPr lvl="1"/>
             <a:r>
-              <a:rPr lang="en-GB" dirty="0" smtClean="0"/>
+              <a:rPr lang="en-GB" dirty="0"/>
               <a:t>Need for inter-departmental communication.</a:t>
             </a:r>
           </a:p>
           <a:p>
             <a:r>
-              <a:rPr lang="en-GB" b="1" dirty="0" smtClean="0"/>
+              <a:rPr lang="en-GB" b="1" dirty="0"/>
               <a:t>Organizational Shift Required</a:t>
             </a:r>
             <a:r>
-              <a:rPr lang="en-GB" dirty="0" smtClean="0"/>
+              <a:rPr lang="en-GB" dirty="0"/>
               <a:t>:</a:t>
             </a:r>
           </a:p>
           <a:p>
             <a:pPr lvl="1"/>
             <a:r>
-              <a:rPr lang="en-GB" dirty="0" smtClean="0"/>
+              <a:rPr lang="en-GB" dirty="0"/>
               <a:t>Promote cross-functional communication.</a:t>
             </a:r>
           </a:p>
           <a:p>
             <a:pPr lvl="1"/>
             <a:r>
-              <a:rPr lang="en-GB" dirty="0" smtClean="0"/>
+              <a:rPr lang="en-GB" dirty="0"/>
               <a:t>Break down silos to harness machine learning benefits.</a:t>
             </a:r>
           </a:p>

--- a/Presentation/Enhancing Beverage Production Process Efficiency.pptx
+++ b/Presentation/Enhancing Beverage Production Process Efficiency.pptx
@@ -5,7 +5,7 @@
     <p:sldMasterId id="2147483660" r:id="rId1"/>
   </p:sldMasterIdLst>
   <p:notesMasterIdLst>
-    <p:notesMasterId r:id="rId15"/>
+    <p:notesMasterId r:id="rId16"/>
   </p:notesMasterIdLst>
   <p:sldIdLst>
     <p:sldId id="256" r:id="rId2"/>
@@ -18,9 +18,10 @@
     <p:sldId id="263" r:id="rId9"/>
     <p:sldId id="264" r:id="rId10"/>
     <p:sldId id="265" r:id="rId11"/>
-    <p:sldId id="266" r:id="rId12"/>
-    <p:sldId id="268" r:id="rId13"/>
-    <p:sldId id="267" r:id="rId14"/>
+    <p:sldId id="269" r:id="rId12"/>
+    <p:sldId id="266" r:id="rId13"/>
+    <p:sldId id="268" r:id="rId14"/>
+    <p:sldId id="267" r:id="rId15"/>
   </p:sldIdLst>
   <p:sldSz cx="9144000" cy="6858000" type="screen4x3"/>
   <p:notesSz cx="6858000" cy="9144000"/>
@@ -220,7 +221,7 @@
           <a:p>
             <a:fld id="{233FE9E2-C7BD-43A2-B71A-3C4B7820A14F}" type="datetimeFigureOut">
               <a:rPr lang="en-GB" smtClean="0"/>
-              <a:t>21/09/2023</a:t>
+              <a:t>22/09/2023</a:t>
             </a:fld>
             <a:endParaRPr lang="en-GB"/>
           </a:p>
@@ -1031,7 +1032,7 @@
           <a:p>
             <a:fld id="{2B744A31-07A7-4E36-B665-FDD29742B6BE}" type="slidenum">
               <a:rPr lang="en-GB" smtClean="0"/>
-              <a:t>11</a:t>
+              <a:t>12</a:t>
             </a:fld>
             <a:endParaRPr lang="en-GB"/>
           </a:p>
@@ -1433,7 +1434,7 @@
           <a:p>
             <a:fld id="{2B744A31-07A7-4E36-B665-FDD29742B6BE}" type="slidenum">
               <a:rPr lang="en-GB" smtClean="0"/>
-              <a:t>12</a:t>
+              <a:t>13</a:t>
             </a:fld>
             <a:endParaRPr lang="en-GB"/>
           </a:p>
@@ -1552,7 +1553,7 @@
           <a:p>
             <a:fld id="{2B744A31-07A7-4E36-B665-FDD29742B6BE}" type="slidenum">
               <a:rPr lang="en-GB" smtClean="0"/>
-              <a:t>13</a:t>
+              <a:t>14</a:t>
             </a:fld>
             <a:endParaRPr lang="en-GB"/>
           </a:p>
@@ -2481,7 +2482,7 @@
           <a:p>
             <a:fld id="{D5687966-EEDE-4BAF-8417-7AF24FF059C9}" type="datetimeFigureOut">
               <a:rPr lang="en-GB" smtClean="0"/>
-              <a:t>21/09/2023</a:t>
+              <a:t>22/09/2023</a:t>
             </a:fld>
             <a:endParaRPr lang="en-GB"/>
           </a:p>
@@ -3349,7 +3350,7 @@
           <a:p>
             <a:fld id="{D5687966-EEDE-4BAF-8417-7AF24FF059C9}" type="datetimeFigureOut">
               <a:rPr lang="en-GB" smtClean="0"/>
-              <a:t>21/09/2023</a:t>
+              <a:t>22/09/2023</a:t>
             </a:fld>
             <a:endParaRPr lang="en-GB"/>
           </a:p>
@@ -3523,7 +3524,7 @@
           <a:p>
             <a:fld id="{D5687966-EEDE-4BAF-8417-7AF24FF059C9}" type="datetimeFigureOut">
               <a:rPr lang="en-GB" smtClean="0"/>
-              <a:t>21/09/2023</a:t>
+              <a:t>22/09/2023</a:t>
             </a:fld>
             <a:endParaRPr lang="en-GB"/>
           </a:p>
@@ -3692,7 +3693,7 @@
           <a:p>
             <a:fld id="{D5687966-EEDE-4BAF-8417-7AF24FF059C9}" type="datetimeFigureOut">
               <a:rPr lang="en-GB" smtClean="0"/>
-              <a:t>21/09/2023</a:t>
+              <a:t>22/09/2023</a:t>
             </a:fld>
             <a:endParaRPr lang="en-GB"/>
           </a:p>
@@ -3901,7 +3902,7 @@
           <a:p>
             <a:fld id="{D5687966-EEDE-4BAF-8417-7AF24FF059C9}" type="datetimeFigureOut">
               <a:rPr lang="en-GB" smtClean="0"/>
-              <a:t>21/09/2023</a:t>
+              <a:t>22/09/2023</a:t>
             </a:fld>
             <a:endParaRPr lang="en-GB"/>
           </a:p>
@@ -4714,7 +4715,7 @@
           <a:p>
             <a:fld id="{D5687966-EEDE-4BAF-8417-7AF24FF059C9}" type="datetimeFigureOut">
               <a:rPr lang="en-GB" smtClean="0"/>
-              <a:t>21/09/2023</a:t>
+              <a:t>22/09/2023</a:t>
             </a:fld>
             <a:endParaRPr lang="en-GB"/>
           </a:p>
@@ -4949,7 +4950,7 @@
           <a:p>
             <a:fld id="{D5687966-EEDE-4BAF-8417-7AF24FF059C9}" type="datetimeFigureOut">
               <a:rPr lang="en-GB" smtClean="0"/>
-              <a:t>21/09/2023</a:t>
+              <a:t>22/09/2023</a:t>
             </a:fld>
             <a:endParaRPr lang="en-GB"/>
           </a:p>
@@ -5271,7 +5272,7 @@
           <a:p>
             <a:fld id="{D5687966-EEDE-4BAF-8417-7AF24FF059C9}" type="datetimeFigureOut">
               <a:rPr lang="en-GB" smtClean="0"/>
-              <a:t>21/09/2023</a:t>
+              <a:t>22/09/2023</a:t>
             </a:fld>
             <a:endParaRPr lang="en-GB"/>
           </a:p>
@@ -5361,7 +5362,7 @@
           <a:p>
             <a:fld id="{D5687966-EEDE-4BAF-8417-7AF24FF059C9}" type="datetimeFigureOut">
               <a:rPr lang="en-GB" smtClean="0"/>
-              <a:t>21/09/2023</a:t>
+              <a:t>22/09/2023</a:t>
             </a:fld>
             <a:endParaRPr lang="en-GB"/>
           </a:p>
@@ -5877,7 +5878,7 @@
           <a:p>
             <a:fld id="{D5687966-EEDE-4BAF-8417-7AF24FF059C9}" type="datetimeFigureOut">
               <a:rPr lang="en-GB" smtClean="0"/>
-              <a:t>21/09/2023</a:t>
+              <a:t>22/09/2023</a:t>
             </a:fld>
             <a:endParaRPr lang="en-GB"/>
           </a:p>
@@ -6387,7 +6388,7 @@
           <a:p>
             <a:fld id="{D5687966-EEDE-4BAF-8417-7AF24FF059C9}" type="datetimeFigureOut">
               <a:rPr lang="en-GB" smtClean="0"/>
-              <a:t>21/09/2023</a:t>
+              <a:t>22/09/2023</a:t>
             </a:fld>
             <a:endParaRPr lang="en-GB"/>
           </a:p>
@@ -6630,7 +6631,7 @@
           <a:p>
             <a:fld id="{D5687966-EEDE-4BAF-8417-7AF24FF059C9}" type="datetimeFigureOut">
               <a:rPr lang="en-GB" smtClean="0"/>
-              <a:t>21/09/2023</a:t>
+              <a:t>22/09/2023</a:t>
             </a:fld>
             <a:endParaRPr lang="en-GB"/>
           </a:p>
@@ -7461,7 +7462,13 @@
       </p:grpSpPr>
       <p:sp>
         <p:nvSpPr>
-          <p:cNvPr id="2" name="Title 1"/>
+          <p:cNvPr id="2" name="Title 1">
+            <a:extLst>
+              <a:ext uri="{FF2B5EF4-FFF2-40B4-BE49-F238E27FC236}">
+                <a16:creationId xmlns:a16="http://schemas.microsoft.com/office/drawing/2014/main" id="{F33805FB-BAE5-B8F3-C2BC-3BB179B643F7}"/>
+              </a:ext>
+            </a:extLst>
+          </p:cNvPr>
           <p:cNvSpPr>
             <a:spLocks noGrp="1"/>
           </p:cNvSpPr>
@@ -7474,201 +7481,75 @@
           <a:bodyPr/>
           <a:lstStyle/>
           <a:p>
-            <a:r>
-              <a:rPr lang="en-GB" dirty="0">
-                <a:solidFill>
-                  <a:schemeClr val="tx1"/>
-                </a:solidFill>
-              </a:rPr>
-              <a:t>Conclusion</a:t>
-            </a:r>
-          </a:p>
-        </p:txBody>
-      </p:sp>
-      <p:sp>
-        <p:nvSpPr>
-          <p:cNvPr id="3" name="Content Placeholder 2"/>
-          <p:cNvSpPr>
-            <a:spLocks noGrp="1"/>
-          </p:cNvSpPr>
+            <a:endParaRPr lang="en-GB"/>
+          </a:p>
+        </p:txBody>
+      </p:sp>
+      <p:pic>
+        <p:nvPicPr>
+          <p:cNvPr id="5" name="Content Placeholder 4">
+            <a:extLst>
+              <a:ext uri="{FF2B5EF4-FFF2-40B4-BE49-F238E27FC236}">
+                <a16:creationId xmlns:a16="http://schemas.microsoft.com/office/drawing/2014/main" id="{4D1C876E-034D-1F9F-8751-B28327529120}"/>
+              </a:ext>
+            </a:extLst>
+          </p:cNvPr>
+          <p:cNvPicPr>
+            <a:picLocks noGrp="1" noChangeAspect="1"/>
+          </p:cNvPicPr>
           <p:nvPr>
             <p:ph sz="quarter" idx="1"/>
           </p:nvPr>
-        </p:nvSpPr>
-        <p:spPr/>
-        <p:txBody>
-          <a:bodyPr>
-            <a:normAutofit fontScale="55000" lnSpcReduction="20000"/>
-          </a:bodyPr>
-          <a:lstStyle/>
-          <a:p>
-            <a:r>
-              <a:rPr lang="en-GB" b="1" dirty="0"/>
-              <a:t>Objective and Key Findings:</a:t>
-            </a:r>
-            <a:endParaRPr lang="en-GB" dirty="0"/>
-          </a:p>
-          <a:p>
-            <a:pPr lvl="1"/>
-            <a:r>
-              <a:rPr lang="en-GB" dirty="0"/>
-              <a:t>Aimed to understand phase overruns in beverage production.</a:t>
-            </a:r>
-          </a:p>
-          <a:p>
-            <a:pPr lvl="1"/>
-            <a:r>
-              <a:rPr lang="en-GB" dirty="0"/>
-              <a:t>Advanced machine learning models, notably the Random Forest </a:t>
-            </a:r>
-            <a:r>
-              <a:rPr lang="en-GB" dirty="0" err="1"/>
-              <a:t>Regressor</a:t>
-            </a:r>
-            <a:r>
-              <a:rPr lang="en-GB" dirty="0"/>
-              <a:t> and Gradient Boosting </a:t>
-            </a:r>
-            <a:r>
-              <a:rPr lang="en-GB" dirty="0" err="1"/>
-              <a:t>Regressor</a:t>
-            </a:r>
-            <a:r>
-              <a:rPr lang="en-GB" dirty="0"/>
-              <a:t>, showed strong predictive capabilities.</a:t>
-            </a:r>
-          </a:p>
-          <a:p>
-            <a:r>
-              <a:rPr lang="en-GB" b="1" dirty="0"/>
-              <a:t>Importance of Advanced ML Models:</a:t>
-            </a:r>
-            <a:endParaRPr lang="en-GB" dirty="0"/>
-          </a:p>
-          <a:p>
-            <a:pPr lvl="1"/>
-            <a:r>
-              <a:rPr lang="en-GB" dirty="0"/>
-              <a:t>Demonstrated ability to predict phase overruns across various tanks and instruction steps.</a:t>
-            </a:r>
-          </a:p>
-          <a:p>
-            <a:pPr lvl="1"/>
-            <a:r>
-              <a:rPr lang="en-GB" dirty="0"/>
-              <a:t>Emphasized the transformative potential of these techniques in the beverage industry.</a:t>
-            </a:r>
-          </a:p>
-          <a:p>
-            <a:r>
-              <a:rPr lang="en-GB" b="1" dirty="0"/>
-              <a:t>Value of Exploratory Data Analysis (EDA):</a:t>
-            </a:r>
-            <a:endParaRPr lang="en-GB" dirty="0"/>
-          </a:p>
-          <a:p>
-            <a:pPr lvl="1"/>
-            <a:r>
-              <a:rPr lang="en-GB" dirty="0"/>
-              <a:t>Foundational step that illuminated production nuances and inefficiencies.</a:t>
-            </a:r>
-          </a:p>
-          <a:p>
-            <a:pPr lvl="1"/>
-            <a:r>
-              <a:rPr lang="en-GB" dirty="0"/>
-              <a:t>Proved beneficial even before the application of machine learning techniques.</a:t>
-            </a:r>
-          </a:p>
-          <a:p>
-            <a:r>
-              <a:rPr lang="en-GB" b="1" dirty="0"/>
-              <a:t>Diversity of Top Models:</a:t>
-            </a:r>
-            <a:endParaRPr lang="en-GB" dirty="0"/>
-          </a:p>
-          <a:p>
-            <a:pPr lvl="1"/>
-            <a:r>
-              <a:rPr lang="en-GB" dirty="0"/>
-              <a:t>Different models excelled for different tanks and steps.</a:t>
-            </a:r>
-          </a:p>
-          <a:p>
-            <a:pPr lvl="1"/>
-            <a:r>
-              <a:rPr lang="en-GB" dirty="0"/>
-              <a:t>Suggests that a custom approach, tailored to each specific task, might yield the best outcomes.</a:t>
-            </a:r>
-          </a:p>
-          <a:p>
-            <a:r>
-              <a:rPr lang="en-GB" b="1" dirty="0"/>
-              <a:t>Data Limitations:</a:t>
-            </a:r>
-            <a:endParaRPr lang="en-GB" dirty="0"/>
-          </a:p>
-          <a:p>
-            <a:pPr lvl="1"/>
-            <a:r>
-              <a:rPr lang="en-GB" dirty="0"/>
-              <a:t>Only two years of data were used.</a:t>
-            </a:r>
-          </a:p>
-          <a:p>
-            <a:pPr lvl="1"/>
-            <a:r>
-              <a:rPr lang="en-GB" dirty="0"/>
-              <a:t>Raised concerns about model </a:t>
-            </a:r>
-            <a:r>
-              <a:rPr lang="en-GB" dirty="0" err="1"/>
-              <a:t>generalizability</a:t>
-            </a:r>
-            <a:r>
-              <a:rPr lang="en-GB" dirty="0"/>
-              <a:t> and adaptability to future production shifts.</a:t>
-            </a:r>
-          </a:p>
-          <a:p>
-            <a:r>
-              <a:rPr lang="en-GB" b="1" dirty="0"/>
-              <a:t>Broader Implications:</a:t>
-            </a:r>
-            <a:endParaRPr lang="en-GB" dirty="0"/>
-          </a:p>
-          <a:p>
-            <a:pPr lvl="1"/>
-            <a:r>
-              <a:rPr lang="en-GB" dirty="0"/>
-              <a:t>The research is impactful for improving the beverage production sector.</a:t>
-            </a:r>
-          </a:p>
-          <a:p>
-            <a:pPr lvl="1"/>
-            <a:r>
-              <a:rPr lang="en-GB" dirty="0"/>
-              <a:t>Provides a roadmap for other manufacturing sectors aiming for efficiency improvements.</a:t>
-            </a:r>
-          </a:p>
-          <a:p>
-            <a:r>
-              <a:rPr lang="en-GB" dirty="0"/>
-              <a:t>Regenerate</a:t>
-            </a:r>
-          </a:p>
-          <a:p>
-            <a:br>
-              <a:rPr lang="en-GB" dirty="0"/>
-            </a:br>
-            <a:r>
-              <a:rPr lang="en-GB" dirty="0"/>
-              <a:t>.</a:t>
-            </a:r>
-          </a:p>
-        </p:txBody>
-      </p:sp>
+        </p:nvPicPr>
+        <p:blipFill>
+          <a:blip r:embed="rId2"/>
+          <a:stretch>
+            <a:fillRect/>
+          </a:stretch>
+        </p:blipFill>
+        <p:spPr>
+          <a:xfrm>
+            <a:off x="4401995" y="2270125"/>
+            <a:ext cx="3375167" cy="1662931"/>
+          </a:xfrm>
+        </p:spPr>
+      </p:pic>
+      <p:pic>
+        <p:nvPicPr>
+          <p:cNvPr id="7" name="Picture 6">
+            <a:extLst>
+              <a:ext uri="{FF2B5EF4-FFF2-40B4-BE49-F238E27FC236}">
+                <a16:creationId xmlns:a16="http://schemas.microsoft.com/office/drawing/2014/main" id="{2E964F08-36E9-0A22-E0D5-60EBF89D743E}"/>
+              </a:ext>
+            </a:extLst>
+          </p:cNvPr>
+          <p:cNvPicPr>
+            <a:picLocks noChangeAspect="1"/>
+          </p:cNvPicPr>
+          <p:nvPr/>
+        </p:nvPicPr>
+        <p:blipFill>
+          <a:blip r:embed="rId3"/>
+          <a:stretch>
+            <a:fillRect/>
+          </a:stretch>
+        </p:blipFill>
+        <p:spPr>
+          <a:xfrm>
+            <a:off x="814388" y="3508938"/>
+            <a:ext cx="3587608" cy="1686949"/>
+          </a:xfrm>
+          <a:prstGeom prst="rect">
+            <a:avLst/>
+          </a:prstGeom>
+        </p:spPr>
+      </p:pic>
     </p:spTree>
+    <p:extLst>
+      <p:ext uri="{BB962C8B-B14F-4D97-AF65-F5344CB8AC3E}">
+        <p14:creationId xmlns:p14="http://schemas.microsoft.com/office/powerpoint/2010/main" val="1491175477"/>
+      </p:ext>
+    </p:extLst>
   </p:cSld>
   <p:clrMapOvr>
     <a:masterClrMapping/>
@@ -7714,37 +7595,68 @@
                   <a:schemeClr val="tx1"/>
                 </a:solidFill>
               </a:rPr>
-              <a:t>Limitations </a:t>
+              <a:t>Conclusion</a:t>
+            </a:r>
+          </a:p>
+        </p:txBody>
+      </p:sp>
+      <p:sp>
+        <p:nvSpPr>
+          <p:cNvPr id="3" name="Content Placeholder 2"/>
+          <p:cNvSpPr>
+            <a:spLocks noGrp="1"/>
+          </p:cNvSpPr>
+          <p:nvPr>
+            <p:ph sz="quarter" idx="1"/>
+          </p:nvPr>
+        </p:nvSpPr>
+        <p:spPr/>
+        <p:txBody>
+          <a:bodyPr>
+            <a:normAutofit fontScale="55000" lnSpcReduction="20000"/>
+          </a:bodyPr>
+          <a:lstStyle/>
+          <a:p>
+            <a:r>
+              <a:rPr lang="en-GB" b="1" dirty="0"/>
+              <a:t>Objective and Key Findings:</a:t>
             </a:r>
             <a:endParaRPr lang="en-GB" dirty="0"/>
           </a:p>
-        </p:txBody>
-      </p:sp>
-      <p:sp>
-        <p:nvSpPr>
-          <p:cNvPr id="3" name="Content Placeholder 2"/>
-          <p:cNvSpPr>
-            <a:spLocks noGrp="1"/>
-          </p:cNvSpPr>
-          <p:nvPr>
-            <p:ph sz="quarter" idx="1"/>
-          </p:nvPr>
-        </p:nvSpPr>
-        <p:spPr>
-          <a:xfrm>
-            <a:off x="457200" y="1600200"/>
-            <a:ext cx="7467600" cy="4493096"/>
-          </a:xfrm>
-        </p:spPr>
-        <p:txBody>
-          <a:bodyPr>
-            <a:normAutofit fontScale="62500" lnSpcReduction="20000"/>
-          </a:bodyPr>
-          <a:lstStyle/>
+          <a:p>
+            <a:pPr lvl="1"/>
+            <a:r>
+              <a:rPr lang="en-GB" dirty="0"/>
+              <a:t>Aimed to understand phase overruns in beverage production.</a:t>
+            </a:r>
+          </a:p>
+          <a:p>
+            <a:pPr lvl="1"/>
+            <a:r>
+              <a:rPr lang="en-GB" dirty="0"/>
+              <a:t>Advanced machine learning models, notably the Random Forest </a:t>
+            </a:r>
+            <a:r>
+              <a:rPr lang="en-GB" dirty="0" err="1"/>
+              <a:t>Regressor</a:t>
+            </a:r>
+            <a:r>
+              <a:rPr lang="en-GB" dirty="0"/>
+              <a:t> and Gradient Boosting </a:t>
+            </a:r>
+            <a:r>
+              <a:rPr lang="en-GB" dirty="0" err="1"/>
+              <a:t>Regressor</a:t>
+            </a:r>
+            <a:r>
+              <a:rPr lang="en-GB" dirty="0"/>
+              <a:t>, showed strong predictive capabilities.</a:t>
+            </a:r>
+          </a:p>
           <a:p>
             <a:r>
               <a:rPr lang="en-GB" b="1" dirty="0"/>
-              <a:t>Neural Network-Based Models (e.g., LSTM):</a:t>
+              <a:t>Importance of Advanced ML Models:</a:t>
             </a:r>
             <a:endParaRPr lang="en-GB" dirty="0"/>
           </a:p>
@@ -7752,27 +7664,41 @@
             <a:pPr lvl="1"/>
             <a:r>
               <a:rPr lang="en-GB" dirty="0"/>
-              <a:t>Pose challenges across all instruction steps.</a:t>
+              <a:t>Demonstrated ability to predict phase overruns across various tanks and instruction steps.</a:t>
             </a:r>
           </a:p>
           <a:p>
             <a:pPr lvl="1"/>
             <a:r>
               <a:rPr lang="en-GB" dirty="0"/>
-              <a:t>Computationally intensive and require vast training data.</a:t>
-            </a:r>
+              <a:t>Emphasized the transformative potential of these techniques in the beverage industry.</a:t>
+            </a:r>
+          </a:p>
+          <a:p>
+            <a:r>
+              <a:rPr lang="en-GB" b="1" dirty="0"/>
+              <a:t>Value of Exploratory Data Analysis (EDA):</a:t>
+            </a:r>
+            <a:endParaRPr lang="en-GB" dirty="0"/>
           </a:p>
           <a:p>
             <a:pPr lvl="1"/>
             <a:r>
               <a:rPr lang="en-GB" dirty="0"/>
-              <a:t>Lack transparency desired for understanding production nuances.</a:t>
+              <a:t>Foundational step that illuminated production nuances and inefficiencies.</a:t>
+            </a:r>
+          </a:p>
+          <a:p>
+            <a:pPr lvl="1"/>
+            <a:r>
+              <a:rPr lang="en-GB" dirty="0"/>
+              <a:t>Proved beneficial even before the application of machine learning techniques.</a:t>
             </a:r>
           </a:p>
           <a:p>
             <a:r>
               <a:rPr lang="en-GB" b="1" dirty="0"/>
-              <a:t>Complexity of Models like Random Forests and GBMs:</a:t>
+              <a:t>Diversity of Top Models:</a:t>
             </a:r>
             <a:endParaRPr lang="en-GB" dirty="0"/>
           </a:p>
@@ -7780,31 +7706,49 @@
             <a:pPr lvl="1"/>
             <a:r>
               <a:rPr lang="en-GB" dirty="0"/>
-              <a:t>Provide potentially better results.</a:t>
+              <a:t>Different models excelled for different tanks and steps.</a:t>
             </a:r>
           </a:p>
           <a:p>
             <a:pPr lvl="1"/>
             <a:r>
               <a:rPr lang="en-GB" dirty="0"/>
-              <a:t>Intricate structures make it difficult to discern reasoning behind decisions.</a:t>
-            </a:r>
+              <a:t>Suggests that a custom approach, tailored to each specific task, might yield the best outcomes.</a:t>
+            </a:r>
+          </a:p>
+          <a:p>
+            <a:r>
+              <a:rPr lang="en-GB" b="1" dirty="0"/>
+              <a:t>Data Limitations:</a:t>
+            </a:r>
+            <a:endParaRPr lang="en-GB" dirty="0"/>
           </a:p>
           <a:p>
             <a:pPr lvl="1"/>
             <a:r>
               <a:rPr lang="en-GB" dirty="0"/>
-              <a:t>Lack straightforward interpretability, crucial for industries requiring explanations.</a:t>
-            </a:r>
-          </a:p>
-          <a:p>
-            <a:r>
-              <a:rPr lang="en-GB" b="1" dirty="0" err="1"/>
-              <a:t>Generalizability</a:t>
-            </a:r>
+              <a:t>Only two years of data were used.</a:t>
+            </a:r>
+          </a:p>
+          <a:p>
+            <a:pPr lvl="1"/>
+            <a:r>
+              <a:rPr lang="en-GB" dirty="0"/>
+              <a:t>Raised concerns about model </a:t>
+            </a:r>
+            <a:r>
+              <a:rPr lang="en-GB" dirty="0" err="1"/>
+              <a:t>generalizability</a:t>
+            </a:r>
+            <a:r>
+              <a:rPr lang="en-GB" dirty="0"/>
+              <a:t> and adaptability to future production shifts.</a:t>
+            </a:r>
+          </a:p>
+          <a:p>
             <a:r>
               <a:rPr lang="en-GB" b="1" dirty="0"/>
-              <a:t> Concerns:</a:t>
+              <a:t>Broader Implications:</a:t>
             </a:r>
             <a:endParaRPr lang="en-GB" dirty="0"/>
           </a:p>
@@ -7812,56 +7756,29 @@
             <a:pPr lvl="1"/>
             <a:r>
               <a:rPr lang="en-GB" dirty="0"/>
-              <a:t>Data or scenarios differing from training sets could lead to inaccurate predictions.</a:t>
-            </a:r>
-          </a:p>
-          <a:p>
-            <a:r>
-              <a:rPr lang="en-GB" b="1" dirty="0"/>
-              <a:t>Ethical Concerns:</a:t>
-            </a:r>
-            <a:endParaRPr lang="en-GB" dirty="0"/>
+              <a:t>The research is impactful for improving the beverage production sector.</a:t>
+            </a:r>
           </a:p>
           <a:p>
             <a:pPr lvl="1"/>
             <a:r>
               <a:rPr lang="en-GB" dirty="0"/>
-              <a:t>Potential biases within data could perpetuate or worsen existing gaps.</a:t>
-            </a:r>
-          </a:p>
-          <a:p>
-            <a:pPr lvl="1"/>
-            <a:r>
-              <a:rPr lang="en-GB" dirty="0"/>
-              <a:t>Bias example: Limited production beverage batch data of only 2 years may not capture broader trends or patterns.</a:t>
-            </a:r>
-          </a:p>
-          <a:p>
-            <a:r>
-              <a:rPr lang="en-GB" b="1" dirty="0"/>
-              <a:t>Dataset Limitations:</a:t>
-            </a:r>
-            <a:endParaRPr lang="en-GB" dirty="0"/>
-          </a:p>
-          <a:p>
-            <a:pPr lvl="1"/>
-            <a:r>
-              <a:rPr lang="en-GB" dirty="0"/>
-              <a:t>Insufficient material batch data to compare individual production tanks.</a:t>
-            </a:r>
-          </a:p>
-          <a:p>
-            <a:r>
-              <a:rPr lang="en-GB" b="1" dirty="0"/>
-              <a:t>Research Literature Gap:</a:t>
-            </a:r>
-            <a:endParaRPr lang="en-GB" dirty="0"/>
-          </a:p>
-          <a:p>
-            <a:pPr lvl="1"/>
-            <a:r>
-              <a:rPr lang="en-GB" dirty="0"/>
-              <a:t>Limited literature on predictive analysis using machine learning specifically for the beverage manufacturing industry.</a:t>
+              <a:t>Provides a roadmap for other manufacturing sectors aiming for efficiency improvements.</a:t>
+            </a:r>
+          </a:p>
+          <a:p>
+            <a:r>
+              <a:rPr lang="en-GB" dirty="0"/>
+              <a:t>Regenerate</a:t>
+            </a:r>
+          </a:p>
+          <a:p>
+            <a:br>
+              <a:rPr lang="en-GB" dirty="0"/>
+            </a:br>
+            <a:r>
+              <a:rPr lang="en-GB" dirty="0"/>
+              <a:t>.</a:t>
             </a:r>
           </a:p>
         </p:txBody>
@@ -7875,6 +7792,204 @@
 </file>
 
 <file path=ppt/slides/slide13.xml><?xml version="1.0" encoding="utf-8"?>
+<p:sld xmlns:a="http://schemas.openxmlformats.org/drawingml/2006/main" xmlns:r="http://schemas.openxmlformats.org/officeDocument/2006/relationships" xmlns:p="http://schemas.openxmlformats.org/presentationml/2006/main">
+  <p:cSld>
+    <p:spTree>
+      <p:nvGrpSpPr>
+        <p:cNvPr id="1" name=""/>
+        <p:cNvGrpSpPr/>
+        <p:nvPr/>
+      </p:nvGrpSpPr>
+      <p:grpSpPr>
+        <a:xfrm>
+          <a:off x="0" y="0"/>
+          <a:ext cx="0" cy="0"/>
+          <a:chOff x="0" y="0"/>
+          <a:chExt cx="0" cy="0"/>
+        </a:xfrm>
+      </p:grpSpPr>
+      <p:sp>
+        <p:nvSpPr>
+          <p:cNvPr id="2" name="Title 1"/>
+          <p:cNvSpPr>
+            <a:spLocks noGrp="1"/>
+          </p:cNvSpPr>
+          <p:nvPr>
+            <p:ph type="title"/>
+          </p:nvPr>
+        </p:nvSpPr>
+        <p:spPr/>
+        <p:txBody>
+          <a:bodyPr/>
+          <a:lstStyle/>
+          <a:p>
+            <a:r>
+              <a:rPr lang="en-GB" dirty="0">
+                <a:solidFill>
+                  <a:schemeClr val="tx1"/>
+                </a:solidFill>
+              </a:rPr>
+              <a:t>Limitations </a:t>
+            </a:r>
+            <a:endParaRPr lang="en-GB" dirty="0"/>
+          </a:p>
+        </p:txBody>
+      </p:sp>
+      <p:sp>
+        <p:nvSpPr>
+          <p:cNvPr id="3" name="Content Placeholder 2"/>
+          <p:cNvSpPr>
+            <a:spLocks noGrp="1"/>
+          </p:cNvSpPr>
+          <p:nvPr>
+            <p:ph sz="quarter" idx="1"/>
+          </p:nvPr>
+        </p:nvSpPr>
+        <p:spPr>
+          <a:xfrm>
+            <a:off x="457200" y="1600200"/>
+            <a:ext cx="7467600" cy="4493096"/>
+          </a:xfrm>
+        </p:spPr>
+        <p:txBody>
+          <a:bodyPr>
+            <a:normAutofit fontScale="62500" lnSpcReduction="20000"/>
+          </a:bodyPr>
+          <a:lstStyle/>
+          <a:p>
+            <a:r>
+              <a:rPr lang="en-GB" b="1" dirty="0"/>
+              <a:t>Neural Network-Based Models (e.g., LSTM):</a:t>
+            </a:r>
+            <a:endParaRPr lang="en-GB" dirty="0"/>
+          </a:p>
+          <a:p>
+            <a:pPr lvl="1"/>
+            <a:r>
+              <a:rPr lang="en-GB" dirty="0"/>
+              <a:t>Pose challenges across all instruction steps.</a:t>
+            </a:r>
+          </a:p>
+          <a:p>
+            <a:pPr lvl="1"/>
+            <a:r>
+              <a:rPr lang="en-GB" dirty="0"/>
+              <a:t>Computationally intensive and require vast training data.</a:t>
+            </a:r>
+          </a:p>
+          <a:p>
+            <a:pPr lvl="1"/>
+            <a:r>
+              <a:rPr lang="en-GB" dirty="0"/>
+              <a:t>Lack transparency desired for understanding production nuances.</a:t>
+            </a:r>
+          </a:p>
+          <a:p>
+            <a:r>
+              <a:rPr lang="en-GB" b="1" dirty="0"/>
+              <a:t>Complexity of Models like Random Forests and GBMs:</a:t>
+            </a:r>
+            <a:endParaRPr lang="en-GB" dirty="0"/>
+          </a:p>
+          <a:p>
+            <a:pPr lvl="1"/>
+            <a:r>
+              <a:rPr lang="en-GB" dirty="0"/>
+              <a:t>Provide potentially better results.</a:t>
+            </a:r>
+          </a:p>
+          <a:p>
+            <a:pPr lvl="1"/>
+            <a:r>
+              <a:rPr lang="en-GB" dirty="0"/>
+              <a:t>Intricate structures make it difficult to discern reasoning behind decisions.</a:t>
+            </a:r>
+          </a:p>
+          <a:p>
+            <a:pPr lvl="1"/>
+            <a:r>
+              <a:rPr lang="en-GB" dirty="0"/>
+              <a:t>Lack straightforward interpretability, crucial for industries requiring explanations.</a:t>
+            </a:r>
+          </a:p>
+          <a:p>
+            <a:r>
+              <a:rPr lang="en-GB" b="1" dirty="0" err="1"/>
+              <a:t>Generalizability</a:t>
+            </a:r>
+            <a:r>
+              <a:rPr lang="en-GB" b="1" dirty="0"/>
+              <a:t> Concerns:</a:t>
+            </a:r>
+            <a:endParaRPr lang="en-GB" dirty="0"/>
+          </a:p>
+          <a:p>
+            <a:pPr lvl="1"/>
+            <a:r>
+              <a:rPr lang="en-GB" dirty="0"/>
+              <a:t>Data or scenarios differing from training sets could lead to inaccurate predictions.</a:t>
+            </a:r>
+          </a:p>
+          <a:p>
+            <a:r>
+              <a:rPr lang="en-GB" b="1" dirty="0"/>
+              <a:t>Ethical Concerns:</a:t>
+            </a:r>
+            <a:endParaRPr lang="en-GB" dirty="0"/>
+          </a:p>
+          <a:p>
+            <a:pPr lvl="1"/>
+            <a:r>
+              <a:rPr lang="en-GB" dirty="0"/>
+              <a:t>Potential biases within data could perpetuate or worsen existing gaps.</a:t>
+            </a:r>
+          </a:p>
+          <a:p>
+            <a:pPr lvl="1"/>
+            <a:r>
+              <a:rPr lang="en-GB" dirty="0"/>
+              <a:t>Bias example: Limited production beverage batch data of only 2 years may not capture broader trends or patterns.</a:t>
+            </a:r>
+          </a:p>
+          <a:p>
+            <a:r>
+              <a:rPr lang="en-GB" b="1" dirty="0"/>
+              <a:t>Dataset Limitations:</a:t>
+            </a:r>
+            <a:endParaRPr lang="en-GB" dirty="0"/>
+          </a:p>
+          <a:p>
+            <a:pPr lvl="1"/>
+            <a:r>
+              <a:rPr lang="en-GB" dirty="0"/>
+              <a:t>Insufficient material batch data to compare individual production tanks.</a:t>
+            </a:r>
+          </a:p>
+          <a:p>
+            <a:r>
+              <a:rPr lang="en-GB" b="1" dirty="0"/>
+              <a:t>Research Literature Gap:</a:t>
+            </a:r>
+            <a:endParaRPr lang="en-GB" dirty="0"/>
+          </a:p>
+          <a:p>
+            <a:pPr lvl="1"/>
+            <a:r>
+              <a:rPr lang="en-GB" dirty="0"/>
+              <a:t>Limited literature on predictive analysis using machine learning specifically for the beverage manufacturing industry.</a:t>
+            </a:r>
+          </a:p>
+        </p:txBody>
+      </p:sp>
+    </p:spTree>
+  </p:cSld>
+  <p:clrMapOvr>
+    <a:masterClrMapping/>
+  </p:clrMapOvr>
+</p:sld>
+</file>
+
+<file path=ppt/slides/slide14.xml><?xml version="1.0" encoding="utf-8"?>
 <p:sld xmlns:a="http://schemas.openxmlformats.org/drawingml/2006/main" xmlns:r="http://schemas.openxmlformats.org/officeDocument/2006/relationships" xmlns:p="http://schemas.openxmlformats.org/presentationml/2006/main">
   <p:cSld>
     <p:spTree>
